--- a/docs/diagrams/FindMovieSequenceDiagram.pptx
+++ b/docs/diagrams/FindMovieSequenceDiagram.pptx
@@ -4927,8 +4927,8 @@
         </p:nvSpPr>
         <p:spPr>
           <a:xfrm>
-            <a:off x="6203697" y="5731173"/>
-            <a:ext cx="3810808" cy="138499"/>
+            <a:off x="6203696" y="5731173"/>
+            <a:ext cx="4326191" cy="161583"/>
           </a:xfrm>
           <a:prstGeom prst="rect">
             <a:avLst/>
@@ -4954,18 +4954,18 @@
           <a:p>
             <a:pPr algn="l"/>
             <a:r>
-              <a:rPr lang="en-US" sz="900" dirty="0"/>
+              <a:rPr lang="en-US" sz="1050" dirty="0"/>
               <a:t>FindMovieCommand(NameAndStartDateAndTagContains</a:t>
             </a:r>
             <a:r>
-              <a:rPr lang="en-SG" altLang="zh-CN" sz="900" dirty="0"/>
+              <a:rPr lang="en-SG" altLang="zh-CN" sz="1050" dirty="0"/>
               <a:t>KeywordsPredicate</a:t>
             </a:r>
             <a:r>
-              <a:rPr lang="zh-CN" altLang="en-US" sz="900" dirty="0"/>
+              <a:rPr lang="zh-CN" altLang="en-US" sz="1050" dirty="0"/>
               <a:t>）</a:t>
             </a:r>
-            <a:endParaRPr lang="en-US" sz="900" dirty="0"/>
+            <a:endParaRPr lang="en-US" sz="1050" dirty="0"/>
           </a:p>
         </p:txBody>
       </p:sp>
@@ -4984,7 +4984,7 @@
         <p:spPr>
           <a:xfrm>
             <a:off x="6369638" y="5394581"/>
-            <a:ext cx="2000869" cy="230832"/>
+            <a:ext cx="2207656" cy="246221"/>
           </a:xfrm>
           <a:prstGeom prst="rect">
             <a:avLst/>
@@ -4998,7 +4998,7 @@
           <a:lstStyle/>
           <a:p>
             <a:r>
-              <a:rPr lang="en-SG" sz="900" dirty="0">
+              <a:rPr lang="en-SG" sz="1000" dirty="0">
                 <a:solidFill>
                   <a:schemeClr val="accent1"/>
                 </a:solidFill>
@@ -5067,7 +5067,7 @@
         <p:spPr>
           <a:xfrm>
             <a:off x="6375533" y="5974436"/>
-            <a:ext cx="1827744" cy="230832"/>
+            <a:ext cx="1981633" cy="246221"/>
           </a:xfrm>
           <a:prstGeom prst="rect">
             <a:avLst/>
@@ -5081,7 +5081,7 @@
           <a:lstStyle/>
           <a:p>
             <a:r>
-              <a:rPr lang="en-SG" sz="900" dirty="0">
+              <a:rPr lang="en-SG" sz="1000" dirty="0">
                 <a:solidFill>
                   <a:schemeClr val="accent1"/>
                 </a:solidFill>
@@ -5149,8 +5149,8 @@
         </p:nvSpPr>
         <p:spPr>
           <a:xfrm>
-            <a:off x="6190997" y="6302673"/>
-            <a:ext cx="3810808" cy="138499"/>
+            <a:off x="6190996" y="6302673"/>
+            <a:ext cx="4267453" cy="161583"/>
           </a:xfrm>
           <a:prstGeom prst="rect">
             <a:avLst/>
@@ -5176,18 +5176,18 @@
           <a:p>
             <a:pPr algn="l"/>
             <a:r>
-              <a:rPr lang="en-US" sz="900" dirty="0"/>
+              <a:rPr lang="en-US" sz="1050" dirty="0"/>
               <a:t>FindMovieCommand(NameAndStartDateContains</a:t>
             </a:r>
             <a:r>
-              <a:rPr lang="en-SG" altLang="zh-CN" sz="900" dirty="0"/>
+              <a:rPr lang="en-SG" altLang="zh-CN" sz="1050" dirty="0"/>
               <a:t>KeywordsPredicate</a:t>
             </a:r>
             <a:r>
-              <a:rPr lang="zh-CN" altLang="en-US" sz="900" dirty="0"/>
+              <a:rPr lang="zh-CN" altLang="en-US" sz="1050" dirty="0"/>
               <a:t>）</a:t>
             </a:r>
-            <a:endParaRPr lang="en-US" sz="900" dirty="0"/>
+            <a:endParaRPr lang="en-US" sz="1050" dirty="0"/>
           </a:p>
         </p:txBody>
       </p:sp>
@@ -5206,7 +5206,7 @@
         <p:spPr>
           <a:xfrm>
             <a:off x="6381248" y="6540856"/>
-            <a:ext cx="1798890" cy="230832"/>
+            <a:ext cx="1657826" cy="246221"/>
           </a:xfrm>
           <a:prstGeom prst="rect">
             <a:avLst/>
@@ -5220,12 +5220,12 @@
           <a:lstStyle/>
           <a:p>
             <a:r>
-              <a:rPr lang="en-SG" sz="900" dirty="0">
+              <a:rPr lang="en-SG" sz="1000" dirty="0">
                 <a:solidFill>
                   <a:schemeClr val="accent1"/>
                 </a:solidFill>
               </a:rPr>
-              <a:t>[name, startDate prefixes present]</a:t>
+              <a:t>[name, tag prefixes present]</a:t>
             </a:r>
           </a:p>
         </p:txBody>
@@ -5289,7 +5289,7 @@
         <p:spPr>
           <a:xfrm>
             <a:off x="6196712" y="6869093"/>
-            <a:ext cx="3810808" cy="138499"/>
+            <a:ext cx="3810808" cy="161583"/>
           </a:xfrm>
           <a:prstGeom prst="rect">
             <a:avLst/>
@@ -5315,18 +5315,18 @@
           <a:p>
             <a:pPr algn="l"/>
             <a:r>
-              <a:rPr lang="en-US" sz="900" dirty="0"/>
-              <a:t>FindMovieCommand(NameAndStartDateContains</a:t>
-            </a:r>
-            <a:r>
-              <a:rPr lang="en-SG" altLang="zh-CN" sz="900" dirty="0"/>
+              <a:rPr lang="en-US" sz="1050" dirty="0"/>
+              <a:t>FindMovieCommand(NameAndTagDateContains</a:t>
+            </a:r>
+            <a:r>
+              <a:rPr lang="en-SG" altLang="zh-CN" sz="1050" dirty="0"/>
               <a:t>KeywordsPredicate</a:t>
             </a:r>
             <a:r>
-              <a:rPr lang="zh-CN" altLang="en-US" sz="900" dirty="0"/>
+              <a:rPr lang="zh-CN" altLang="en-US" sz="1050" dirty="0"/>
               <a:t>）</a:t>
             </a:r>
-            <a:endParaRPr lang="en-US" sz="900" dirty="0"/>
+            <a:endParaRPr lang="en-US" sz="1050" dirty="0"/>
           </a:p>
         </p:txBody>
       </p:sp>
@@ -5345,7 +5345,7 @@
         <p:spPr>
           <a:xfrm>
             <a:off x="6381248" y="7115531"/>
-            <a:ext cx="1508746" cy="230832"/>
+            <a:ext cx="1851789" cy="246221"/>
           </a:xfrm>
           <a:prstGeom prst="rect">
             <a:avLst/>
@@ -5359,12 +5359,12 @@
           <a:lstStyle/>
           <a:p>
             <a:r>
-              <a:rPr lang="en-SG" sz="900" dirty="0">
+              <a:rPr lang="en-SG" sz="1000" dirty="0">
                 <a:solidFill>
                   <a:schemeClr val="accent1"/>
                 </a:solidFill>
               </a:rPr>
-              <a:t>[name, tag prefixes present]</a:t>
+              <a:t>[startDate, tag prefixes present]</a:t>
             </a:r>
           </a:p>
         </p:txBody>
@@ -5428,7 +5428,7 @@
         <p:spPr>
           <a:xfrm>
             <a:off x="6196712" y="7443768"/>
-            <a:ext cx="3810808" cy="138499"/>
+            <a:ext cx="3810808" cy="161583"/>
           </a:xfrm>
           <a:prstGeom prst="rect">
             <a:avLst/>
@@ -5454,18 +5454,18 @@
           <a:p>
             <a:pPr algn="l"/>
             <a:r>
-              <a:rPr lang="en-US" sz="900" dirty="0"/>
-              <a:t>FindMovieCommand(NameAndTagContains</a:t>
-            </a:r>
-            <a:r>
-              <a:rPr lang="en-SG" altLang="zh-CN" sz="900" dirty="0"/>
+              <a:rPr lang="en-US" sz="1050" dirty="0"/>
+              <a:t>FindMovieCommand(StartDateAndTagContains</a:t>
+            </a:r>
+            <a:r>
+              <a:rPr lang="en-SG" altLang="zh-CN" sz="1050" dirty="0"/>
               <a:t>KeywordsPredicate</a:t>
             </a:r>
             <a:r>
-              <a:rPr lang="zh-CN" altLang="en-US" sz="900" dirty="0"/>
+              <a:rPr lang="zh-CN" altLang="en-US" sz="1050" dirty="0"/>
               <a:t>）</a:t>
             </a:r>
-            <a:endParaRPr lang="en-US" sz="900" dirty="0"/>
+            <a:endParaRPr lang="en-US" sz="1050" dirty="0"/>
           </a:p>
         </p:txBody>
       </p:sp>
@@ -5484,7 +5484,7 @@
         <p:spPr>
           <a:xfrm>
             <a:off x="6381248" y="7687031"/>
-            <a:ext cx="1249060" cy="230832"/>
+            <a:ext cx="1317990" cy="246221"/>
           </a:xfrm>
           <a:prstGeom prst="rect">
             <a:avLst/>
@@ -5498,7 +5498,7 @@
           <a:lstStyle/>
           <a:p>
             <a:r>
-              <a:rPr lang="en-SG" sz="900" dirty="0">
+              <a:rPr lang="en-SG" sz="1000" dirty="0">
                 <a:solidFill>
                   <a:schemeClr val="accent1"/>
                 </a:solidFill>
@@ -5567,7 +5567,7 @@
         <p:spPr>
           <a:xfrm>
             <a:off x="6196712" y="8015268"/>
-            <a:ext cx="3810808" cy="138499"/>
+            <a:ext cx="3810808" cy="161583"/>
           </a:xfrm>
           <a:prstGeom prst="rect">
             <a:avLst/>
@@ -5593,18 +5593,18 @@
           <a:p>
             <a:pPr algn="l"/>
             <a:r>
-              <a:rPr lang="en-US" sz="900" dirty="0"/>
+              <a:rPr lang="en-US" sz="1050" dirty="0"/>
               <a:t>FindMovieCommand(NameContains</a:t>
             </a:r>
             <a:r>
-              <a:rPr lang="en-SG" altLang="zh-CN" sz="900" dirty="0"/>
+              <a:rPr lang="en-SG" altLang="zh-CN" sz="1050" dirty="0"/>
               <a:t>KeywordsPredicate</a:t>
             </a:r>
             <a:r>
-              <a:rPr lang="zh-CN" altLang="en-US" sz="900" dirty="0"/>
+              <a:rPr lang="zh-CN" altLang="en-US" sz="1050" dirty="0"/>
               <a:t>）</a:t>
             </a:r>
-            <a:endParaRPr lang="en-US" sz="900" dirty="0"/>
+            <a:endParaRPr lang="en-US" sz="1050" dirty="0"/>
           </a:p>
         </p:txBody>
       </p:sp>
@@ -5623,7 +5623,7 @@
         <p:spPr>
           <a:xfrm>
             <a:off x="6384423" y="8275993"/>
-            <a:ext cx="1375698" cy="230832"/>
+            <a:ext cx="1511952" cy="246221"/>
           </a:xfrm>
           <a:prstGeom prst="rect">
             <a:avLst/>
@@ -5637,7 +5637,7 @@
           <a:lstStyle/>
           <a:p>
             <a:r>
-              <a:rPr lang="en-SG" sz="900" dirty="0">
+              <a:rPr lang="en-SG" sz="1000" dirty="0">
                 <a:solidFill>
                   <a:schemeClr val="accent1"/>
                 </a:solidFill>
@@ -5706,7 +5706,7 @@
         <p:spPr>
           <a:xfrm>
             <a:off x="6199887" y="8604230"/>
-            <a:ext cx="3810808" cy="138499"/>
+            <a:ext cx="3810808" cy="161583"/>
           </a:xfrm>
           <a:prstGeom prst="rect">
             <a:avLst/>
@@ -5732,18 +5732,18 @@
           <a:p>
             <a:pPr algn="l"/>
             <a:r>
-              <a:rPr lang="en-US" sz="900" dirty="0"/>
+              <a:rPr lang="en-US" sz="1050" dirty="0"/>
               <a:t>FindMovieCommand(StartDateContains</a:t>
             </a:r>
             <a:r>
-              <a:rPr lang="en-SG" altLang="zh-CN" sz="900" dirty="0"/>
+              <a:rPr lang="en-SG" altLang="zh-CN" sz="1050" dirty="0"/>
               <a:t>KeywordsPredicate</a:t>
             </a:r>
             <a:r>
-              <a:rPr lang="zh-CN" altLang="en-US" sz="900" dirty="0"/>
+              <a:rPr lang="zh-CN" altLang="en-US" sz="1050" dirty="0"/>
               <a:t>）</a:t>
             </a:r>
-            <a:endParaRPr lang="en-US" sz="900" dirty="0"/>
+            <a:endParaRPr lang="en-US" sz="1050" dirty="0"/>
           </a:p>
         </p:txBody>
       </p:sp>
@@ -5762,7 +5762,7 @@
         <p:spPr>
           <a:xfrm>
             <a:off x="6380828" y="8846896"/>
-            <a:ext cx="1085554" cy="230832"/>
+            <a:ext cx="1188146" cy="246221"/>
           </a:xfrm>
           <a:prstGeom prst="rect">
             <a:avLst/>
@@ -5776,7 +5776,7 @@
           <a:lstStyle/>
           <a:p>
             <a:r>
-              <a:rPr lang="en-SG" sz="900" dirty="0">
+              <a:rPr lang="en-SG" sz="1000" dirty="0">
                 <a:solidFill>
                   <a:schemeClr val="accent1"/>
                 </a:solidFill>
@@ -5845,7 +5845,7 @@
         <p:spPr>
           <a:xfrm>
             <a:off x="6196292" y="9175133"/>
-            <a:ext cx="3810808" cy="138499"/>
+            <a:ext cx="3810808" cy="161583"/>
           </a:xfrm>
           <a:prstGeom prst="rect">
             <a:avLst/>
@@ -5871,18 +5871,18 @@
           <a:p>
             <a:pPr algn="l"/>
             <a:r>
-              <a:rPr lang="en-US" sz="900" dirty="0"/>
+              <a:rPr lang="en-US" sz="1050" dirty="0"/>
               <a:t>FindMovieCommand(TagContains</a:t>
             </a:r>
             <a:r>
-              <a:rPr lang="en-SG" altLang="zh-CN" sz="900" dirty="0"/>
+              <a:rPr lang="en-SG" altLang="zh-CN" sz="1050" dirty="0"/>
               <a:t>KeywordsPredicate</a:t>
             </a:r>
             <a:r>
-              <a:rPr lang="zh-CN" altLang="en-US" sz="900" dirty="0"/>
+              <a:rPr lang="zh-CN" altLang="en-US" sz="1050" dirty="0"/>
               <a:t>）</a:t>
             </a:r>
-            <a:endParaRPr lang="en-US" sz="900" dirty="0"/>
+            <a:endParaRPr lang="en-US" sz="1050" dirty="0"/>
           </a:p>
         </p:txBody>
       </p:sp>

--- a/docs/diagrams/FindMovieSequenceDiagram.pptx
+++ b/docs/diagrams/FindMovieSequenceDiagram.pptx
@@ -2,12 +2,12 @@
 <file path=ppt/presentation.xml><?xml version="1.0" encoding="utf-8"?>
 <p:presentation xmlns:a="http://schemas.openxmlformats.org/drawingml/2006/main" xmlns:r="http://schemas.openxmlformats.org/officeDocument/2006/relationships" xmlns:p="http://schemas.openxmlformats.org/presentationml/2006/main" saveSubsetFonts="1">
   <p:sldMasterIdLst>
-    <p:sldMasterId id="2147483660" r:id="rId1"/>
+    <p:sldMasterId id="2147483684" r:id="rId1"/>
   </p:sldMasterIdLst>
   <p:sldIdLst>
     <p:sldId id="256" r:id="rId2"/>
   </p:sldIdLst>
-  <p:sldSz cx="12192000" cy="10817225"/>
+  <p:sldSz cx="32029400" cy="18016538"/>
   <p:notesSz cx="6858000" cy="9144000"/>
   <p:defaultTextStyle>
     <a:defPPr>
@@ -170,15 +170,15 @@
         </p:nvSpPr>
         <p:spPr>
           <a:xfrm>
-            <a:off x="914400" y="1770320"/>
-            <a:ext cx="10363200" cy="3765997"/>
+            <a:off x="4003675" y="2948541"/>
+            <a:ext cx="24022050" cy="6272424"/>
           </a:xfrm>
         </p:spPr>
         <p:txBody>
           <a:bodyPr anchor="b"/>
           <a:lstStyle>
             <a:lvl1pPr algn="ctr">
-              <a:defRPr sz="8000"/>
+              <a:defRPr sz="15763"/>
             </a:lvl1pPr>
           </a:lstStyle>
           <a:p>
@@ -202,8 +202,8 @@
         </p:nvSpPr>
         <p:spPr>
           <a:xfrm>
-            <a:off x="1524000" y="5681548"/>
-            <a:ext cx="9144000" cy="2611658"/>
+            <a:off x="4003675" y="9462854"/>
+            <a:ext cx="24022050" cy="4349825"/>
           </a:xfrm>
         </p:spPr>
         <p:txBody>
@@ -211,39 +211,39 @@
           <a:lstStyle>
             <a:lvl1pPr marL="0" indent="0" algn="ctr">
               <a:buNone/>
-              <a:defRPr sz="3200"/>
+              <a:defRPr sz="6305"/>
             </a:lvl1pPr>
-            <a:lvl2pPr marL="609585" indent="0" algn="ctr">
+            <a:lvl2pPr marL="1201110" indent="0" algn="ctr">
               <a:buNone/>
-              <a:defRPr sz="2667"/>
+              <a:defRPr sz="5254"/>
             </a:lvl2pPr>
-            <a:lvl3pPr marL="1219170" indent="0" algn="ctr">
+            <a:lvl3pPr marL="2402220" indent="0" algn="ctr">
               <a:buNone/>
-              <a:defRPr sz="2400"/>
+              <a:defRPr sz="4729"/>
             </a:lvl3pPr>
-            <a:lvl4pPr marL="1828754" indent="0" algn="ctr">
+            <a:lvl4pPr marL="3603330" indent="0" algn="ctr">
               <a:buNone/>
-              <a:defRPr sz="2133"/>
+              <a:defRPr sz="4203"/>
             </a:lvl4pPr>
-            <a:lvl5pPr marL="2438339" indent="0" algn="ctr">
+            <a:lvl5pPr marL="4804440" indent="0" algn="ctr">
               <a:buNone/>
-              <a:defRPr sz="2133"/>
+              <a:defRPr sz="4203"/>
             </a:lvl5pPr>
-            <a:lvl6pPr marL="3047924" indent="0" algn="ctr">
+            <a:lvl6pPr marL="6005551" indent="0" algn="ctr">
               <a:buNone/>
-              <a:defRPr sz="2133"/>
+              <a:defRPr sz="4203"/>
             </a:lvl6pPr>
-            <a:lvl7pPr marL="3657509" indent="0" algn="ctr">
+            <a:lvl7pPr marL="7206661" indent="0" algn="ctr">
               <a:buNone/>
-              <a:defRPr sz="2133"/>
+              <a:defRPr sz="4203"/>
             </a:lvl7pPr>
-            <a:lvl8pPr marL="4267093" indent="0" algn="ctr">
+            <a:lvl8pPr marL="8407771" indent="0" algn="ctr">
               <a:buNone/>
-              <a:defRPr sz="2133"/>
+              <a:defRPr sz="4203"/>
             </a:lvl8pPr>
-            <a:lvl9pPr marL="4876678" indent="0" algn="ctr">
+            <a:lvl9pPr marL="9608881" indent="0" algn="ctr">
               <a:buNone/>
-              <a:defRPr sz="2133"/>
+              <a:defRPr sz="4203"/>
             </a:lvl9pPr>
           </a:lstStyle>
           <a:p>
@@ -272,7 +272,7 @@
           <a:p>
             <a:fld id="{0DE02EAB-1EF7-43EE-8E62-1A307D75968C}" type="datetimeFigureOut">
               <a:rPr lang="en-SG" smtClean="0"/>
-              <a:t>27/3/2018</a:t>
+              <a:t>30/3/2018</a:t>
             </a:fld>
             <a:endParaRPr lang="en-SG"/>
           </a:p>
@@ -323,7 +323,7 @@
     </p:spTree>
     <p:extLst>
       <p:ext uri="{BB962C8B-B14F-4D97-AF65-F5344CB8AC3E}">
-        <p14:creationId xmlns:p14="http://schemas.microsoft.com/office/powerpoint/2010/main" val="2896034166"/>
+        <p14:creationId xmlns:p14="http://schemas.microsoft.com/office/powerpoint/2010/main" val="2819477327"/>
       </p:ext>
     </p:extLst>
   </p:cSld>
@@ -442,7 +442,7 @@
           <a:p>
             <a:fld id="{0DE02EAB-1EF7-43EE-8E62-1A307D75968C}" type="datetimeFigureOut">
               <a:rPr lang="en-SG" smtClean="0"/>
-              <a:t>27/3/2018</a:t>
+              <a:t>30/3/2018</a:t>
             </a:fld>
             <a:endParaRPr lang="en-SG"/>
           </a:p>
@@ -493,7 +493,7 @@
     </p:spTree>
     <p:extLst>
       <p:ext uri="{BB962C8B-B14F-4D97-AF65-F5344CB8AC3E}">
-        <p14:creationId xmlns:p14="http://schemas.microsoft.com/office/powerpoint/2010/main" val="2909407548"/>
+        <p14:creationId xmlns:p14="http://schemas.microsoft.com/office/powerpoint/2010/main" val="3204245691"/>
       </p:ext>
     </p:extLst>
   </p:cSld>
@@ -532,8 +532,8 @@
         </p:nvSpPr>
         <p:spPr>
           <a:xfrm>
-            <a:off x="8724901" y="575917"/>
-            <a:ext cx="2628900" cy="9167098"/>
+            <a:off x="22921040" y="959214"/>
+            <a:ext cx="6906339" cy="15268183"/>
           </a:xfrm>
         </p:spPr>
         <p:txBody>
@@ -560,8 +560,8 @@
         </p:nvSpPr>
         <p:spPr>
           <a:xfrm>
-            <a:off x="838201" y="575917"/>
-            <a:ext cx="7734300" cy="9167098"/>
+            <a:off x="2202021" y="959214"/>
+            <a:ext cx="20318651" cy="15268183"/>
           </a:xfrm>
         </p:spPr>
         <p:txBody>
@@ -622,7 +622,7 @@
           <a:p>
             <a:fld id="{0DE02EAB-1EF7-43EE-8E62-1A307D75968C}" type="datetimeFigureOut">
               <a:rPr lang="en-SG" smtClean="0"/>
-              <a:t>27/3/2018</a:t>
+              <a:t>30/3/2018</a:t>
             </a:fld>
             <a:endParaRPr lang="en-SG"/>
           </a:p>
@@ -673,7 +673,7 @@
     </p:spTree>
     <p:extLst>
       <p:ext uri="{BB962C8B-B14F-4D97-AF65-F5344CB8AC3E}">
-        <p14:creationId xmlns:p14="http://schemas.microsoft.com/office/powerpoint/2010/main" val="1260700871"/>
+        <p14:creationId xmlns:p14="http://schemas.microsoft.com/office/powerpoint/2010/main" val="2564989499"/>
       </p:ext>
     </p:extLst>
   </p:cSld>
@@ -792,7 +792,7 @@
           <a:p>
             <a:fld id="{0DE02EAB-1EF7-43EE-8E62-1A307D75968C}" type="datetimeFigureOut">
               <a:rPr lang="en-SG" smtClean="0"/>
-              <a:t>27/3/2018</a:t>
+              <a:t>30/3/2018</a:t>
             </a:fld>
             <a:endParaRPr lang="en-SG"/>
           </a:p>
@@ -843,7 +843,7 @@
     </p:spTree>
     <p:extLst>
       <p:ext uri="{BB962C8B-B14F-4D97-AF65-F5344CB8AC3E}">
-        <p14:creationId xmlns:p14="http://schemas.microsoft.com/office/powerpoint/2010/main" val="3813214654"/>
+        <p14:creationId xmlns:p14="http://schemas.microsoft.com/office/powerpoint/2010/main" val="1189520928"/>
       </p:ext>
     </p:extLst>
   </p:cSld>
@@ -882,15 +882,15 @@
         </p:nvSpPr>
         <p:spPr>
           <a:xfrm>
-            <a:off x="831851" y="2696798"/>
-            <a:ext cx="10515600" cy="4499664"/>
+            <a:off x="2185339" y="4491626"/>
+            <a:ext cx="27625358" cy="7494378"/>
           </a:xfrm>
         </p:spPr>
         <p:txBody>
           <a:bodyPr anchor="b"/>
           <a:lstStyle>
             <a:lvl1pPr>
-              <a:defRPr sz="8000"/>
+              <a:defRPr sz="15763"/>
             </a:lvl1pPr>
           </a:lstStyle>
           <a:p>
@@ -914,8 +914,8 @@
         </p:nvSpPr>
         <p:spPr>
           <a:xfrm>
-            <a:off x="831851" y="7239030"/>
-            <a:ext cx="10515600" cy="2366267"/>
+            <a:off x="2185339" y="12056904"/>
+            <a:ext cx="27625358" cy="3941116"/>
           </a:xfrm>
         </p:spPr>
         <p:txBody>
@@ -923,15 +923,17 @@
           <a:lstStyle>
             <a:lvl1pPr marL="0" indent="0">
               <a:buNone/>
-              <a:defRPr sz="3200">
+              <a:defRPr sz="6305">
                 <a:solidFill>
-                  <a:schemeClr val="tx1"/>
+                  <a:schemeClr val="tx1">
+                    <a:tint val="75000"/>
+                  </a:schemeClr>
                 </a:solidFill>
               </a:defRPr>
             </a:lvl1pPr>
-            <a:lvl2pPr marL="609585" indent="0">
+            <a:lvl2pPr marL="1201110" indent="0">
               <a:buNone/>
-              <a:defRPr sz="2667">
+              <a:defRPr sz="5254">
                 <a:solidFill>
                   <a:schemeClr val="tx1">
                     <a:tint val="75000"/>
@@ -939,9 +941,9 @@
                 </a:solidFill>
               </a:defRPr>
             </a:lvl2pPr>
-            <a:lvl3pPr marL="1219170" indent="0">
+            <a:lvl3pPr marL="2402220" indent="0">
               <a:buNone/>
-              <a:defRPr sz="2400">
+              <a:defRPr sz="4729">
                 <a:solidFill>
                   <a:schemeClr val="tx1">
                     <a:tint val="75000"/>
@@ -949,9 +951,9 @@
                 </a:solidFill>
               </a:defRPr>
             </a:lvl3pPr>
-            <a:lvl4pPr marL="1828754" indent="0">
+            <a:lvl4pPr marL="3603330" indent="0">
               <a:buNone/>
-              <a:defRPr sz="2133">
+              <a:defRPr sz="4203">
                 <a:solidFill>
                   <a:schemeClr val="tx1">
                     <a:tint val="75000"/>
@@ -959,9 +961,9 @@
                 </a:solidFill>
               </a:defRPr>
             </a:lvl4pPr>
-            <a:lvl5pPr marL="2438339" indent="0">
+            <a:lvl5pPr marL="4804440" indent="0">
               <a:buNone/>
-              <a:defRPr sz="2133">
+              <a:defRPr sz="4203">
                 <a:solidFill>
                   <a:schemeClr val="tx1">
                     <a:tint val="75000"/>
@@ -969,9 +971,9 @@
                 </a:solidFill>
               </a:defRPr>
             </a:lvl5pPr>
-            <a:lvl6pPr marL="3047924" indent="0">
+            <a:lvl6pPr marL="6005551" indent="0">
               <a:buNone/>
-              <a:defRPr sz="2133">
+              <a:defRPr sz="4203">
                 <a:solidFill>
                   <a:schemeClr val="tx1">
                     <a:tint val="75000"/>
@@ -979,9 +981,9 @@
                 </a:solidFill>
               </a:defRPr>
             </a:lvl6pPr>
-            <a:lvl7pPr marL="3657509" indent="0">
+            <a:lvl7pPr marL="7206661" indent="0">
               <a:buNone/>
-              <a:defRPr sz="2133">
+              <a:defRPr sz="4203">
                 <a:solidFill>
                   <a:schemeClr val="tx1">
                     <a:tint val="75000"/>
@@ -989,9 +991,9 @@
                 </a:solidFill>
               </a:defRPr>
             </a:lvl7pPr>
-            <a:lvl8pPr marL="4267093" indent="0">
+            <a:lvl8pPr marL="8407771" indent="0">
               <a:buNone/>
-              <a:defRPr sz="2133">
+              <a:defRPr sz="4203">
                 <a:solidFill>
                   <a:schemeClr val="tx1">
                     <a:tint val="75000"/>
@@ -999,9 +1001,9 @@
                 </a:solidFill>
               </a:defRPr>
             </a:lvl8pPr>
-            <a:lvl9pPr marL="4876678" indent="0">
+            <a:lvl9pPr marL="9608881" indent="0">
               <a:buNone/>
-              <a:defRPr sz="2133">
+              <a:defRPr sz="4203">
                 <a:solidFill>
                   <a:schemeClr val="tx1">
                     <a:tint val="75000"/>
@@ -1036,7 +1038,7 @@
           <a:p>
             <a:fld id="{0DE02EAB-1EF7-43EE-8E62-1A307D75968C}" type="datetimeFigureOut">
               <a:rPr lang="en-SG" smtClean="0"/>
-              <a:t>27/3/2018</a:t>
+              <a:t>30/3/2018</a:t>
             </a:fld>
             <a:endParaRPr lang="en-SG"/>
           </a:p>
@@ -1087,7 +1089,7 @@
     </p:spTree>
     <p:extLst>
       <p:ext uri="{BB962C8B-B14F-4D97-AF65-F5344CB8AC3E}">
-        <p14:creationId xmlns:p14="http://schemas.microsoft.com/office/powerpoint/2010/main" val="4022527669"/>
+        <p14:creationId xmlns:p14="http://schemas.microsoft.com/office/powerpoint/2010/main" val="2500782078"/>
       </p:ext>
     </p:extLst>
   </p:cSld>
@@ -1149,8 +1151,8 @@
         </p:nvSpPr>
         <p:spPr>
           <a:xfrm>
-            <a:off x="838200" y="2879585"/>
-            <a:ext cx="5181600" cy="6863430"/>
+            <a:off x="2202021" y="4796069"/>
+            <a:ext cx="13612495" cy="11431328"/>
           </a:xfrm>
         </p:spPr>
         <p:txBody>
@@ -1206,8 +1208,8 @@
         </p:nvSpPr>
         <p:spPr>
           <a:xfrm>
-            <a:off x="6172200" y="2879585"/>
-            <a:ext cx="5181600" cy="6863430"/>
+            <a:off x="16214884" y="4796069"/>
+            <a:ext cx="13612495" cy="11431328"/>
           </a:xfrm>
         </p:spPr>
         <p:txBody>
@@ -1268,7 +1270,7 @@
           <a:p>
             <a:fld id="{0DE02EAB-1EF7-43EE-8E62-1A307D75968C}" type="datetimeFigureOut">
               <a:rPr lang="en-SG" smtClean="0"/>
-              <a:t>27/3/2018</a:t>
+              <a:t>30/3/2018</a:t>
             </a:fld>
             <a:endParaRPr lang="en-SG"/>
           </a:p>
@@ -1319,7 +1321,7 @@
     </p:spTree>
     <p:extLst>
       <p:ext uri="{BB962C8B-B14F-4D97-AF65-F5344CB8AC3E}">
-        <p14:creationId xmlns:p14="http://schemas.microsoft.com/office/powerpoint/2010/main" val="3037374571"/>
+        <p14:creationId xmlns:p14="http://schemas.microsoft.com/office/powerpoint/2010/main" val="2545031193"/>
       </p:ext>
     </p:extLst>
   </p:cSld>
@@ -1358,8 +1360,8 @@
         </p:nvSpPr>
         <p:spPr>
           <a:xfrm>
-            <a:off x="839788" y="575920"/>
-            <a:ext cx="10515600" cy="2090830"/>
+            <a:off x="2206193" y="959215"/>
+            <a:ext cx="27625358" cy="3482365"/>
           </a:xfrm>
         </p:spPr>
         <p:txBody>
@@ -1386,8 +1388,8 @@
         </p:nvSpPr>
         <p:spPr>
           <a:xfrm>
-            <a:off x="839789" y="2651723"/>
-            <a:ext cx="5157787" cy="1299569"/>
+            <a:off x="2206195" y="4416555"/>
+            <a:ext cx="13549936" cy="2164486"/>
           </a:xfrm>
         </p:spPr>
         <p:txBody>
@@ -1395,39 +1397,39 @@
           <a:lstStyle>
             <a:lvl1pPr marL="0" indent="0">
               <a:buNone/>
-              <a:defRPr sz="3200" b="1"/>
+              <a:defRPr sz="6305" b="1"/>
             </a:lvl1pPr>
-            <a:lvl2pPr marL="609585" indent="0">
+            <a:lvl2pPr marL="1201110" indent="0">
               <a:buNone/>
-              <a:defRPr sz="2667" b="1"/>
+              <a:defRPr sz="5254" b="1"/>
             </a:lvl2pPr>
-            <a:lvl3pPr marL="1219170" indent="0">
+            <a:lvl3pPr marL="2402220" indent="0">
               <a:buNone/>
-              <a:defRPr sz="2400" b="1"/>
+              <a:defRPr sz="4729" b="1"/>
             </a:lvl3pPr>
-            <a:lvl4pPr marL="1828754" indent="0">
+            <a:lvl4pPr marL="3603330" indent="0">
               <a:buNone/>
-              <a:defRPr sz="2133" b="1"/>
+              <a:defRPr sz="4203" b="1"/>
             </a:lvl4pPr>
-            <a:lvl5pPr marL="2438339" indent="0">
+            <a:lvl5pPr marL="4804440" indent="0">
               <a:buNone/>
-              <a:defRPr sz="2133" b="1"/>
+              <a:defRPr sz="4203" b="1"/>
             </a:lvl5pPr>
-            <a:lvl6pPr marL="3047924" indent="0">
+            <a:lvl6pPr marL="6005551" indent="0">
               <a:buNone/>
-              <a:defRPr sz="2133" b="1"/>
+              <a:defRPr sz="4203" b="1"/>
             </a:lvl6pPr>
-            <a:lvl7pPr marL="3657509" indent="0">
+            <a:lvl7pPr marL="7206661" indent="0">
               <a:buNone/>
-              <a:defRPr sz="2133" b="1"/>
+              <a:defRPr sz="4203" b="1"/>
             </a:lvl7pPr>
-            <a:lvl8pPr marL="4267093" indent="0">
+            <a:lvl8pPr marL="8407771" indent="0">
               <a:buNone/>
-              <a:defRPr sz="2133" b="1"/>
+              <a:defRPr sz="4203" b="1"/>
             </a:lvl8pPr>
-            <a:lvl9pPr marL="4876678" indent="0">
+            <a:lvl9pPr marL="9608881" indent="0">
               <a:buNone/>
-              <a:defRPr sz="2133" b="1"/>
+              <a:defRPr sz="4203" b="1"/>
             </a:lvl9pPr>
           </a:lstStyle>
           <a:p>
@@ -1451,8 +1453,8 @@
         </p:nvSpPr>
         <p:spPr>
           <a:xfrm>
-            <a:off x="839789" y="3951292"/>
-            <a:ext cx="5157787" cy="5811755"/>
+            <a:off x="2206195" y="6581041"/>
+            <a:ext cx="13549936" cy="9679720"/>
           </a:xfrm>
         </p:spPr>
         <p:txBody>
@@ -1508,8 +1510,8 @@
         </p:nvSpPr>
         <p:spPr>
           <a:xfrm>
-            <a:off x="6172201" y="2651723"/>
-            <a:ext cx="5183188" cy="1299569"/>
+            <a:off x="16214884" y="4416555"/>
+            <a:ext cx="13616667" cy="2164486"/>
           </a:xfrm>
         </p:spPr>
         <p:txBody>
@@ -1517,39 +1519,39 @@
           <a:lstStyle>
             <a:lvl1pPr marL="0" indent="0">
               <a:buNone/>
-              <a:defRPr sz="3200" b="1"/>
+              <a:defRPr sz="6305" b="1"/>
             </a:lvl1pPr>
-            <a:lvl2pPr marL="609585" indent="0">
+            <a:lvl2pPr marL="1201110" indent="0">
               <a:buNone/>
-              <a:defRPr sz="2667" b="1"/>
+              <a:defRPr sz="5254" b="1"/>
             </a:lvl2pPr>
-            <a:lvl3pPr marL="1219170" indent="0">
+            <a:lvl3pPr marL="2402220" indent="0">
               <a:buNone/>
-              <a:defRPr sz="2400" b="1"/>
+              <a:defRPr sz="4729" b="1"/>
             </a:lvl3pPr>
-            <a:lvl4pPr marL="1828754" indent="0">
+            <a:lvl4pPr marL="3603330" indent="0">
               <a:buNone/>
-              <a:defRPr sz="2133" b="1"/>
+              <a:defRPr sz="4203" b="1"/>
             </a:lvl4pPr>
-            <a:lvl5pPr marL="2438339" indent="0">
+            <a:lvl5pPr marL="4804440" indent="0">
               <a:buNone/>
-              <a:defRPr sz="2133" b="1"/>
+              <a:defRPr sz="4203" b="1"/>
             </a:lvl5pPr>
-            <a:lvl6pPr marL="3047924" indent="0">
+            <a:lvl6pPr marL="6005551" indent="0">
               <a:buNone/>
-              <a:defRPr sz="2133" b="1"/>
+              <a:defRPr sz="4203" b="1"/>
             </a:lvl6pPr>
-            <a:lvl7pPr marL="3657509" indent="0">
+            <a:lvl7pPr marL="7206661" indent="0">
               <a:buNone/>
-              <a:defRPr sz="2133" b="1"/>
+              <a:defRPr sz="4203" b="1"/>
             </a:lvl7pPr>
-            <a:lvl8pPr marL="4267093" indent="0">
+            <a:lvl8pPr marL="8407771" indent="0">
               <a:buNone/>
-              <a:defRPr sz="2133" b="1"/>
+              <a:defRPr sz="4203" b="1"/>
             </a:lvl8pPr>
-            <a:lvl9pPr marL="4876678" indent="0">
+            <a:lvl9pPr marL="9608881" indent="0">
               <a:buNone/>
-              <a:defRPr sz="2133" b="1"/>
+              <a:defRPr sz="4203" b="1"/>
             </a:lvl9pPr>
           </a:lstStyle>
           <a:p>
@@ -1573,8 +1575,8 @@
         </p:nvSpPr>
         <p:spPr>
           <a:xfrm>
-            <a:off x="6172201" y="3951292"/>
-            <a:ext cx="5183188" cy="5811755"/>
+            <a:off x="16214884" y="6581041"/>
+            <a:ext cx="13616667" cy="9679720"/>
           </a:xfrm>
         </p:spPr>
         <p:txBody>
@@ -1635,7 +1637,7 @@
           <a:p>
             <a:fld id="{0DE02EAB-1EF7-43EE-8E62-1A307D75968C}" type="datetimeFigureOut">
               <a:rPr lang="en-SG" smtClean="0"/>
-              <a:t>27/3/2018</a:t>
+              <a:t>30/3/2018</a:t>
             </a:fld>
             <a:endParaRPr lang="en-SG"/>
           </a:p>
@@ -1686,7 +1688,7 @@
     </p:spTree>
     <p:extLst>
       <p:ext uri="{BB962C8B-B14F-4D97-AF65-F5344CB8AC3E}">
-        <p14:creationId xmlns:p14="http://schemas.microsoft.com/office/powerpoint/2010/main" val="2516506603"/>
+        <p14:creationId xmlns:p14="http://schemas.microsoft.com/office/powerpoint/2010/main" val="872221036"/>
       </p:ext>
     </p:extLst>
   </p:cSld>
@@ -1753,7 +1755,7 @@
           <a:p>
             <a:fld id="{0DE02EAB-1EF7-43EE-8E62-1A307D75968C}" type="datetimeFigureOut">
               <a:rPr lang="en-SG" smtClean="0"/>
-              <a:t>27/3/2018</a:t>
+              <a:t>30/3/2018</a:t>
             </a:fld>
             <a:endParaRPr lang="en-SG"/>
           </a:p>
@@ -1804,7 +1806,7 @@
     </p:spTree>
     <p:extLst>
       <p:ext uri="{BB962C8B-B14F-4D97-AF65-F5344CB8AC3E}">
-        <p14:creationId xmlns:p14="http://schemas.microsoft.com/office/powerpoint/2010/main" val="753911860"/>
+        <p14:creationId xmlns:p14="http://schemas.microsoft.com/office/powerpoint/2010/main" val="3785472895"/>
       </p:ext>
     </p:extLst>
   </p:cSld>
@@ -1848,7 +1850,7 @@
           <a:p>
             <a:fld id="{0DE02EAB-1EF7-43EE-8E62-1A307D75968C}" type="datetimeFigureOut">
               <a:rPr lang="en-SG" smtClean="0"/>
-              <a:t>27/3/2018</a:t>
+              <a:t>30/3/2018</a:t>
             </a:fld>
             <a:endParaRPr lang="en-SG"/>
           </a:p>
@@ -1899,7 +1901,7 @@
     </p:spTree>
     <p:extLst>
       <p:ext uri="{BB962C8B-B14F-4D97-AF65-F5344CB8AC3E}">
-        <p14:creationId xmlns:p14="http://schemas.microsoft.com/office/powerpoint/2010/main" val="846208382"/>
+        <p14:creationId xmlns:p14="http://schemas.microsoft.com/office/powerpoint/2010/main" val="961057930"/>
       </p:ext>
     </p:extLst>
   </p:cSld>
@@ -1938,15 +1940,15 @@
         </p:nvSpPr>
         <p:spPr>
           <a:xfrm>
-            <a:off x="839788" y="721148"/>
-            <a:ext cx="3932237" cy="2524019"/>
+            <a:off x="2206195" y="1201102"/>
+            <a:ext cx="10330314" cy="4203859"/>
           </a:xfrm>
         </p:spPr>
         <p:txBody>
           <a:bodyPr anchor="b"/>
           <a:lstStyle>
             <a:lvl1pPr>
-              <a:defRPr sz="4267"/>
+              <a:defRPr sz="8407"/>
             </a:lvl1pPr>
           </a:lstStyle>
           <a:p>
@@ -1970,39 +1972,39 @@
         </p:nvSpPr>
         <p:spPr>
           <a:xfrm>
-            <a:off x="5183188" y="1557482"/>
-            <a:ext cx="6172200" cy="7687241"/>
+            <a:off x="13616667" y="2594049"/>
+            <a:ext cx="16214884" cy="12803419"/>
           </a:xfrm>
         </p:spPr>
         <p:txBody>
           <a:bodyPr/>
           <a:lstStyle>
             <a:lvl1pPr>
-              <a:defRPr sz="4267"/>
+              <a:defRPr sz="8407"/>
             </a:lvl1pPr>
             <a:lvl2pPr>
-              <a:defRPr sz="3733"/>
+              <a:defRPr sz="7356"/>
             </a:lvl2pPr>
             <a:lvl3pPr>
-              <a:defRPr sz="3200"/>
+              <a:defRPr sz="6305"/>
             </a:lvl3pPr>
             <a:lvl4pPr>
-              <a:defRPr sz="2667"/>
+              <a:defRPr sz="5254"/>
             </a:lvl4pPr>
             <a:lvl5pPr>
-              <a:defRPr sz="2667"/>
+              <a:defRPr sz="5254"/>
             </a:lvl5pPr>
             <a:lvl6pPr>
-              <a:defRPr sz="2667"/>
+              <a:defRPr sz="5254"/>
             </a:lvl6pPr>
             <a:lvl7pPr>
-              <a:defRPr sz="2667"/>
+              <a:defRPr sz="5254"/>
             </a:lvl7pPr>
             <a:lvl8pPr>
-              <a:defRPr sz="2667"/>
+              <a:defRPr sz="5254"/>
             </a:lvl8pPr>
             <a:lvl9pPr>
-              <a:defRPr sz="2667"/>
+              <a:defRPr sz="5254"/>
             </a:lvl9pPr>
           </a:lstStyle>
           <a:p>
@@ -2055,8 +2057,8 @@
         </p:nvSpPr>
         <p:spPr>
           <a:xfrm>
-            <a:off x="839788" y="3245168"/>
-            <a:ext cx="3932237" cy="6012074"/>
+            <a:off x="2206195" y="5404961"/>
+            <a:ext cx="10330314" cy="10013360"/>
           </a:xfrm>
         </p:spPr>
         <p:txBody>
@@ -2064,39 +2066,39 @@
           <a:lstStyle>
             <a:lvl1pPr marL="0" indent="0">
               <a:buNone/>
-              <a:defRPr sz="2133"/>
+              <a:defRPr sz="4203"/>
             </a:lvl1pPr>
-            <a:lvl2pPr marL="609585" indent="0">
+            <a:lvl2pPr marL="1201110" indent="0">
               <a:buNone/>
-              <a:defRPr sz="1867"/>
+              <a:defRPr sz="3678"/>
             </a:lvl2pPr>
-            <a:lvl3pPr marL="1219170" indent="0">
+            <a:lvl3pPr marL="2402220" indent="0">
               <a:buNone/>
-              <a:defRPr sz="1600"/>
+              <a:defRPr sz="3153"/>
             </a:lvl3pPr>
-            <a:lvl4pPr marL="1828754" indent="0">
+            <a:lvl4pPr marL="3603330" indent="0">
               <a:buNone/>
-              <a:defRPr sz="1333"/>
+              <a:defRPr sz="2627"/>
             </a:lvl4pPr>
-            <a:lvl5pPr marL="2438339" indent="0">
+            <a:lvl5pPr marL="4804440" indent="0">
               <a:buNone/>
-              <a:defRPr sz="1333"/>
+              <a:defRPr sz="2627"/>
             </a:lvl5pPr>
-            <a:lvl6pPr marL="3047924" indent="0">
+            <a:lvl6pPr marL="6005551" indent="0">
               <a:buNone/>
-              <a:defRPr sz="1333"/>
+              <a:defRPr sz="2627"/>
             </a:lvl6pPr>
-            <a:lvl7pPr marL="3657509" indent="0">
+            <a:lvl7pPr marL="7206661" indent="0">
               <a:buNone/>
-              <a:defRPr sz="1333"/>
+              <a:defRPr sz="2627"/>
             </a:lvl7pPr>
-            <a:lvl8pPr marL="4267093" indent="0">
+            <a:lvl8pPr marL="8407771" indent="0">
               <a:buNone/>
-              <a:defRPr sz="1333"/>
+              <a:defRPr sz="2627"/>
             </a:lvl8pPr>
-            <a:lvl9pPr marL="4876678" indent="0">
+            <a:lvl9pPr marL="9608881" indent="0">
               <a:buNone/>
-              <a:defRPr sz="1333"/>
+              <a:defRPr sz="2627"/>
             </a:lvl9pPr>
           </a:lstStyle>
           <a:p>
@@ -2125,7 +2127,7 @@
           <a:p>
             <a:fld id="{0DE02EAB-1EF7-43EE-8E62-1A307D75968C}" type="datetimeFigureOut">
               <a:rPr lang="en-SG" smtClean="0"/>
-              <a:t>27/3/2018</a:t>
+              <a:t>30/3/2018</a:t>
             </a:fld>
             <a:endParaRPr lang="en-SG"/>
           </a:p>
@@ -2176,7 +2178,7 @@
     </p:spTree>
     <p:extLst>
       <p:ext uri="{BB962C8B-B14F-4D97-AF65-F5344CB8AC3E}">
-        <p14:creationId xmlns:p14="http://schemas.microsoft.com/office/powerpoint/2010/main" val="275721452"/>
+        <p14:creationId xmlns:p14="http://schemas.microsoft.com/office/powerpoint/2010/main" val="2995389375"/>
       </p:ext>
     </p:extLst>
   </p:cSld>
@@ -2215,15 +2217,15 @@
         </p:nvSpPr>
         <p:spPr>
           <a:xfrm>
-            <a:off x="839788" y="721148"/>
-            <a:ext cx="3932237" cy="2524019"/>
+            <a:off x="2206195" y="1201102"/>
+            <a:ext cx="10330314" cy="4203859"/>
           </a:xfrm>
         </p:spPr>
         <p:txBody>
           <a:bodyPr anchor="b"/>
           <a:lstStyle>
             <a:lvl1pPr>
-              <a:defRPr sz="4267"/>
+              <a:defRPr sz="8407"/>
             </a:lvl1pPr>
           </a:lstStyle>
           <a:p>
@@ -2247,8 +2249,8 @@
         </p:nvSpPr>
         <p:spPr>
           <a:xfrm>
-            <a:off x="5183188" y="1557482"/>
-            <a:ext cx="6172200" cy="7687241"/>
+            <a:off x="13616667" y="2594049"/>
+            <a:ext cx="16214884" cy="12803419"/>
           </a:xfrm>
         </p:spPr>
         <p:txBody>
@@ -2256,39 +2258,39 @@
           <a:lstStyle>
             <a:lvl1pPr marL="0" indent="0">
               <a:buNone/>
-              <a:defRPr sz="4267"/>
+              <a:defRPr sz="8407"/>
             </a:lvl1pPr>
-            <a:lvl2pPr marL="609585" indent="0">
+            <a:lvl2pPr marL="1201110" indent="0">
               <a:buNone/>
-              <a:defRPr sz="3733"/>
+              <a:defRPr sz="7356"/>
             </a:lvl2pPr>
-            <a:lvl3pPr marL="1219170" indent="0">
+            <a:lvl3pPr marL="2402220" indent="0">
               <a:buNone/>
-              <a:defRPr sz="3200"/>
+              <a:defRPr sz="6305"/>
             </a:lvl3pPr>
-            <a:lvl4pPr marL="1828754" indent="0">
+            <a:lvl4pPr marL="3603330" indent="0">
               <a:buNone/>
-              <a:defRPr sz="2667"/>
+              <a:defRPr sz="5254"/>
             </a:lvl4pPr>
-            <a:lvl5pPr marL="2438339" indent="0">
+            <a:lvl5pPr marL="4804440" indent="0">
               <a:buNone/>
-              <a:defRPr sz="2667"/>
+              <a:defRPr sz="5254"/>
             </a:lvl5pPr>
-            <a:lvl6pPr marL="3047924" indent="0">
+            <a:lvl6pPr marL="6005551" indent="0">
               <a:buNone/>
-              <a:defRPr sz="2667"/>
+              <a:defRPr sz="5254"/>
             </a:lvl6pPr>
-            <a:lvl7pPr marL="3657509" indent="0">
+            <a:lvl7pPr marL="7206661" indent="0">
               <a:buNone/>
-              <a:defRPr sz="2667"/>
+              <a:defRPr sz="5254"/>
             </a:lvl7pPr>
-            <a:lvl8pPr marL="4267093" indent="0">
+            <a:lvl8pPr marL="8407771" indent="0">
               <a:buNone/>
-              <a:defRPr sz="2667"/>
+              <a:defRPr sz="5254"/>
             </a:lvl8pPr>
-            <a:lvl9pPr marL="4876678" indent="0">
+            <a:lvl9pPr marL="9608881" indent="0">
               <a:buNone/>
-              <a:defRPr sz="2667"/>
+              <a:defRPr sz="5254"/>
             </a:lvl9pPr>
           </a:lstStyle>
           <a:p>
@@ -2312,8 +2314,8 @@
         </p:nvSpPr>
         <p:spPr>
           <a:xfrm>
-            <a:off x="839788" y="3245168"/>
-            <a:ext cx="3932237" cy="6012074"/>
+            <a:off x="2206195" y="5404961"/>
+            <a:ext cx="10330314" cy="10013360"/>
           </a:xfrm>
         </p:spPr>
         <p:txBody>
@@ -2321,39 +2323,39 @@
           <a:lstStyle>
             <a:lvl1pPr marL="0" indent="0">
               <a:buNone/>
-              <a:defRPr sz="2133"/>
+              <a:defRPr sz="4203"/>
             </a:lvl1pPr>
-            <a:lvl2pPr marL="609585" indent="0">
+            <a:lvl2pPr marL="1201110" indent="0">
               <a:buNone/>
-              <a:defRPr sz="1867"/>
+              <a:defRPr sz="3678"/>
             </a:lvl2pPr>
-            <a:lvl3pPr marL="1219170" indent="0">
+            <a:lvl3pPr marL="2402220" indent="0">
               <a:buNone/>
-              <a:defRPr sz="1600"/>
+              <a:defRPr sz="3153"/>
             </a:lvl3pPr>
-            <a:lvl4pPr marL="1828754" indent="0">
+            <a:lvl4pPr marL="3603330" indent="0">
               <a:buNone/>
-              <a:defRPr sz="1333"/>
+              <a:defRPr sz="2627"/>
             </a:lvl4pPr>
-            <a:lvl5pPr marL="2438339" indent="0">
+            <a:lvl5pPr marL="4804440" indent="0">
               <a:buNone/>
-              <a:defRPr sz="1333"/>
+              <a:defRPr sz="2627"/>
             </a:lvl5pPr>
-            <a:lvl6pPr marL="3047924" indent="0">
+            <a:lvl6pPr marL="6005551" indent="0">
               <a:buNone/>
-              <a:defRPr sz="1333"/>
+              <a:defRPr sz="2627"/>
             </a:lvl6pPr>
-            <a:lvl7pPr marL="3657509" indent="0">
+            <a:lvl7pPr marL="7206661" indent="0">
               <a:buNone/>
-              <a:defRPr sz="1333"/>
+              <a:defRPr sz="2627"/>
             </a:lvl7pPr>
-            <a:lvl8pPr marL="4267093" indent="0">
+            <a:lvl8pPr marL="8407771" indent="0">
               <a:buNone/>
-              <a:defRPr sz="1333"/>
+              <a:defRPr sz="2627"/>
             </a:lvl8pPr>
-            <a:lvl9pPr marL="4876678" indent="0">
+            <a:lvl9pPr marL="9608881" indent="0">
               <a:buNone/>
-              <a:defRPr sz="1333"/>
+              <a:defRPr sz="2627"/>
             </a:lvl9pPr>
           </a:lstStyle>
           <a:p>
@@ -2382,7 +2384,7 @@
           <a:p>
             <a:fld id="{0DE02EAB-1EF7-43EE-8E62-1A307D75968C}" type="datetimeFigureOut">
               <a:rPr lang="en-SG" smtClean="0"/>
-              <a:t>27/3/2018</a:t>
+              <a:t>30/3/2018</a:t>
             </a:fld>
             <a:endParaRPr lang="en-SG"/>
           </a:p>
@@ -2433,7 +2435,7 @@
     </p:spTree>
     <p:extLst>
       <p:ext uri="{BB962C8B-B14F-4D97-AF65-F5344CB8AC3E}">
-        <p14:creationId xmlns:p14="http://schemas.microsoft.com/office/powerpoint/2010/main" val="3017775204"/>
+        <p14:creationId xmlns:p14="http://schemas.microsoft.com/office/powerpoint/2010/main" val="3088149964"/>
       </p:ext>
     </p:extLst>
   </p:cSld>
@@ -2477,8 +2479,8 @@
         </p:nvSpPr>
         <p:spPr>
           <a:xfrm>
-            <a:off x="838200" y="575920"/>
-            <a:ext cx="10515600" cy="2090830"/>
+            <a:off x="2202021" y="959215"/>
+            <a:ext cx="27625358" cy="3482365"/>
           </a:xfrm>
           <a:prstGeom prst="rect">
             <a:avLst/>
@@ -2510,8 +2512,8 @@
         </p:nvSpPr>
         <p:spPr>
           <a:xfrm>
-            <a:off x="838200" y="2879585"/>
-            <a:ext cx="10515600" cy="6863430"/>
+            <a:off x="2202021" y="4796069"/>
+            <a:ext cx="27625358" cy="11431328"/>
           </a:xfrm>
           <a:prstGeom prst="rect">
             <a:avLst/>
@@ -2572,8 +2574,8 @@
         </p:nvSpPr>
         <p:spPr>
           <a:xfrm>
-            <a:off x="838200" y="10025967"/>
-            <a:ext cx="2743200" cy="575917"/>
+            <a:off x="2202021" y="16698663"/>
+            <a:ext cx="7206615" cy="959214"/>
           </a:xfrm>
           <a:prstGeom prst="rect">
             <a:avLst/>
@@ -2583,7 +2585,7 @@
           <a:bodyPr vert="horz" lIns="91440" tIns="45720" rIns="91440" bIns="45720" rtlCol="0" anchor="ctr"/>
           <a:lstStyle>
             <a:lvl1pPr algn="l">
-              <a:defRPr sz="1600">
+              <a:defRPr sz="3153">
                 <a:solidFill>
                   <a:schemeClr val="tx1">
                     <a:tint val="75000"/>
@@ -2595,7 +2597,7 @@
           <a:p>
             <a:fld id="{0DE02EAB-1EF7-43EE-8E62-1A307D75968C}" type="datetimeFigureOut">
               <a:rPr lang="en-SG" smtClean="0"/>
-              <a:t>27/3/2018</a:t>
+              <a:t>30/3/2018</a:t>
             </a:fld>
             <a:endParaRPr lang="en-SG"/>
           </a:p>
@@ -2613,8 +2615,8 @@
         </p:nvSpPr>
         <p:spPr>
           <a:xfrm>
-            <a:off x="4038600" y="10025967"/>
-            <a:ext cx="4114800" cy="575917"/>
+            <a:off x="10609739" y="16698663"/>
+            <a:ext cx="10809923" cy="959214"/>
           </a:xfrm>
           <a:prstGeom prst="rect">
             <a:avLst/>
@@ -2624,7 +2626,7 @@
           <a:bodyPr vert="horz" lIns="91440" tIns="45720" rIns="91440" bIns="45720" rtlCol="0" anchor="ctr"/>
           <a:lstStyle>
             <a:lvl1pPr algn="ctr">
-              <a:defRPr sz="1600">
+              <a:defRPr sz="3153">
                 <a:solidFill>
                   <a:schemeClr val="tx1">
                     <a:tint val="75000"/>
@@ -2650,8 +2652,8 @@
         </p:nvSpPr>
         <p:spPr>
           <a:xfrm>
-            <a:off x="8610600" y="10025967"/>
-            <a:ext cx="2743200" cy="575917"/>
+            <a:off x="22620764" y="16698663"/>
+            <a:ext cx="7206615" cy="959214"/>
           </a:xfrm>
           <a:prstGeom prst="rect">
             <a:avLst/>
@@ -2661,7 +2663,7 @@
           <a:bodyPr vert="horz" lIns="91440" tIns="45720" rIns="91440" bIns="45720" rtlCol="0" anchor="ctr"/>
           <a:lstStyle>
             <a:lvl1pPr algn="r">
-              <a:defRPr sz="1600">
+              <a:defRPr sz="3153">
                 <a:solidFill>
                   <a:schemeClr val="tx1">
                     <a:tint val="75000"/>
@@ -2682,27 +2684,27 @@
     </p:spTree>
     <p:extLst>
       <p:ext uri="{BB962C8B-B14F-4D97-AF65-F5344CB8AC3E}">
-        <p14:creationId xmlns:p14="http://schemas.microsoft.com/office/powerpoint/2010/main" val="2545377655"/>
+        <p14:creationId xmlns:p14="http://schemas.microsoft.com/office/powerpoint/2010/main" val="3003628584"/>
       </p:ext>
     </p:extLst>
   </p:cSld>
   <p:clrMap bg1="lt1" tx1="dk1" bg2="lt2" tx2="dk2" accent1="accent1" accent2="accent2" accent3="accent3" accent4="accent4" accent5="accent5" accent6="accent6" hlink="hlink" folHlink="folHlink"/>
   <p:sldLayoutIdLst>
-    <p:sldLayoutId id="2147483661" r:id="rId1"/>
-    <p:sldLayoutId id="2147483662" r:id="rId2"/>
-    <p:sldLayoutId id="2147483663" r:id="rId3"/>
-    <p:sldLayoutId id="2147483664" r:id="rId4"/>
-    <p:sldLayoutId id="2147483665" r:id="rId5"/>
-    <p:sldLayoutId id="2147483666" r:id="rId6"/>
-    <p:sldLayoutId id="2147483667" r:id="rId7"/>
-    <p:sldLayoutId id="2147483668" r:id="rId8"/>
-    <p:sldLayoutId id="2147483669" r:id="rId9"/>
-    <p:sldLayoutId id="2147483670" r:id="rId10"/>
-    <p:sldLayoutId id="2147483671" r:id="rId11"/>
+    <p:sldLayoutId id="2147483685" r:id="rId1"/>
+    <p:sldLayoutId id="2147483686" r:id="rId2"/>
+    <p:sldLayoutId id="2147483687" r:id="rId3"/>
+    <p:sldLayoutId id="2147483688" r:id="rId4"/>
+    <p:sldLayoutId id="2147483689" r:id="rId5"/>
+    <p:sldLayoutId id="2147483690" r:id="rId6"/>
+    <p:sldLayoutId id="2147483691" r:id="rId7"/>
+    <p:sldLayoutId id="2147483692" r:id="rId8"/>
+    <p:sldLayoutId id="2147483693" r:id="rId9"/>
+    <p:sldLayoutId id="2147483694" r:id="rId10"/>
+    <p:sldLayoutId id="2147483695" r:id="rId11"/>
   </p:sldLayoutIdLst>
   <p:txStyles>
     <p:titleStyle>
-      <a:lvl1pPr algn="l" defTabSz="1219170" rtl="0" eaLnBrk="1" latinLnBrk="0" hangingPunct="1">
+      <a:lvl1pPr algn="l" defTabSz="2402220" rtl="0" eaLnBrk="1" latinLnBrk="0" hangingPunct="1">
         <a:lnSpc>
           <a:spcPct val="90000"/>
         </a:lnSpc>
@@ -2710,7 +2712,7 @@
           <a:spcPct val="0"/>
         </a:spcBef>
         <a:buNone/>
-        <a:defRPr sz="5867" kern="1200">
+        <a:defRPr sz="11559" kern="1200">
           <a:solidFill>
             <a:schemeClr val="tx1"/>
           </a:solidFill>
@@ -2721,16 +2723,16 @@
       </a:lvl1pPr>
     </p:titleStyle>
     <p:bodyStyle>
-      <a:lvl1pPr marL="304792" indent="-304792" algn="l" defTabSz="1219170" rtl="0" eaLnBrk="1" latinLnBrk="0" hangingPunct="1">
+      <a:lvl1pPr marL="600555" indent="-600555" algn="l" defTabSz="2402220" rtl="0" eaLnBrk="1" latinLnBrk="0" hangingPunct="1">
         <a:lnSpc>
           <a:spcPct val="90000"/>
         </a:lnSpc>
         <a:spcBef>
-          <a:spcPts val="1333"/>
+          <a:spcPts val="2627"/>
         </a:spcBef>
         <a:buFont typeface="Arial" panose="020B0604020202020204" pitchFamily="34" charset="0"/>
         <a:buChar char="•"/>
-        <a:defRPr sz="3733" kern="1200">
+        <a:defRPr sz="7356" kern="1200">
           <a:solidFill>
             <a:schemeClr val="tx1"/>
           </a:solidFill>
@@ -2739,16 +2741,16 @@
           <a:cs typeface="+mn-cs"/>
         </a:defRPr>
       </a:lvl1pPr>
-      <a:lvl2pPr marL="914377" indent="-304792" algn="l" defTabSz="1219170" rtl="0" eaLnBrk="1" latinLnBrk="0" hangingPunct="1">
+      <a:lvl2pPr marL="1801665" indent="-600555" algn="l" defTabSz="2402220" rtl="0" eaLnBrk="1" latinLnBrk="0" hangingPunct="1">
         <a:lnSpc>
           <a:spcPct val="90000"/>
         </a:lnSpc>
         <a:spcBef>
-          <a:spcPts val="667"/>
+          <a:spcPts val="1314"/>
         </a:spcBef>
         <a:buFont typeface="Arial" panose="020B0604020202020204" pitchFamily="34" charset="0"/>
         <a:buChar char="•"/>
-        <a:defRPr sz="3200" kern="1200">
+        <a:defRPr sz="6305" kern="1200">
           <a:solidFill>
             <a:schemeClr val="tx1"/>
           </a:solidFill>
@@ -2757,16 +2759,16 @@
           <a:cs typeface="+mn-cs"/>
         </a:defRPr>
       </a:lvl2pPr>
-      <a:lvl3pPr marL="1523962" indent="-304792" algn="l" defTabSz="1219170" rtl="0" eaLnBrk="1" latinLnBrk="0" hangingPunct="1">
+      <a:lvl3pPr marL="3002775" indent="-600555" algn="l" defTabSz="2402220" rtl="0" eaLnBrk="1" latinLnBrk="0" hangingPunct="1">
         <a:lnSpc>
           <a:spcPct val="90000"/>
         </a:lnSpc>
         <a:spcBef>
-          <a:spcPts val="667"/>
+          <a:spcPts val="1314"/>
         </a:spcBef>
         <a:buFont typeface="Arial" panose="020B0604020202020204" pitchFamily="34" charset="0"/>
         <a:buChar char="•"/>
-        <a:defRPr sz="2667" kern="1200">
+        <a:defRPr sz="5254" kern="1200">
           <a:solidFill>
             <a:schemeClr val="tx1"/>
           </a:solidFill>
@@ -2775,16 +2777,16 @@
           <a:cs typeface="+mn-cs"/>
         </a:defRPr>
       </a:lvl3pPr>
-      <a:lvl4pPr marL="2133547" indent="-304792" algn="l" defTabSz="1219170" rtl="0" eaLnBrk="1" latinLnBrk="0" hangingPunct="1">
+      <a:lvl4pPr marL="4203885" indent="-600555" algn="l" defTabSz="2402220" rtl="0" eaLnBrk="1" latinLnBrk="0" hangingPunct="1">
         <a:lnSpc>
           <a:spcPct val="90000"/>
         </a:lnSpc>
         <a:spcBef>
-          <a:spcPts val="667"/>
+          <a:spcPts val="1314"/>
         </a:spcBef>
         <a:buFont typeface="Arial" panose="020B0604020202020204" pitchFamily="34" charset="0"/>
         <a:buChar char="•"/>
-        <a:defRPr sz="2400" kern="1200">
+        <a:defRPr sz="4729" kern="1200">
           <a:solidFill>
             <a:schemeClr val="tx1"/>
           </a:solidFill>
@@ -2793,16 +2795,16 @@
           <a:cs typeface="+mn-cs"/>
         </a:defRPr>
       </a:lvl4pPr>
-      <a:lvl5pPr marL="2743131" indent="-304792" algn="l" defTabSz="1219170" rtl="0" eaLnBrk="1" latinLnBrk="0" hangingPunct="1">
+      <a:lvl5pPr marL="5404996" indent="-600555" algn="l" defTabSz="2402220" rtl="0" eaLnBrk="1" latinLnBrk="0" hangingPunct="1">
         <a:lnSpc>
           <a:spcPct val="90000"/>
         </a:lnSpc>
         <a:spcBef>
-          <a:spcPts val="667"/>
+          <a:spcPts val="1314"/>
         </a:spcBef>
         <a:buFont typeface="Arial" panose="020B0604020202020204" pitchFamily="34" charset="0"/>
         <a:buChar char="•"/>
-        <a:defRPr sz="2400" kern="1200">
+        <a:defRPr sz="4729" kern="1200">
           <a:solidFill>
             <a:schemeClr val="tx1"/>
           </a:solidFill>
@@ -2811,16 +2813,16 @@
           <a:cs typeface="+mn-cs"/>
         </a:defRPr>
       </a:lvl5pPr>
-      <a:lvl6pPr marL="3352716" indent="-304792" algn="l" defTabSz="1219170" rtl="0" eaLnBrk="1" latinLnBrk="0" hangingPunct="1">
+      <a:lvl6pPr marL="6606106" indent="-600555" algn="l" defTabSz="2402220" rtl="0" eaLnBrk="1" latinLnBrk="0" hangingPunct="1">
         <a:lnSpc>
           <a:spcPct val="90000"/>
         </a:lnSpc>
         <a:spcBef>
-          <a:spcPts val="667"/>
+          <a:spcPts val="1314"/>
         </a:spcBef>
         <a:buFont typeface="Arial" panose="020B0604020202020204" pitchFamily="34" charset="0"/>
         <a:buChar char="•"/>
-        <a:defRPr sz="2400" kern="1200">
+        <a:defRPr sz="4729" kern="1200">
           <a:solidFill>
             <a:schemeClr val="tx1"/>
           </a:solidFill>
@@ -2829,16 +2831,16 @@
           <a:cs typeface="+mn-cs"/>
         </a:defRPr>
       </a:lvl6pPr>
-      <a:lvl7pPr marL="3962301" indent="-304792" algn="l" defTabSz="1219170" rtl="0" eaLnBrk="1" latinLnBrk="0" hangingPunct="1">
+      <a:lvl7pPr marL="7807216" indent="-600555" algn="l" defTabSz="2402220" rtl="0" eaLnBrk="1" latinLnBrk="0" hangingPunct="1">
         <a:lnSpc>
           <a:spcPct val="90000"/>
         </a:lnSpc>
         <a:spcBef>
-          <a:spcPts val="667"/>
+          <a:spcPts val="1314"/>
         </a:spcBef>
         <a:buFont typeface="Arial" panose="020B0604020202020204" pitchFamily="34" charset="0"/>
         <a:buChar char="•"/>
-        <a:defRPr sz="2400" kern="1200">
+        <a:defRPr sz="4729" kern="1200">
           <a:solidFill>
             <a:schemeClr val="tx1"/>
           </a:solidFill>
@@ -2847,16 +2849,16 @@
           <a:cs typeface="+mn-cs"/>
         </a:defRPr>
       </a:lvl7pPr>
-      <a:lvl8pPr marL="4571886" indent="-304792" algn="l" defTabSz="1219170" rtl="0" eaLnBrk="1" latinLnBrk="0" hangingPunct="1">
+      <a:lvl8pPr marL="9008326" indent="-600555" algn="l" defTabSz="2402220" rtl="0" eaLnBrk="1" latinLnBrk="0" hangingPunct="1">
         <a:lnSpc>
           <a:spcPct val="90000"/>
         </a:lnSpc>
         <a:spcBef>
-          <a:spcPts val="667"/>
+          <a:spcPts val="1314"/>
         </a:spcBef>
         <a:buFont typeface="Arial" panose="020B0604020202020204" pitchFamily="34" charset="0"/>
         <a:buChar char="•"/>
-        <a:defRPr sz="2400" kern="1200">
+        <a:defRPr sz="4729" kern="1200">
           <a:solidFill>
             <a:schemeClr val="tx1"/>
           </a:solidFill>
@@ -2865,16 +2867,16 @@
           <a:cs typeface="+mn-cs"/>
         </a:defRPr>
       </a:lvl8pPr>
-      <a:lvl9pPr marL="5181470" indent="-304792" algn="l" defTabSz="1219170" rtl="0" eaLnBrk="1" latinLnBrk="0" hangingPunct="1">
+      <a:lvl9pPr marL="10209436" indent="-600555" algn="l" defTabSz="2402220" rtl="0" eaLnBrk="1" latinLnBrk="0" hangingPunct="1">
         <a:lnSpc>
           <a:spcPct val="90000"/>
         </a:lnSpc>
         <a:spcBef>
-          <a:spcPts val="667"/>
+          <a:spcPts val="1314"/>
         </a:spcBef>
         <a:buFont typeface="Arial" panose="020B0604020202020204" pitchFamily="34" charset="0"/>
         <a:buChar char="•"/>
-        <a:defRPr sz="2400" kern="1200">
+        <a:defRPr sz="4729" kern="1200">
           <a:solidFill>
             <a:schemeClr val="tx1"/>
           </a:solidFill>
@@ -2888,8 +2890,8 @@
       <a:defPPr>
         <a:defRPr lang="en-US"/>
       </a:defPPr>
-      <a:lvl1pPr marL="0" algn="l" defTabSz="1219170" rtl="0" eaLnBrk="1" latinLnBrk="0" hangingPunct="1">
-        <a:defRPr sz="2400" kern="1200">
+      <a:lvl1pPr marL="0" algn="l" defTabSz="2402220" rtl="0" eaLnBrk="1" latinLnBrk="0" hangingPunct="1">
+        <a:defRPr sz="4729" kern="1200">
           <a:solidFill>
             <a:schemeClr val="tx1"/>
           </a:solidFill>
@@ -2898,8 +2900,8 @@
           <a:cs typeface="+mn-cs"/>
         </a:defRPr>
       </a:lvl1pPr>
-      <a:lvl2pPr marL="609585" algn="l" defTabSz="1219170" rtl="0" eaLnBrk="1" latinLnBrk="0" hangingPunct="1">
-        <a:defRPr sz="2400" kern="1200">
+      <a:lvl2pPr marL="1201110" algn="l" defTabSz="2402220" rtl="0" eaLnBrk="1" latinLnBrk="0" hangingPunct="1">
+        <a:defRPr sz="4729" kern="1200">
           <a:solidFill>
             <a:schemeClr val="tx1"/>
           </a:solidFill>
@@ -2908,8 +2910,8 @@
           <a:cs typeface="+mn-cs"/>
         </a:defRPr>
       </a:lvl2pPr>
-      <a:lvl3pPr marL="1219170" algn="l" defTabSz="1219170" rtl="0" eaLnBrk="1" latinLnBrk="0" hangingPunct="1">
-        <a:defRPr sz="2400" kern="1200">
+      <a:lvl3pPr marL="2402220" algn="l" defTabSz="2402220" rtl="0" eaLnBrk="1" latinLnBrk="0" hangingPunct="1">
+        <a:defRPr sz="4729" kern="1200">
           <a:solidFill>
             <a:schemeClr val="tx1"/>
           </a:solidFill>
@@ -2918,8 +2920,8 @@
           <a:cs typeface="+mn-cs"/>
         </a:defRPr>
       </a:lvl3pPr>
-      <a:lvl4pPr marL="1828754" algn="l" defTabSz="1219170" rtl="0" eaLnBrk="1" latinLnBrk="0" hangingPunct="1">
-        <a:defRPr sz="2400" kern="1200">
+      <a:lvl4pPr marL="3603330" algn="l" defTabSz="2402220" rtl="0" eaLnBrk="1" latinLnBrk="0" hangingPunct="1">
+        <a:defRPr sz="4729" kern="1200">
           <a:solidFill>
             <a:schemeClr val="tx1"/>
           </a:solidFill>
@@ -2928,8 +2930,8 @@
           <a:cs typeface="+mn-cs"/>
         </a:defRPr>
       </a:lvl4pPr>
-      <a:lvl5pPr marL="2438339" algn="l" defTabSz="1219170" rtl="0" eaLnBrk="1" latinLnBrk="0" hangingPunct="1">
-        <a:defRPr sz="2400" kern="1200">
+      <a:lvl5pPr marL="4804440" algn="l" defTabSz="2402220" rtl="0" eaLnBrk="1" latinLnBrk="0" hangingPunct="1">
+        <a:defRPr sz="4729" kern="1200">
           <a:solidFill>
             <a:schemeClr val="tx1"/>
           </a:solidFill>
@@ -2938,8 +2940,8 @@
           <a:cs typeface="+mn-cs"/>
         </a:defRPr>
       </a:lvl5pPr>
-      <a:lvl6pPr marL="3047924" algn="l" defTabSz="1219170" rtl="0" eaLnBrk="1" latinLnBrk="0" hangingPunct="1">
-        <a:defRPr sz="2400" kern="1200">
+      <a:lvl6pPr marL="6005551" algn="l" defTabSz="2402220" rtl="0" eaLnBrk="1" latinLnBrk="0" hangingPunct="1">
+        <a:defRPr sz="4729" kern="1200">
           <a:solidFill>
             <a:schemeClr val="tx1"/>
           </a:solidFill>
@@ -2948,8 +2950,8 @@
           <a:cs typeface="+mn-cs"/>
         </a:defRPr>
       </a:lvl6pPr>
-      <a:lvl7pPr marL="3657509" algn="l" defTabSz="1219170" rtl="0" eaLnBrk="1" latinLnBrk="0" hangingPunct="1">
-        <a:defRPr sz="2400" kern="1200">
+      <a:lvl7pPr marL="7206661" algn="l" defTabSz="2402220" rtl="0" eaLnBrk="1" latinLnBrk="0" hangingPunct="1">
+        <a:defRPr sz="4729" kern="1200">
           <a:solidFill>
             <a:schemeClr val="tx1"/>
           </a:solidFill>
@@ -2958,8 +2960,8 @@
           <a:cs typeface="+mn-cs"/>
         </a:defRPr>
       </a:lvl7pPr>
-      <a:lvl8pPr marL="4267093" algn="l" defTabSz="1219170" rtl="0" eaLnBrk="1" latinLnBrk="0" hangingPunct="1">
-        <a:defRPr sz="2400" kern="1200">
+      <a:lvl8pPr marL="8407771" algn="l" defTabSz="2402220" rtl="0" eaLnBrk="1" latinLnBrk="0" hangingPunct="1">
+        <a:defRPr sz="4729" kern="1200">
           <a:solidFill>
             <a:schemeClr val="tx1"/>
           </a:solidFill>
@@ -2968,8 +2970,8 @@
           <a:cs typeface="+mn-cs"/>
         </a:defRPr>
       </a:lvl8pPr>
-      <a:lvl9pPr marL="4876678" algn="l" defTabSz="1219170" rtl="0" eaLnBrk="1" latinLnBrk="0" hangingPunct="1">
-        <a:defRPr sz="2400" kern="1200">
+      <a:lvl9pPr marL="9608881" algn="l" defTabSz="2402220" rtl="0" eaLnBrk="1" latinLnBrk="0" hangingPunct="1">
+        <a:defRPr sz="4729" kern="1200">
           <a:solidFill>
             <a:schemeClr val="tx1"/>
           </a:solidFill>
@@ -3014,8 +3016,8 @@
         </p:nvSpPr>
         <p:spPr>
           <a:xfrm>
-            <a:off x="546101" y="2511954"/>
-            <a:ext cx="10465201" cy="8156046"/>
+            <a:off x="6678643" y="265442"/>
+            <a:ext cx="22334507" cy="13626017"/>
           </a:xfrm>
           <a:prstGeom prst="roundRect">
             <a:avLst>
@@ -3052,10 +3054,108 @@
           <a:lstStyle/>
           <a:p>
             <a:r>
-              <a:rPr lang="en-US" dirty="0"/>
+              <a:rPr lang="en-US" sz="2998" dirty="0"/>
               <a:t>Find Movie</a:t>
             </a:r>
-            <a:endParaRPr lang="en-SG" dirty="0"/>
+            <a:endParaRPr lang="en-SG" sz="2998" dirty="0"/>
+          </a:p>
+        </p:txBody>
+      </p:sp>
+      <p:cxnSp>
+        <p:nvCxnSpPr>
+          <p:cNvPr id="75" name="Straight Connector 74">
+            <a:extLst>
+              <a:ext uri="{FF2B5EF4-FFF2-40B4-BE49-F238E27FC236}">
+                <a16:creationId xmlns:a16="http://schemas.microsoft.com/office/drawing/2014/main" id="{EAC5A19F-64D6-468F-B23F-20CB0645AAC5}"/>
+              </a:ext>
+            </a:extLst>
+          </p:cNvPr>
+          <p:cNvCxnSpPr>
+            <a:cxnSpLocks/>
+          </p:cNvCxnSpPr>
+          <p:nvPr/>
+        </p:nvCxnSpPr>
+        <p:spPr>
+          <a:xfrm>
+            <a:off x="21179853" y="5791181"/>
+            <a:ext cx="10703" cy="7339631"/>
+          </a:xfrm>
+          <a:prstGeom prst="line">
+            <a:avLst/>
+          </a:prstGeom>
+          <a:ln w="28575">
+            <a:solidFill>
+              <a:srgbClr val="0070C0"/>
+            </a:solidFill>
+            <a:prstDash val="sysDash"/>
+          </a:ln>
+          <a:effectLst/>
+        </p:spPr>
+        <p:style>
+          <a:lnRef idx="1">
+            <a:schemeClr val="accent1"/>
+          </a:lnRef>
+          <a:fillRef idx="2">
+            <a:schemeClr val="accent1"/>
+          </a:fillRef>
+          <a:effectRef idx="1">
+            <a:schemeClr val="accent1"/>
+          </a:effectRef>
+          <a:fontRef idx="minor">
+            <a:schemeClr val="dk1"/>
+          </a:fontRef>
+        </p:style>
+      </p:cxnSp>
+      <p:sp>
+        <p:nvSpPr>
+          <p:cNvPr id="96" name="Rectangle 95">
+            <a:extLst>
+              <a:ext uri="{FF2B5EF4-FFF2-40B4-BE49-F238E27FC236}">
+                <a16:creationId xmlns:a16="http://schemas.microsoft.com/office/drawing/2014/main" id="{F139025C-DE06-4295-8F94-419884E5795D}"/>
+              </a:ext>
+            </a:extLst>
+          </p:cNvPr>
+          <p:cNvSpPr/>
+          <p:nvPr/>
+        </p:nvSpPr>
+        <p:spPr>
+          <a:xfrm>
+            <a:off x="20967871" y="6931959"/>
+            <a:ext cx="410306" cy="5907597"/>
+          </a:xfrm>
+          <a:prstGeom prst="rect">
+            <a:avLst/>
+          </a:prstGeom>
+          <a:solidFill>
+            <a:srgbClr val="0070C0"/>
+          </a:solidFill>
+          <a:ln>
+            <a:solidFill>
+              <a:srgbClr val="0070C0"/>
+            </a:solidFill>
+          </a:ln>
+          <a:effectLst/>
+        </p:spPr>
+        <p:style>
+          <a:lnRef idx="1">
+            <a:schemeClr val="accent3"/>
+          </a:lnRef>
+          <a:fillRef idx="2">
+            <a:schemeClr val="accent3"/>
+          </a:fillRef>
+          <a:effectRef idx="1">
+            <a:schemeClr val="accent3"/>
+          </a:effectRef>
+          <a:fontRef idx="minor">
+            <a:schemeClr val="dk1"/>
+          </a:fontRef>
+        </p:style>
+        <p:txBody>
+          <a:bodyPr rtlCol="0" anchor="ctr"/>
+          <a:lstStyle/>
+          <a:p>
+            <a:pPr algn="ctr"/>
+            <a:endParaRPr lang="en-SG" sz="1999" dirty="0"/>
           </a:p>
         </p:txBody>
       </p:sp>
@@ -3073,8 +3173,8 @@
         </p:nvSpPr>
         <p:spPr>
           <a:xfrm>
-            <a:off x="1950102" y="3048216"/>
-            <a:ext cx="1106534" cy="307851"/>
+            <a:off x="9109535" y="1190733"/>
+            <a:ext cx="1842978" cy="512739"/>
           </a:xfrm>
           <a:prstGeom prst="rect">
             <a:avLst/>
@@ -3109,14 +3209,14 @@
           <a:p>
             <a:pPr algn="ctr"/>
             <a:r>
-              <a:rPr lang="en-US" sz="1200" dirty="0">
+              <a:rPr lang="en-US" sz="1999" dirty="0">
                 <a:solidFill>
                   <a:schemeClr val="bg1"/>
                 </a:solidFill>
               </a:rPr>
               <a:t>:LogicManager</a:t>
             </a:r>
-            <a:endParaRPr lang="en-SG" sz="1200" dirty="0">
+            <a:endParaRPr lang="en-SG" sz="1999" dirty="0">
               <a:solidFill>
                 <a:schemeClr val="bg1"/>
               </a:solidFill>
@@ -3135,18 +3235,19 @@
           </p:cNvPr>
           <p:cNvCxnSpPr>
             <a:cxnSpLocks/>
+            <a:stCxn id="5" idx="2"/>
           </p:cNvCxnSpPr>
           <p:nvPr/>
         </p:nvCxnSpPr>
         <p:spPr>
-          <a:xfrm>
-            <a:off x="2472566" y="3394692"/>
-            <a:ext cx="0" cy="7178058"/>
+          <a:xfrm flipH="1">
+            <a:off x="9979720" y="1703472"/>
+            <a:ext cx="51304" cy="12019683"/>
           </a:xfrm>
           <a:prstGeom prst="line">
             <a:avLst/>
           </a:prstGeom>
-          <a:ln w="19050">
+          <a:ln w="28575">
             <a:solidFill>
               <a:srgbClr val="0070C0"/>
             </a:solidFill>
@@ -3183,8 +3284,8 @@
         </p:nvSpPr>
         <p:spPr>
           <a:xfrm>
-            <a:off x="2414995" y="3745386"/>
-            <a:ext cx="141056" cy="6567013"/>
+            <a:off x="9883834" y="2351899"/>
+            <a:ext cx="234935" cy="10937633"/>
           </a:xfrm>
           <a:prstGeom prst="rect">
             <a:avLst/>
@@ -3218,7 +3319,7 @@
           <a:lstStyle/>
           <a:p>
             <a:pPr algn="ctr"/>
-            <a:endParaRPr lang="en-SG" sz="1200" dirty="0"/>
+            <a:endParaRPr lang="en-SG" sz="1999" dirty="0"/>
           </a:p>
         </p:txBody>
       </p:sp>
@@ -3236,8 +3337,8 @@
         </p:nvSpPr>
         <p:spPr>
           <a:xfrm>
-            <a:off x="3796103" y="3045572"/>
-            <a:ext cx="1600201" cy="346757"/>
+            <a:off x="12184128" y="1186329"/>
+            <a:ext cx="2665201" cy="577538"/>
           </a:xfrm>
           <a:prstGeom prst="rect">
             <a:avLst/>
@@ -3272,7 +3373,7 @@
           <a:p>
             <a:pPr algn="ctr"/>
             <a:r>
-              <a:rPr lang="en-US" sz="1200" dirty="0">
+              <a:rPr lang="en-US" sz="1999" dirty="0">
                 <a:solidFill>
                   <a:schemeClr val="bg1"/>
                 </a:solidFill>
@@ -3283,14 +3384,14 @@
           <a:p>
             <a:pPr algn="ctr"/>
             <a:r>
-              <a:rPr lang="en-US" sz="1200" dirty="0">
+              <a:rPr lang="en-US" sz="1999" dirty="0">
                 <a:solidFill>
                   <a:schemeClr val="bg1"/>
                 </a:solidFill>
               </a:rPr>
               <a:t>Parser</a:t>
             </a:r>
-            <a:endParaRPr lang="en-SG" sz="1200" dirty="0">
+            <a:endParaRPr lang="en-SG" sz="1999" dirty="0">
               <a:solidFill>
                 <a:schemeClr val="bg1"/>
               </a:solidFill>
@@ -3313,14 +3414,14 @@
           <p:nvPr/>
         </p:nvCxnSpPr>
         <p:spPr>
-          <a:xfrm flipH="1">
-            <a:off x="4596203" y="3392330"/>
-            <a:ext cx="20455" cy="7032763"/>
+          <a:xfrm>
+            <a:off x="13550797" y="1763869"/>
+            <a:ext cx="36461" cy="5055937"/>
           </a:xfrm>
           <a:prstGeom prst="line">
             <a:avLst/>
           </a:prstGeom>
-          <a:ln w="19050">
+          <a:ln w="28575">
             <a:solidFill>
               <a:srgbClr val="0070C0"/>
             </a:solidFill>
@@ -3357,8 +3458,8 @@
         </p:nvSpPr>
         <p:spPr>
           <a:xfrm>
-            <a:off x="4526515" y="3882879"/>
-            <a:ext cx="162360" cy="6327921"/>
+            <a:off x="13400659" y="2580899"/>
+            <a:ext cx="335358" cy="3821438"/>
           </a:xfrm>
           <a:prstGeom prst="rect">
             <a:avLst/>
@@ -3392,7 +3493,7 @@
           <a:lstStyle/>
           <a:p>
             <a:pPr algn="ctr"/>
-            <a:endParaRPr lang="en-SG" sz="1200" dirty="0"/>
+            <a:endParaRPr lang="en-SG" sz="1999" dirty="0"/>
           </a:p>
         </p:txBody>
       </p:sp>
@@ -3410,8 +3511,8 @@
         </p:nvSpPr>
         <p:spPr>
           <a:xfrm>
-            <a:off x="5887555" y="4149685"/>
-            <a:ext cx="213295" cy="6015598"/>
+            <a:off x="15667526" y="3025274"/>
+            <a:ext cx="414555" cy="2990374"/>
           </a:xfrm>
           <a:prstGeom prst="rect">
             <a:avLst/>
@@ -3445,7 +3546,7 @@
           <a:lstStyle/>
           <a:p>
             <a:pPr algn="ctr"/>
-            <a:endParaRPr lang="en-SG" sz="1200" dirty="0"/>
+            <a:endParaRPr lang="en-SG" sz="1999" dirty="0"/>
           </a:p>
         </p:txBody>
       </p:sp>
@@ -3465,8 +3566,8 @@
         </p:nvCxnSpPr>
         <p:spPr>
           <a:xfrm>
-            <a:off x="556169" y="3749071"/>
-            <a:ext cx="1870860" cy="0"/>
+            <a:off x="6782325" y="2372233"/>
+            <a:ext cx="3115995" cy="0"/>
           </a:xfrm>
           <a:prstGeom prst="straightConnector1">
             <a:avLst/>
@@ -3507,8 +3608,8 @@
         </p:nvSpPr>
         <p:spPr>
           <a:xfrm>
-            <a:off x="533400" y="3492846"/>
-            <a:ext cx="1819074" cy="184666"/>
+            <a:off x="6744403" y="1945480"/>
+            <a:ext cx="3029743" cy="307648"/>
           </a:xfrm>
           <a:prstGeom prst="rect">
             <a:avLst/>
@@ -3523,7 +3624,7 @@
           <a:p>
             <a:pPr algn="r"/>
             <a:r>
-              <a:rPr lang="en-US" sz="1200" dirty="0">
+              <a:rPr lang="en-US" sz="1999" dirty="0">
                 <a:solidFill>
                   <a:srgbClr val="0070C0"/>
                 </a:solidFill>
@@ -3549,13 +3650,13 @@
         </p:nvCxnSpPr>
         <p:spPr>
           <a:xfrm>
-            <a:off x="638889" y="10233886"/>
-            <a:ext cx="1771891" cy="10005"/>
+            <a:off x="6932676" y="13158804"/>
+            <a:ext cx="2951158" cy="16664"/>
           </a:xfrm>
           <a:prstGeom prst="straightConnector1">
             <a:avLst/>
           </a:prstGeom>
-          <a:ln w="19050">
+          <a:ln w="28575">
             <a:solidFill>
               <a:schemeClr val="accent1"/>
             </a:solidFill>
@@ -3593,8 +3694,8 @@
         </p:nvSpPr>
         <p:spPr>
           <a:xfrm>
-            <a:off x="2307257" y="3686084"/>
-            <a:ext cx="2288946" cy="184666"/>
+            <a:off x="9704392" y="2253128"/>
+            <a:ext cx="3812335" cy="307648"/>
           </a:xfrm>
           <a:prstGeom prst="rect">
             <a:avLst/>
@@ -3619,7 +3720,7 @@
           </a:lstStyle>
           <a:p>
             <a:r>
-              <a:rPr lang="en-US" sz="1200" dirty="0"/>
+              <a:rPr lang="en-US" sz="1999" dirty="0"/>
               <a:t>parseCommand(“findmovie”)</a:t>
             </a:r>
           </a:p>
@@ -3639,8 +3740,8 @@
         </p:nvSpPr>
         <p:spPr>
           <a:xfrm>
-            <a:off x="1092477" y="10020283"/>
-            <a:ext cx="1296605" cy="184666"/>
+            <a:off x="6678643" y="12823164"/>
+            <a:ext cx="2159549" cy="307648"/>
           </a:xfrm>
           <a:prstGeom prst="rect">
             <a:avLst/>
@@ -3665,8 +3766,8 @@
           </a:lstStyle>
           <a:p>
             <a:r>
-              <a:rPr lang="en-US" sz="1200" dirty="0"/>
-              <a:t>commandResult</a:t>
+              <a:rPr lang="en-US" sz="1999" dirty="0"/>
+              <a:t>result</a:t>
             </a:r>
           </a:p>
         </p:txBody>
@@ -3687,8 +3788,8 @@
         </p:nvCxnSpPr>
         <p:spPr>
           <a:xfrm>
-            <a:off x="2489676" y="3904926"/>
-            <a:ext cx="2052153" cy="0"/>
+            <a:off x="10008218" y="2617618"/>
+            <a:ext cx="3417946" cy="0"/>
           </a:xfrm>
           <a:prstGeom prst="straightConnector1">
             <a:avLst/>
@@ -3729,8 +3830,8 @@
         </p:nvSpPr>
         <p:spPr>
           <a:xfrm>
-            <a:off x="4915399" y="3807031"/>
-            <a:ext cx="2126018" cy="346757"/>
+            <a:off x="14048361" y="2454570"/>
+            <a:ext cx="3540971" cy="577538"/>
           </a:xfrm>
           <a:prstGeom prst="rect">
             <a:avLst/>
@@ -3765,7 +3866,7 @@
           <a:p>
             <a:pPr algn="ctr"/>
             <a:r>
-              <a:rPr lang="en-US" sz="1200" dirty="0">
+              <a:rPr lang="en-US" sz="1999" dirty="0">
                 <a:solidFill>
                   <a:schemeClr val="bg1"/>
                 </a:solidFill>
@@ -3776,14 +3877,14 @@
           <a:p>
             <a:pPr algn="ctr"/>
             <a:r>
-              <a:rPr lang="en-US" sz="1200" dirty="0">
+              <a:rPr lang="en-US" sz="1999" dirty="0">
                 <a:solidFill>
                   <a:schemeClr val="bg1"/>
                 </a:solidFill>
               </a:rPr>
               <a:t>CommandParser</a:t>
             </a:r>
-            <a:endParaRPr lang="en-SG" sz="1200" dirty="0">
+            <a:endParaRPr lang="en-SG" sz="1999" dirty="0">
               <a:solidFill>
                 <a:schemeClr val="bg1"/>
               </a:solidFill>
@@ -3807,13 +3908,13 @@
         </p:nvCxnSpPr>
         <p:spPr>
           <a:xfrm flipV="1">
-            <a:off x="6140924" y="9902703"/>
-            <a:ext cx="3646936" cy="22893"/>
+            <a:off x="10108705" y="12839559"/>
+            <a:ext cx="10859166" cy="1"/>
           </a:xfrm>
           <a:prstGeom prst="straightConnector1">
             <a:avLst/>
           </a:prstGeom>
-          <a:ln w="19050">
+          <a:ln w="28575">
             <a:solidFill>
               <a:schemeClr val="accent1"/>
             </a:solidFill>
@@ -3851,8 +3952,8 @@
         </p:nvSpPr>
         <p:spPr>
           <a:xfrm>
-            <a:off x="8318416" y="9674457"/>
-            <a:ext cx="1413423" cy="184666"/>
+            <a:off x="13735409" y="12421276"/>
+            <a:ext cx="2354115" cy="307648"/>
           </a:xfrm>
           <a:prstGeom prst="rect">
             <a:avLst/>
@@ -3877,18 +3978,18 @@
           </a:lstStyle>
           <a:p>
             <a:r>
-              <a:rPr lang="en-US" sz="1200" dirty="0"/>
-              <a:t>commandResult</a:t>
+              <a:rPr lang="en-US" sz="1999" dirty="0"/>
+              <a:t>result</a:t>
             </a:r>
           </a:p>
         </p:txBody>
       </p:sp>
       <p:cxnSp>
         <p:nvCxnSpPr>
-          <p:cNvPr id="52" name="Straight Arrow Connector 51">
-            <a:extLst>
-              <a:ext uri="{FF2B5EF4-FFF2-40B4-BE49-F238E27FC236}">
-                <a16:creationId xmlns:a16="http://schemas.microsoft.com/office/drawing/2014/main" id="{3D1911C6-3EAD-4375-BC4E-848CA75ACDE2}"/>
+          <p:cNvPr id="56" name="Straight Arrow Connector 55">
+            <a:extLst>
+              <a:ext uri="{FF2B5EF4-FFF2-40B4-BE49-F238E27FC236}">
+                <a16:creationId xmlns:a16="http://schemas.microsoft.com/office/drawing/2014/main" id="{F1F468B3-C926-4525-9532-2DCBF65CB921}"/>
               </a:ext>
             </a:extLst>
           </p:cNvPr>
@@ -3899,19 +4000,17 @@
         </p:nvCxnSpPr>
         <p:spPr>
           <a:xfrm>
-            <a:off x="4688874" y="10051964"/>
-            <a:ext cx="1267984" cy="0"/>
+            <a:off x="13671073" y="2879462"/>
+            <a:ext cx="361076" cy="0"/>
           </a:xfrm>
           <a:prstGeom prst="straightConnector1">
             <a:avLst/>
           </a:prstGeom>
           <a:ln w="19050">
             <a:solidFill>
-              <a:schemeClr val="accent1"/>
+              <a:srgbClr val="0070C0"/>
             </a:solidFill>
-            <a:prstDash val="sysDash"/>
-            <a:headEnd type="arrow" w="med" len="med"/>
-            <a:tailEnd type="none" w="med" len="med"/>
+            <a:tailEnd type="arrow"/>
           </a:ln>
         </p:spPr>
         <p:style>
@@ -3931,10 +4030,295 @@
       </p:cxnSp>
       <p:sp>
         <p:nvSpPr>
-          <p:cNvPr id="53" name="TextBox 52">
-            <a:extLst>
-              <a:ext uri="{FF2B5EF4-FFF2-40B4-BE49-F238E27FC236}">
-                <a16:creationId xmlns:a16="http://schemas.microsoft.com/office/drawing/2014/main" id="{1BB45041-2D5E-488A-9FBF-B0F0F261A1A9}"/>
+          <p:cNvPr id="139" name="Rectangle 62">
+            <a:extLst>
+              <a:ext uri="{FF2B5EF4-FFF2-40B4-BE49-F238E27FC236}">
+                <a16:creationId xmlns:a16="http://schemas.microsoft.com/office/drawing/2014/main" id="{9AAC540A-DE02-4540-B7C9-9C9C83248251}"/>
+              </a:ext>
+            </a:extLst>
+          </p:cNvPr>
+          <p:cNvSpPr/>
+          <p:nvPr/>
+        </p:nvSpPr>
+        <p:spPr>
+          <a:xfrm>
+            <a:off x="19671998" y="4691843"/>
+            <a:ext cx="3045942" cy="577538"/>
+          </a:xfrm>
+          <a:prstGeom prst="rect">
+            <a:avLst/>
+          </a:prstGeom>
+          <a:solidFill>
+            <a:srgbClr val="0070C0"/>
+          </a:solidFill>
+          <a:ln w="19050">
+            <a:solidFill>
+              <a:srgbClr val="0070C0"/>
+            </a:solidFill>
+          </a:ln>
+          <a:effectLst/>
+        </p:spPr>
+        <p:style>
+          <a:lnRef idx="1">
+            <a:schemeClr val="accent2"/>
+          </a:lnRef>
+          <a:fillRef idx="2">
+            <a:schemeClr val="accent2"/>
+          </a:fillRef>
+          <a:effectRef idx="1">
+            <a:schemeClr val="accent2"/>
+          </a:effectRef>
+          <a:fontRef idx="minor">
+            <a:schemeClr val="dk1"/>
+          </a:fontRef>
+        </p:style>
+        <p:txBody>
+          <a:bodyPr rtlCol="0" anchor="ctr"/>
+          <a:lstStyle/>
+          <a:p>
+            <a:pPr algn="ctr"/>
+            <a:r>
+              <a:rPr lang="en-US" sz="1999" dirty="0">
+                <a:solidFill>
+                  <a:schemeClr val="bg1"/>
+                </a:solidFill>
+              </a:rPr>
+              <a:t>fm:FindMovieCommand</a:t>
+            </a:r>
+            <a:endParaRPr lang="en-SG" sz="1999" dirty="0">
+              <a:solidFill>
+                <a:schemeClr val="bg1"/>
+              </a:solidFill>
+            </a:endParaRPr>
+          </a:p>
+        </p:txBody>
+      </p:sp>
+      <p:sp>
+        <p:nvSpPr>
+          <p:cNvPr id="43" name="Rectangle 62">
+            <a:extLst>
+              <a:ext uri="{FF2B5EF4-FFF2-40B4-BE49-F238E27FC236}">
+                <a16:creationId xmlns:a16="http://schemas.microsoft.com/office/drawing/2014/main" id="{2DEC9B14-D5D5-46DF-B480-09FB79E8D2F2}"/>
+              </a:ext>
+            </a:extLst>
+          </p:cNvPr>
+          <p:cNvSpPr/>
+          <p:nvPr/>
+        </p:nvSpPr>
+        <p:spPr>
+          <a:xfrm>
+            <a:off x="18008952" y="2328849"/>
+            <a:ext cx="1873225" cy="577538"/>
+          </a:xfrm>
+          <a:prstGeom prst="rect">
+            <a:avLst/>
+          </a:prstGeom>
+          <a:solidFill>
+            <a:srgbClr val="0070C0"/>
+          </a:solidFill>
+          <a:ln w="19050">
+            <a:solidFill>
+              <a:srgbClr val="0070C0"/>
+            </a:solidFill>
+          </a:ln>
+          <a:effectLst/>
+        </p:spPr>
+        <p:style>
+          <a:lnRef idx="1">
+            <a:schemeClr val="accent2"/>
+          </a:lnRef>
+          <a:fillRef idx="2">
+            <a:schemeClr val="accent2"/>
+          </a:fillRef>
+          <a:effectRef idx="1">
+            <a:schemeClr val="accent2"/>
+          </a:effectRef>
+          <a:fontRef idx="minor">
+            <a:schemeClr val="dk1"/>
+          </a:fontRef>
+        </p:style>
+        <p:txBody>
+          <a:bodyPr rtlCol="0" anchor="ctr"/>
+          <a:lstStyle/>
+          <a:p>
+            <a:pPr algn="ctr"/>
+            <a:r>
+              <a:rPr lang="en-US" sz="1999" dirty="0">
+                <a:solidFill>
+                  <a:schemeClr val="bg1"/>
+                </a:solidFill>
+              </a:rPr>
+              <a:t>:Argument</a:t>
+            </a:r>
+          </a:p>
+          <a:p>
+            <a:pPr algn="ctr"/>
+            <a:r>
+              <a:rPr lang="en-US" sz="1999" dirty="0">
+                <a:solidFill>
+                  <a:schemeClr val="bg1"/>
+                </a:solidFill>
+              </a:rPr>
+              <a:t>Multimap</a:t>
+            </a:r>
+            <a:endParaRPr lang="en-SG" sz="1999" dirty="0">
+              <a:solidFill>
+                <a:schemeClr val="bg1"/>
+              </a:solidFill>
+            </a:endParaRPr>
+          </a:p>
+        </p:txBody>
+      </p:sp>
+      <p:cxnSp>
+        <p:nvCxnSpPr>
+          <p:cNvPr id="44" name="Straight Connector 43">
+            <a:extLst>
+              <a:ext uri="{FF2B5EF4-FFF2-40B4-BE49-F238E27FC236}">
+                <a16:creationId xmlns:a16="http://schemas.microsoft.com/office/drawing/2014/main" id="{9E03F4BF-2E0D-4F29-BA67-766D8A053AD6}"/>
+              </a:ext>
+            </a:extLst>
+          </p:cNvPr>
+          <p:cNvCxnSpPr>
+            <a:cxnSpLocks/>
+            <a:stCxn id="43" idx="2"/>
+            <a:endCxn id="45" idx="0"/>
+          </p:cNvCxnSpPr>
+          <p:nvPr/>
+        </p:nvCxnSpPr>
+        <p:spPr>
+          <a:xfrm flipH="1">
+            <a:off x="18940524" y="2906387"/>
+            <a:ext cx="5041" cy="1218692"/>
+          </a:xfrm>
+          <a:prstGeom prst="line">
+            <a:avLst/>
+          </a:prstGeom>
+          <a:ln w="28575">
+            <a:solidFill>
+              <a:srgbClr val="0070C0"/>
+            </a:solidFill>
+            <a:prstDash val="sysDash"/>
+          </a:ln>
+          <a:effectLst/>
+        </p:spPr>
+        <p:style>
+          <a:lnRef idx="1">
+            <a:schemeClr val="accent1"/>
+          </a:lnRef>
+          <a:fillRef idx="2">
+            <a:schemeClr val="accent1"/>
+          </a:fillRef>
+          <a:effectRef idx="1">
+            <a:schemeClr val="accent1"/>
+          </a:effectRef>
+          <a:fontRef idx="minor">
+            <a:schemeClr val="dk1"/>
+          </a:fontRef>
+        </p:style>
+      </p:cxnSp>
+      <p:sp>
+        <p:nvSpPr>
+          <p:cNvPr id="45" name="Rectangle 44">
+            <a:extLst>
+              <a:ext uri="{FF2B5EF4-FFF2-40B4-BE49-F238E27FC236}">
+                <a16:creationId xmlns:a16="http://schemas.microsoft.com/office/drawing/2014/main" id="{C4D7CA3B-8A4E-460C-B7A3-361B30B46DD9}"/>
+              </a:ext>
+            </a:extLst>
+          </p:cNvPr>
+          <p:cNvSpPr/>
+          <p:nvPr/>
+        </p:nvSpPr>
+        <p:spPr>
+          <a:xfrm>
+            <a:off x="18741422" y="4125079"/>
+            <a:ext cx="398204" cy="544424"/>
+          </a:xfrm>
+          <a:prstGeom prst="rect">
+            <a:avLst/>
+          </a:prstGeom>
+          <a:solidFill>
+            <a:srgbClr val="0070C0"/>
+          </a:solidFill>
+          <a:ln>
+            <a:solidFill>
+              <a:srgbClr val="0070C0"/>
+            </a:solidFill>
+          </a:ln>
+          <a:effectLst/>
+        </p:spPr>
+        <p:style>
+          <a:lnRef idx="1">
+            <a:schemeClr val="accent3"/>
+          </a:lnRef>
+          <a:fillRef idx="2">
+            <a:schemeClr val="accent3"/>
+          </a:fillRef>
+          <a:effectRef idx="1">
+            <a:schemeClr val="accent3"/>
+          </a:effectRef>
+          <a:fontRef idx="minor">
+            <a:schemeClr val="dk1"/>
+          </a:fontRef>
+        </p:style>
+        <p:txBody>
+          <a:bodyPr rtlCol="0" anchor="ctr"/>
+          <a:lstStyle/>
+          <a:p>
+            <a:pPr algn="ctr"/>
+            <a:endParaRPr lang="en-SG" sz="1999" dirty="0"/>
+          </a:p>
+        </p:txBody>
+      </p:sp>
+      <p:cxnSp>
+        <p:nvCxnSpPr>
+          <p:cNvPr id="46" name="Straight Arrow Connector 45">
+            <a:extLst>
+              <a:ext uri="{FF2B5EF4-FFF2-40B4-BE49-F238E27FC236}">
+                <a16:creationId xmlns:a16="http://schemas.microsoft.com/office/drawing/2014/main" id="{EEF844EE-BAD2-4716-82A6-FC3AF2CFC53F}"/>
+              </a:ext>
+            </a:extLst>
+          </p:cNvPr>
+          <p:cNvCxnSpPr>
+            <a:cxnSpLocks/>
+          </p:cNvCxnSpPr>
+          <p:nvPr/>
+        </p:nvCxnSpPr>
+        <p:spPr>
+          <a:xfrm flipV="1">
+            <a:off x="16038244" y="4142197"/>
+            <a:ext cx="2703178" cy="2986"/>
+          </a:xfrm>
+          <a:prstGeom prst="straightConnector1">
+            <a:avLst/>
+          </a:prstGeom>
+          <a:ln w="19050">
+            <a:solidFill>
+              <a:srgbClr val="0070C0"/>
+            </a:solidFill>
+            <a:tailEnd type="arrow"/>
+          </a:ln>
+        </p:spPr>
+        <p:style>
+          <a:lnRef idx="1">
+            <a:schemeClr val="accent1"/>
+          </a:lnRef>
+          <a:fillRef idx="0">
+            <a:schemeClr val="accent1"/>
+          </a:fillRef>
+          <a:effectRef idx="0">
+            <a:schemeClr val="accent1"/>
+          </a:effectRef>
+          <a:fontRef idx="minor">
+            <a:schemeClr val="tx1"/>
+          </a:fontRef>
+        </p:style>
+      </p:cxnSp>
+      <p:sp>
+        <p:nvSpPr>
+          <p:cNvPr id="57" name="TextBox 56">
+            <a:extLst>
+              <a:ext uri="{FF2B5EF4-FFF2-40B4-BE49-F238E27FC236}">
+                <a16:creationId xmlns:a16="http://schemas.microsoft.com/office/drawing/2014/main" id="{4039B2F3-4705-4A23-B4FF-B762DB0FF401}"/>
               </a:ext>
             </a:extLst>
           </p:cNvPr>
@@ -3943,8 +4327,8 @@
         </p:nvSpPr>
         <p:spPr>
           <a:xfrm>
-            <a:off x="4810517" y="9857289"/>
-            <a:ext cx="1037399" cy="184666"/>
+            <a:off x="16838457" y="3761006"/>
+            <a:ext cx="942906" cy="307648"/>
           </a:xfrm>
           <a:prstGeom prst="rect">
             <a:avLst/>
@@ -3968,36 +4352,38 @@
             </a:lvl1pPr>
           </a:lstStyle>
           <a:p>
-            <a:r>
-              <a:rPr lang="en-US" sz="1200" dirty="0"/>
-              <a:t>commandResult</a:t>
+            <a:pPr algn="l"/>
+            <a:r>
+              <a:rPr lang="en-US" sz="1999" dirty="0"/>
+              <a:t>tokenize</a:t>
             </a:r>
           </a:p>
         </p:txBody>
       </p:sp>
       <p:cxnSp>
         <p:nvCxnSpPr>
-          <p:cNvPr id="54" name="Straight Arrow Connector 53">
-            <a:extLst>
-              <a:ext uri="{FF2B5EF4-FFF2-40B4-BE49-F238E27FC236}">
-                <a16:creationId xmlns:a16="http://schemas.microsoft.com/office/drawing/2014/main" id="{19DA6CFA-1F0F-42FE-B9AC-6569474BDAFD}"/>
+          <p:cNvPr id="58" name="Straight Arrow Connector 57">
+            <a:extLst>
+              <a:ext uri="{FF2B5EF4-FFF2-40B4-BE49-F238E27FC236}">
+                <a16:creationId xmlns:a16="http://schemas.microsoft.com/office/drawing/2014/main" id="{94D01E4C-E679-4304-8A72-C2BA88B800F6}"/>
               </a:ext>
             </a:extLst>
           </p:cNvPr>
           <p:cNvCxnSpPr>
             <a:cxnSpLocks/>
+            <a:endCxn id="45" idx="2"/>
           </p:cNvCxnSpPr>
           <p:nvPr/>
         </p:nvCxnSpPr>
         <p:spPr>
           <a:xfrm>
-            <a:off x="2538136" y="10124747"/>
-            <a:ext cx="2010881" cy="1"/>
+            <a:off x="16089524" y="4651437"/>
+            <a:ext cx="2851000" cy="18066"/>
           </a:xfrm>
           <a:prstGeom prst="straightConnector1">
             <a:avLst/>
           </a:prstGeom>
-          <a:ln w="19050">
+          <a:ln w="28575">
             <a:solidFill>
               <a:schemeClr val="accent1"/>
             </a:solidFill>
@@ -4021,12 +4407,103 @@
           </a:fontRef>
         </p:style>
       </p:cxnSp>
-      <p:sp>
-        <p:nvSpPr>
-          <p:cNvPr id="55" name="TextBox 54">
-            <a:extLst>
-              <a:ext uri="{FF2B5EF4-FFF2-40B4-BE49-F238E27FC236}">
-                <a16:creationId xmlns:a16="http://schemas.microsoft.com/office/drawing/2014/main" id="{2E443D7A-4ED4-4D99-8922-6AD3BCF0CCF6}"/>
+      <p:cxnSp>
+        <p:nvCxnSpPr>
+          <p:cNvPr id="109" name="Straight Connector 108">
+            <a:extLst>
+              <a:ext uri="{FF2B5EF4-FFF2-40B4-BE49-F238E27FC236}">
+                <a16:creationId xmlns:a16="http://schemas.microsoft.com/office/drawing/2014/main" id="{BCC6A046-A63A-4A08-89A6-E8A1392E09BB}"/>
+              </a:ext>
+            </a:extLst>
+          </p:cNvPr>
+          <p:cNvCxnSpPr>
+            <a:cxnSpLocks/>
+          </p:cNvCxnSpPr>
+          <p:nvPr/>
+        </p:nvCxnSpPr>
+        <p:spPr>
+          <a:xfrm>
+            <a:off x="15846499" y="3542292"/>
+            <a:ext cx="1148" cy="2931004"/>
+          </a:xfrm>
+          <a:prstGeom prst="line">
+            <a:avLst/>
+          </a:prstGeom>
+          <a:ln w="28575">
+            <a:solidFill>
+              <a:srgbClr val="0070C0"/>
+            </a:solidFill>
+            <a:prstDash val="sysDash"/>
+          </a:ln>
+          <a:effectLst/>
+        </p:spPr>
+        <p:style>
+          <a:lnRef idx="1">
+            <a:schemeClr val="accent1"/>
+          </a:lnRef>
+          <a:fillRef idx="2">
+            <a:schemeClr val="accent1"/>
+          </a:fillRef>
+          <a:effectRef idx="1">
+            <a:schemeClr val="accent1"/>
+          </a:effectRef>
+          <a:fontRef idx="minor">
+            <a:schemeClr val="dk1"/>
+          </a:fontRef>
+        </p:style>
+      </p:cxnSp>
+      <p:sp>
+        <p:nvSpPr>
+          <p:cNvPr id="48" name="Rectangle 47">
+            <a:extLst>
+              <a:ext uri="{FF2B5EF4-FFF2-40B4-BE49-F238E27FC236}">
+                <a16:creationId xmlns:a16="http://schemas.microsoft.com/office/drawing/2014/main" id="{D6C1CBDB-3F88-4BB6-8DDE-BE907BE6B5AF}"/>
+              </a:ext>
+            </a:extLst>
+          </p:cNvPr>
+          <p:cNvSpPr/>
+          <p:nvPr/>
+        </p:nvSpPr>
+        <p:spPr>
+          <a:xfrm>
+            <a:off x="15882418" y="3270174"/>
+            <a:ext cx="311658" cy="289240"/>
+          </a:xfrm>
+          <a:prstGeom prst="rect">
+            <a:avLst/>
+          </a:prstGeom>
+          <a:noFill/>
+          <a:ln w="28575"/>
+        </p:spPr>
+        <p:style>
+          <a:lnRef idx="2">
+            <a:schemeClr val="accent1"/>
+          </a:lnRef>
+          <a:fillRef idx="1">
+            <a:schemeClr val="lt1"/>
+          </a:fillRef>
+          <a:effectRef idx="0">
+            <a:schemeClr val="accent1"/>
+          </a:effectRef>
+          <a:fontRef idx="minor">
+            <a:schemeClr val="dk1"/>
+          </a:fontRef>
+        </p:style>
+        <p:txBody>
+          <a:bodyPr rtlCol="0" anchor="ctr"/>
+          <a:lstStyle/>
+          <a:p>
+            <a:pPr algn="ctr"/>
+            <a:endParaRPr lang="en-SG" sz="2333" dirty="0"/>
+          </a:p>
+        </p:txBody>
+      </p:sp>
+      <p:sp>
+        <p:nvSpPr>
+          <p:cNvPr id="49" name="TextBox 48">
+            <a:extLst>
+              <a:ext uri="{FF2B5EF4-FFF2-40B4-BE49-F238E27FC236}">
+                <a16:creationId xmlns:a16="http://schemas.microsoft.com/office/drawing/2014/main" id="{BE0C6380-FE86-42DD-B0C4-6F2178814ED0}"/>
               </a:ext>
             </a:extLst>
           </p:cNvPr>
@@ -4035,8 +4512,8 @@
         </p:nvSpPr>
         <p:spPr>
           <a:xfrm>
-            <a:off x="3453612" y="9927950"/>
-            <a:ext cx="1065304" cy="184666"/>
+            <a:off x="16038245" y="3296073"/>
+            <a:ext cx="2372281" cy="307648"/>
           </a:xfrm>
           <a:prstGeom prst="rect">
             <a:avLst/>
@@ -4061,18 +4538,18 @@
           </a:lstStyle>
           <a:p>
             <a:r>
-              <a:rPr lang="en-US" sz="1200" dirty="0"/>
-              <a:t>commandResult</a:t>
+              <a:rPr lang="en-US" sz="1999" dirty="0"/>
+              <a:t>arePrefixesPresent()</a:t>
             </a:r>
           </a:p>
         </p:txBody>
       </p:sp>
       <p:cxnSp>
         <p:nvCxnSpPr>
-          <p:cNvPr id="56" name="Straight Arrow Connector 55">
-            <a:extLst>
-              <a:ext uri="{FF2B5EF4-FFF2-40B4-BE49-F238E27FC236}">
-                <a16:creationId xmlns:a16="http://schemas.microsoft.com/office/drawing/2014/main" id="{F1F468B3-C926-4525-9532-2DCBF65CB921}"/>
+          <p:cNvPr id="59" name="Connector: Curved 58">
+            <a:extLst>
+              <a:ext uri="{FF2B5EF4-FFF2-40B4-BE49-F238E27FC236}">
+                <a16:creationId xmlns:a16="http://schemas.microsoft.com/office/drawing/2014/main" id="{6ADF99D2-2CA5-443E-A7CD-FF00B323FB57}"/>
               </a:ext>
             </a:extLst>
           </p:cNvPr>
@@ -4082,28 +4559,28 @@
           <p:nvPr/>
         </p:nvCxnSpPr>
         <p:spPr>
-          <a:xfrm>
-            <a:off x="4688874" y="4062139"/>
-            <a:ext cx="216792" cy="0"/>
-          </a:xfrm>
-          <a:prstGeom prst="straightConnector1">
-            <a:avLst/>
-          </a:prstGeom>
-          <a:ln w="19050">
-            <a:solidFill>
-              <a:srgbClr val="0070C0"/>
-            </a:solidFill>
-            <a:tailEnd type="arrow"/>
+          <a:xfrm rot="16200000" flipH="1">
+            <a:off x="16048825" y="3286738"/>
+            <a:ext cx="144622" cy="155831"/>
+          </a:xfrm>
+          <a:prstGeom prst="curvedConnector4">
+            <a:avLst>
+              <a:gd name="adj1" fmla="val -128893"/>
+              <a:gd name="adj2" fmla="val 178899"/>
+            </a:avLst>
+          </a:prstGeom>
+          <a:ln w="28575">
+            <a:tailEnd type="triangle"/>
           </a:ln>
         </p:spPr>
         <p:style>
-          <a:lnRef idx="1">
+          <a:lnRef idx="2">
             <a:schemeClr val="accent1"/>
           </a:lnRef>
           <a:fillRef idx="0">
             <a:schemeClr val="accent1"/>
           </a:fillRef>
-          <a:effectRef idx="0">
+          <a:effectRef idx="1">
             <a:schemeClr val="accent1"/>
           </a:effectRef>
           <a:fontRef idx="minor">
@@ -4113,10 +4590,10 @@
       </p:cxnSp>
       <p:sp>
         <p:nvSpPr>
-          <p:cNvPr id="139" name="Rectangle 62">
-            <a:extLst>
-              <a:ext uri="{FF2B5EF4-FFF2-40B4-BE49-F238E27FC236}">
-                <a16:creationId xmlns:a16="http://schemas.microsoft.com/office/drawing/2014/main" id="{9AAC540A-DE02-4540-B7C9-9C9C83248251}"/>
+          <p:cNvPr id="65" name="Rectangle 64">
+            <a:extLst>
+              <a:ext uri="{FF2B5EF4-FFF2-40B4-BE49-F238E27FC236}">
+                <a16:creationId xmlns:a16="http://schemas.microsoft.com/office/drawing/2014/main" id="{A9AF3433-433E-4256-A1AC-E77E936FBD48}"/>
               </a:ext>
             </a:extLst>
           </p:cNvPr>
@@ -4125,34 +4602,30 @@
         </p:nvSpPr>
         <p:spPr>
           <a:xfrm>
-            <a:off x="9006030" y="4913803"/>
-            <a:ext cx="1828800" cy="346757"/>
+            <a:off x="17738379" y="7082217"/>
+            <a:ext cx="7358346" cy="5443605"/>
           </a:xfrm>
           <a:prstGeom prst="rect">
             <a:avLst/>
           </a:prstGeom>
           <a:solidFill>
-            <a:srgbClr val="0070C0"/>
+            <a:schemeClr val="bg1"/>
           </a:solidFill>
-          <a:ln w="19050">
-            <a:solidFill>
-              <a:srgbClr val="0070C0"/>
-            </a:solidFill>
-          </a:ln>
-          <a:effectLst/>
         </p:spPr>
         <p:style>
-          <a:lnRef idx="1">
-            <a:schemeClr val="accent2"/>
+          <a:lnRef idx="2">
+            <a:schemeClr val="accent1">
+              <a:shade val="50000"/>
+            </a:schemeClr>
           </a:lnRef>
-          <a:fillRef idx="2">
-            <a:schemeClr val="accent2"/>
+          <a:fillRef idx="1">
+            <a:schemeClr val="accent1"/>
           </a:fillRef>
-          <a:effectRef idx="1">
-            <a:schemeClr val="accent2"/>
+          <a:effectRef idx="0">
+            <a:schemeClr val="accent1"/>
           </a:effectRef>
           <a:fontRef idx="minor">
-            <a:schemeClr val="dk1"/>
+            <a:schemeClr val="lt1"/>
           </a:fontRef>
         </p:style>
         <p:txBody>
@@ -4160,17 +4633,9 @@
           <a:lstStyle/>
           <a:p>
             <a:pPr algn="ctr"/>
-            <a:r>
-              <a:rPr lang="en-US" sz="1200" dirty="0">
-                <a:solidFill>
-                  <a:schemeClr val="bg1"/>
-                </a:solidFill>
-              </a:rPr>
-              <a:t>:FindMovieCommand</a:t>
-            </a:r>
-            <a:endParaRPr lang="en-SG" sz="1200" dirty="0">
+            <a:endParaRPr lang="en-SG" sz="1999" dirty="0">
               <a:solidFill>
-                <a:schemeClr val="bg1"/>
+                <a:schemeClr val="tx1"/>
               </a:solidFill>
             </a:endParaRPr>
           </a:p>
@@ -4178,10 +4643,10 @@
       </p:sp>
       <p:sp>
         <p:nvSpPr>
-          <p:cNvPr id="140" name="Rectangle 139">
-            <a:extLst>
-              <a:ext uri="{FF2B5EF4-FFF2-40B4-BE49-F238E27FC236}">
-                <a16:creationId xmlns:a16="http://schemas.microsoft.com/office/drawing/2014/main" id="{8D43EF85-01BA-4FE2-8FDA-CAE84631D688}"/>
+          <p:cNvPr id="67" name="Rectangle: Top Corners One Rounded and One Snipped 66" title="Alt">
+            <a:extLst>
+              <a:ext uri="{FF2B5EF4-FFF2-40B4-BE49-F238E27FC236}">
+                <a16:creationId xmlns:a16="http://schemas.microsoft.com/office/drawing/2014/main" id="{CC9AC83B-E318-44F1-8E8D-1DD6EF4F8A7C}"/>
               </a:ext>
             </a:extLst>
           </p:cNvPr>
@@ -4189,35 +4654,32 @@
           <p:nvPr/>
         </p:nvSpPr>
         <p:spPr>
-          <a:xfrm flipH="1">
-            <a:off x="9787860" y="9630877"/>
-            <a:ext cx="195459" cy="373442"/>
-          </a:xfrm>
-          <a:prstGeom prst="rect">
-            <a:avLst/>
-          </a:prstGeom>
-          <a:solidFill>
-            <a:srgbClr val="0070C0"/>
-          </a:solidFill>
-          <a:ln>
-            <a:solidFill>
-              <a:srgbClr val="0070C0"/>
-            </a:solidFill>
-          </a:ln>
-          <a:effectLst/>
+          <a:xfrm rot="10800000" flipH="1">
+            <a:off x="17734258" y="7070360"/>
+            <a:ext cx="602491" cy="275942"/>
+          </a:xfrm>
+          <a:prstGeom prst="snipRoundRect">
+            <a:avLst>
+              <a:gd name="adj1" fmla="val 0"/>
+              <a:gd name="adj2" fmla="val 50000"/>
+            </a:avLst>
+          </a:prstGeom>
+          <a:noFill/>
         </p:spPr>
         <p:style>
-          <a:lnRef idx="1">
-            <a:schemeClr val="accent3"/>
+          <a:lnRef idx="2">
+            <a:schemeClr val="accent1">
+              <a:shade val="50000"/>
+            </a:schemeClr>
           </a:lnRef>
-          <a:fillRef idx="2">
-            <a:schemeClr val="accent3"/>
+          <a:fillRef idx="1">
+            <a:schemeClr val="accent1"/>
           </a:fillRef>
-          <a:effectRef idx="1">
-            <a:schemeClr val="accent3"/>
+          <a:effectRef idx="0">
+            <a:schemeClr val="accent1"/>
           </a:effectRef>
           <a:fontRef idx="minor">
-            <a:schemeClr val="dk1"/>
+            <a:schemeClr val="lt1"/>
           </a:fontRef>
         </p:style>
         <p:txBody>
@@ -4225,236 +4687,55 @@
           <a:lstStyle/>
           <a:p>
             <a:pPr algn="ctr"/>
-            <a:endParaRPr lang="en-SG" sz="1200" dirty="0"/>
-          </a:p>
-        </p:txBody>
-      </p:sp>
-      <p:sp>
-        <p:nvSpPr>
-          <p:cNvPr id="43" name="Rectangle 62">
-            <a:extLst>
-              <a:ext uri="{FF2B5EF4-FFF2-40B4-BE49-F238E27FC236}">
-                <a16:creationId xmlns:a16="http://schemas.microsoft.com/office/drawing/2014/main" id="{2DEC9B14-D5D5-46DF-B480-09FB79E8D2F2}"/>
-              </a:ext>
-            </a:extLst>
-          </p:cNvPr>
-          <p:cNvSpPr/>
-          <p:nvPr/>
-        </p:nvSpPr>
-        <p:spPr>
-          <a:xfrm>
-            <a:off x="7048734" y="3085229"/>
-            <a:ext cx="1124694" cy="346757"/>
-          </a:xfrm>
-          <a:prstGeom prst="rect">
-            <a:avLst/>
-          </a:prstGeom>
-          <a:solidFill>
-            <a:srgbClr val="0070C0"/>
-          </a:solidFill>
-          <a:ln w="19050">
-            <a:solidFill>
-              <a:srgbClr val="0070C0"/>
-            </a:solidFill>
-          </a:ln>
-          <a:effectLst/>
-        </p:spPr>
-        <p:style>
-          <a:lnRef idx="1">
-            <a:schemeClr val="accent2"/>
-          </a:lnRef>
-          <a:fillRef idx="2">
-            <a:schemeClr val="accent2"/>
-          </a:fillRef>
-          <a:effectRef idx="1">
-            <a:schemeClr val="accent2"/>
-          </a:effectRef>
-          <a:fontRef idx="minor">
-            <a:schemeClr val="dk1"/>
-          </a:fontRef>
-        </p:style>
-        <p:txBody>
-          <a:bodyPr rtlCol="0" anchor="ctr"/>
-          <a:lstStyle/>
-          <a:p>
-            <a:pPr algn="ctr"/>
-            <a:r>
-              <a:rPr lang="en-US" sz="1200" dirty="0">
-                <a:solidFill>
-                  <a:schemeClr val="bg1"/>
-                </a:solidFill>
-              </a:rPr>
-              <a:t>:Argument</a:t>
-            </a:r>
-          </a:p>
-          <a:p>
-            <a:pPr algn="ctr"/>
-            <a:r>
-              <a:rPr lang="en-US" sz="1200" dirty="0">
-                <a:solidFill>
-                  <a:schemeClr val="bg1"/>
-                </a:solidFill>
-              </a:rPr>
-              <a:t>Multimap</a:t>
-            </a:r>
-            <a:endParaRPr lang="en-SG" sz="1200" dirty="0">
+            <a:endParaRPr lang="en-SG" sz="1332" dirty="0">
               <a:solidFill>
-                <a:schemeClr val="bg1"/>
+                <a:schemeClr val="tx1"/>
               </a:solidFill>
             </a:endParaRPr>
           </a:p>
         </p:txBody>
       </p:sp>
-      <p:cxnSp>
-        <p:nvCxnSpPr>
-          <p:cNvPr id="44" name="Straight Connector 43">
-            <a:extLst>
-              <a:ext uri="{FF2B5EF4-FFF2-40B4-BE49-F238E27FC236}">
-                <a16:creationId xmlns:a16="http://schemas.microsoft.com/office/drawing/2014/main" id="{9E03F4BF-2E0D-4F29-BA67-766D8A053AD6}"/>
-              </a:ext>
-            </a:extLst>
-          </p:cNvPr>
-          <p:cNvCxnSpPr>
-            <a:cxnSpLocks/>
-            <a:stCxn id="43" idx="2"/>
-            <a:endCxn id="45" idx="0"/>
-          </p:cNvCxnSpPr>
-          <p:nvPr/>
-        </p:nvCxnSpPr>
-        <p:spPr>
-          <a:xfrm flipH="1">
-            <a:off x="7602693" y="3431986"/>
-            <a:ext cx="8389" cy="1369393"/>
-          </a:xfrm>
-          <a:prstGeom prst="line">
-            <a:avLst/>
-          </a:prstGeom>
-          <a:ln w="19050">
-            <a:solidFill>
-              <a:srgbClr val="0070C0"/>
-            </a:solidFill>
-            <a:prstDash val="sysDash"/>
-          </a:ln>
-          <a:effectLst/>
-        </p:spPr>
-        <p:style>
-          <a:lnRef idx="1">
-            <a:schemeClr val="accent1"/>
-          </a:lnRef>
-          <a:fillRef idx="2">
-            <a:schemeClr val="accent1"/>
-          </a:fillRef>
-          <a:effectRef idx="1">
-            <a:schemeClr val="accent1"/>
-          </a:effectRef>
-          <a:fontRef idx="minor">
-            <a:schemeClr val="dk1"/>
-          </a:fontRef>
-        </p:style>
-      </p:cxnSp>
-      <p:sp>
-        <p:nvSpPr>
-          <p:cNvPr id="45" name="Rectangle 44">
-            <a:extLst>
-              <a:ext uri="{FF2B5EF4-FFF2-40B4-BE49-F238E27FC236}">
-                <a16:creationId xmlns:a16="http://schemas.microsoft.com/office/drawing/2014/main" id="{C4D7CA3B-8A4E-460C-B7A3-361B30B46DD9}"/>
-              </a:ext>
-            </a:extLst>
-          </p:cNvPr>
-          <p:cNvSpPr/>
-          <p:nvPr/>
-        </p:nvSpPr>
-        <p:spPr>
-          <a:xfrm>
-            <a:off x="7483150" y="4801379"/>
-            <a:ext cx="239084" cy="326875"/>
+      <p:sp>
+        <p:nvSpPr>
+          <p:cNvPr id="30" name="TextBox 29">
+            <a:extLst>
+              <a:ext uri="{FF2B5EF4-FFF2-40B4-BE49-F238E27FC236}">
+                <a16:creationId xmlns:a16="http://schemas.microsoft.com/office/drawing/2014/main" id="{3A6B19DE-CD29-4AED-85C9-731A6A8CB954}"/>
+              </a:ext>
+            </a:extLst>
+          </p:cNvPr>
+          <p:cNvSpPr txBox="1"/>
+          <p:nvPr/>
+        </p:nvSpPr>
+        <p:spPr>
+          <a:xfrm>
+            <a:off x="17775830" y="7023057"/>
+            <a:ext cx="545640" cy="297325"/>
           </a:xfrm>
           <a:prstGeom prst="rect">
             <a:avLst/>
           </a:prstGeom>
-          <a:solidFill>
-            <a:srgbClr val="0070C0"/>
-          </a:solidFill>
-          <a:ln>
-            <a:solidFill>
-              <a:srgbClr val="0070C0"/>
-            </a:solidFill>
-          </a:ln>
-          <a:effectLst/>
-        </p:spPr>
-        <p:style>
-          <a:lnRef idx="1">
-            <a:schemeClr val="accent3"/>
-          </a:lnRef>
-          <a:fillRef idx="2">
-            <a:schemeClr val="accent3"/>
-          </a:fillRef>
-          <a:effectRef idx="1">
-            <a:schemeClr val="accent3"/>
-          </a:effectRef>
-          <a:fontRef idx="minor">
-            <a:schemeClr val="dk1"/>
-          </a:fontRef>
-        </p:style>
-        <p:txBody>
-          <a:bodyPr rtlCol="0" anchor="ctr"/>
-          <a:lstStyle/>
-          <a:p>
-            <a:pPr algn="ctr"/>
-            <a:endParaRPr lang="en-SG" sz="1200" dirty="0"/>
-          </a:p>
-        </p:txBody>
-      </p:sp>
-      <p:cxnSp>
-        <p:nvCxnSpPr>
-          <p:cNvPr id="46" name="Straight Arrow Connector 45">
-            <a:extLst>
-              <a:ext uri="{FF2B5EF4-FFF2-40B4-BE49-F238E27FC236}">
-                <a16:creationId xmlns:a16="http://schemas.microsoft.com/office/drawing/2014/main" id="{EEF844EE-BAD2-4716-82A6-FC3AF2CFC53F}"/>
-              </a:ext>
-            </a:extLst>
-          </p:cNvPr>
-          <p:cNvCxnSpPr>
-            <a:cxnSpLocks/>
-          </p:cNvCxnSpPr>
-          <p:nvPr/>
-        </p:nvCxnSpPr>
-        <p:spPr>
-          <a:xfrm>
-            <a:off x="6110136" y="4822084"/>
-            <a:ext cx="1373014" cy="3121"/>
-          </a:xfrm>
-          <a:prstGeom prst="straightConnector1">
-            <a:avLst/>
-          </a:prstGeom>
-          <a:ln w="19050">
-            <a:solidFill>
-              <a:srgbClr val="0070C0"/>
-            </a:solidFill>
-            <a:tailEnd type="arrow"/>
-          </a:ln>
-        </p:spPr>
-        <p:style>
-          <a:lnRef idx="1">
-            <a:schemeClr val="accent1"/>
-          </a:lnRef>
-          <a:fillRef idx="0">
-            <a:schemeClr val="accent1"/>
-          </a:fillRef>
-          <a:effectRef idx="0">
-            <a:schemeClr val="accent1"/>
-          </a:effectRef>
-          <a:fontRef idx="minor">
-            <a:schemeClr val="tx1"/>
-          </a:fontRef>
-        </p:style>
-      </p:cxnSp>
-      <p:sp>
-        <p:nvSpPr>
-          <p:cNvPr id="57" name="TextBox 56">
-            <a:extLst>
-              <a:ext uri="{FF2B5EF4-FFF2-40B4-BE49-F238E27FC236}">
-                <a16:creationId xmlns:a16="http://schemas.microsoft.com/office/drawing/2014/main" id="{4039B2F3-4705-4A23-B4FF-B762DB0FF401}"/>
+          <a:noFill/>
+        </p:spPr>
+        <p:txBody>
+          <a:bodyPr wrap="square" rtlCol="0">
+            <a:spAutoFit/>
+          </a:bodyPr>
+          <a:lstStyle/>
+          <a:p>
+            <a:r>
+              <a:rPr lang="en-SG" sz="1332" dirty="0"/>
+              <a:t>alt</a:t>
+            </a:r>
+          </a:p>
+        </p:txBody>
+      </p:sp>
+      <p:sp>
+        <p:nvSpPr>
+          <p:cNvPr id="26" name="TextBox 25">
+            <a:extLst>
+              <a:ext uri="{FF2B5EF4-FFF2-40B4-BE49-F238E27FC236}">
+                <a16:creationId xmlns:a16="http://schemas.microsoft.com/office/drawing/2014/main" id="{BC4BA459-3E3B-43C9-A54A-C4D842534C8E}"/>
               </a:ext>
             </a:extLst>
           </p:cNvPr>
@@ -4463,8 +4744,8 @@
         </p:nvSpPr>
         <p:spPr>
           <a:xfrm>
-            <a:off x="6378566" y="4561144"/>
-            <a:ext cx="1028419" cy="184666"/>
+            <a:off x="19488975" y="7435957"/>
+            <a:ext cx="5585359" cy="215444"/>
           </a:xfrm>
           <a:prstGeom prst="rect">
             <a:avLst/>
@@ -4490,42 +4771,87 @@
           <a:p>
             <a:pPr algn="l"/>
             <a:r>
-              <a:rPr lang="en-US" sz="1200" dirty="0"/>
-              <a:t>tokenize</a:t>
+              <a:rPr lang="en-US" dirty="0"/>
+              <a:t>FindMovieCommand(NameAndStartDateAndTagContains</a:t>
+            </a:r>
+            <a:r>
+              <a:rPr lang="en-SG" altLang="zh-CN" dirty="0"/>
+              <a:t>KeywordsPredicate</a:t>
+            </a:r>
+            <a:r>
+              <a:rPr lang="zh-CN" altLang="en-US" dirty="0"/>
+              <a:t>）</a:t>
+            </a:r>
+            <a:endParaRPr lang="en-US" dirty="0"/>
+          </a:p>
+        </p:txBody>
+      </p:sp>
+      <p:sp>
+        <p:nvSpPr>
+          <p:cNvPr id="32" name="TextBox 31">
+            <a:extLst>
+              <a:ext uri="{FF2B5EF4-FFF2-40B4-BE49-F238E27FC236}">
+                <a16:creationId xmlns:a16="http://schemas.microsoft.com/office/drawing/2014/main" id="{CB5FF10D-D6BA-4FAF-B4A0-6C1359235A34}"/>
+              </a:ext>
+            </a:extLst>
+          </p:cNvPr>
+          <p:cNvSpPr txBox="1"/>
+          <p:nvPr/>
+        </p:nvSpPr>
+        <p:spPr>
+          <a:xfrm>
+            <a:off x="18298797" y="7042656"/>
+            <a:ext cx="3523913" cy="348685"/>
+          </a:xfrm>
+          <a:prstGeom prst="rect">
+            <a:avLst/>
+          </a:prstGeom>
+          <a:noFill/>
+        </p:spPr>
+        <p:txBody>
+          <a:bodyPr wrap="none" rtlCol="0">
+            <a:spAutoFit/>
+          </a:bodyPr>
+          <a:lstStyle/>
+          <a:p>
+            <a:r>
+              <a:rPr lang="en-SG" sz="1666" dirty="0">
+                <a:solidFill>
+                  <a:schemeClr val="accent1"/>
+                </a:solidFill>
+              </a:rPr>
+              <a:t>[name, startDate, tag prefixes present]</a:t>
             </a:r>
           </a:p>
         </p:txBody>
       </p:sp>
       <p:cxnSp>
         <p:nvCxnSpPr>
-          <p:cNvPr id="58" name="Straight Arrow Connector 57">
-            <a:extLst>
-              <a:ext uri="{FF2B5EF4-FFF2-40B4-BE49-F238E27FC236}">
-                <a16:creationId xmlns:a16="http://schemas.microsoft.com/office/drawing/2014/main" id="{94D01E4C-E679-4304-8A72-C2BA88B800F6}"/>
+          <p:cNvPr id="25" name="Straight Arrow Connector 24">
+            <a:extLst>
+              <a:ext uri="{FF2B5EF4-FFF2-40B4-BE49-F238E27FC236}">
+                <a16:creationId xmlns:a16="http://schemas.microsoft.com/office/drawing/2014/main" id="{BB7B4BC3-71A3-4392-B529-B9A34F3778A4}"/>
               </a:ext>
             </a:extLst>
           </p:cNvPr>
           <p:cNvCxnSpPr>
             <a:cxnSpLocks/>
-            <a:endCxn id="45" idx="2"/>
           </p:cNvCxnSpPr>
           <p:nvPr/>
         </p:nvCxnSpPr>
         <p:spPr>
-          <a:xfrm flipV="1">
-            <a:off x="6071174" y="5128253"/>
-            <a:ext cx="1531518" cy="2216"/>
+          <a:xfrm>
+            <a:off x="21402845" y="7367729"/>
+            <a:ext cx="5376975" cy="0"/>
           </a:xfrm>
           <a:prstGeom prst="straightConnector1">
             <a:avLst/>
           </a:prstGeom>
           <a:ln w="19050">
             <a:solidFill>
-              <a:schemeClr val="accent1"/>
+              <a:srgbClr val="0070C0"/>
             </a:solidFill>
-            <a:prstDash val="sysDash"/>
-            <a:headEnd type="arrow" w="med" len="med"/>
-            <a:tailEnd type="none" w="med" len="med"/>
+            <a:tailEnd type="arrow"/>
           </a:ln>
         </p:spPr>
         <p:style>
@@ -4543,150 +4869,51 @@
           </a:fontRef>
         </p:style>
       </p:cxnSp>
-      <p:cxnSp>
-        <p:nvCxnSpPr>
-          <p:cNvPr id="109" name="Straight Connector 108">
-            <a:extLst>
-              <a:ext uri="{FF2B5EF4-FFF2-40B4-BE49-F238E27FC236}">
-                <a16:creationId xmlns:a16="http://schemas.microsoft.com/office/drawing/2014/main" id="{BCC6A046-A63A-4A08-89A6-E8A1392E09BB}"/>
-              </a:ext>
-            </a:extLst>
-          </p:cNvPr>
-          <p:cNvCxnSpPr>
-            <a:cxnSpLocks/>
-          </p:cNvCxnSpPr>
-          <p:nvPr/>
-        </p:nvCxnSpPr>
-        <p:spPr>
-          <a:xfrm flipH="1">
-            <a:off x="5983680" y="4460105"/>
-            <a:ext cx="11330" cy="5964988"/>
-          </a:xfrm>
-          <a:prstGeom prst="line">
-            <a:avLst/>
-          </a:prstGeom>
-          <a:ln w="19050">
-            <a:solidFill>
-              <a:srgbClr val="0070C0"/>
-            </a:solidFill>
-            <a:prstDash val="sysDash"/>
-          </a:ln>
-          <a:effectLst/>
-        </p:spPr>
-        <p:style>
-          <a:lnRef idx="1">
-            <a:schemeClr val="accent1"/>
-          </a:lnRef>
-          <a:fillRef idx="2">
-            <a:schemeClr val="accent1"/>
-          </a:fillRef>
-          <a:effectRef idx="1">
-            <a:schemeClr val="accent1"/>
-          </a:effectRef>
-          <a:fontRef idx="minor">
-            <a:schemeClr val="dk1"/>
-          </a:fontRef>
-        </p:style>
-      </p:cxnSp>
-      <p:cxnSp>
-        <p:nvCxnSpPr>
-          <p:cNvPr id="114" name="Straight Connector 113">
-            <a:extLst>
-              <a:ext uri="{FF2B5EF4-FFF2-40B4-BE49-F238E27FC236}">
-                <a16:creationId xmlns:a16="http://schemas.microsoft.com/office/drawing/2014/main" id="{93A2F898-572C-4CFE-B1B2-2499C8B09022}"/>
-              </a:ext>
-            </a:extLst>
-          </p:cNvPr>
-          <p:cNvCxnSpPr>
-            <a:cxnSpLocks/>
-            <a:stCxn id="139" idx="2"/>
-            <a:endCxn id="140" idx="0"/>
-          </p:cNvCxnSpPr>
-          <p:nvPr/>
-        </p:nvCxnSpPr>
-        <p:spPr>
-          <a:xfrm flipH="1">
-            <a:off x="9885589" y="5260560"/>
-            <a:ext cx="34841" cy="4370317"/>
-          </a:xfrm>
-          <a:prstGeom prst="line">
-            <a:avLst/>
-          </a:prstGeom>
-          <a:ln w="19050">
-            <a:solidFill>
-              <a:srgbClr val="0070C0"/>
-            </a:solidFill>
-            <a:prstDash val="sysDash"/>
-          </a:ln>
-          <a:effectLst/>
-        </p:spPr>
-        <p:style>
-          <a:lnRef idx="1">
-            <a:schemeClr val="accent1"/>
-          </a:lnRef>
-          <a:fillRef idx="2">
-            <a:schemeClr val="accent1"/>
-          </a:fillRef>
-          <a:effectRef idx="1">
-            <a:schemeClr val="accent1"/>
-          </a:effectRef>
-          <a:fontRef idx="minor">
-            <a:schemeClr val="dk1"/>
-          </a:fontRef>
-        </p:style>
-      </p:cxnSp>
-      <p:sp>
-        <p:nvSpPr>
-          <p:cNvPr id="48" name="Rectangle 47">
-            <a:extLst>
-              <a:ext uri="{FF2B5EF4-FFF2-40B4-BE49-F238E27FC236}">
-                <a16:creationId xmlns:a16="http://schemas.microsoft.com/office/drawing/2014/main" id="{D6C1CBDB-3F88-4BB6-8DDE-BE907BE6B5AF}"/>
-              </a:ext>
-            </a:extLst>
-          </p:cNvPr>
-          <p:cNvSpPr/>
-          <p:nvPr/>
-        </p:nvSpPr>
-        <p:spPr>
-          <a:xfrm>
-            <a:off x="6016577" y="4296724"/>
-            <a:ext cx="187121" cy="173661"/>
+      <p:sp>
+        <p:nvSpPr>
+          <p:cNvPr id="72" name="TextBox 71">
+            <a:extLst>
+              <a:ext uri="{FF2B5EF4-FFF2-40B4-BE49-F238E27FC236}">
+                <a16:creationId xmlns:a16="http://schemas.microsoft.com/office/drawing/2014/main" id="{AFD76242-58AB-4FDD-A3CE-AA77899129EE}"/>
+              </a:ext>
+            </a:extLst>
+          </p:cNvPr>
+          <p:cNvSpPr txBox="1"/>
+          <p:nvPr/>
+        </p:nvSpPr>
+        <p:spPr>
+          <a:xfrm>
+            <a:off x="18293048" y="7913046"/>
+            <a:ext cx="3149837" cy="348685"/>
           </a:xfrm>
           <a:prstGeom prst="rect">
             <a:avLst/>
           </a:prstGeom>
           <a:noFill/>
-          <a:ln w="28575"/>
-        </p:spPr>
-        <p:style>
-          <a:lnRef idx="2">
-            <a:schemeClr val="accent1"/>
-          </a:lnRef>
-          <a:fillRef idx="1">
-            <a:schemeClr val="lt1"/>
-          </a:fillRef>
-          <a:effectRef idx="0">
-            <a:schemeClr val="accent1"/>
-          </a:effectRef>
-          <a:fontRef idx="minor">
-            <a:schemeClr val="dk1"/>
-          </a:fontRef>
-        </p:style>
-        <p:txBody>
-          <a:bodyPr rtlCol="0" anchor="ctr"/>
-          <a:lstStyle/>
-          <a:p>
-            <a:pPr algn="ctr"/>
-            <a:endParaRPr lang="en-SG" sz="1401" dirty="0"/>
-          </a:p>
-        </p:txBody>
-      </p:sp>
-      <p:sp>
-        <p:nvSpPr>
-          <p:cNvPr id="49" name="TextBox 48">
-            <a:extLst>
-              <a:ext uri="{FF2B5EF4-FFF2-40B4-BE49-F238E27FC236}">
-                <a16:creationId xmlns:a16="http://schemas.microsoft.com/office/drawing/2014/main" id="{BE0C6380-FE86-42DD-B0C4-6F2178814ED0}"/>
+        </p:spPr>
+        <p:txBody>
+          <a:bodyPr wrap="none" rtlCol="0">
+            <a:spAutoFit/>
+          </a:bodyPr>
+          <a:lstStyle/>
+          <a:p>
+            <a:r>
+              <a:rPr lang="en-SG" sz="1666" dirty="0">
+                <a:solidFill>
+                  <a:schemeClr val="accent1"/>
+                </a:solidFill>
+              </a:rPr>
+              <a:t>[name, startDate prefixes present]</a:t>
+            </a:r>
+          </a:p>
+        </p:txBody>
+      </p:sp>
+      <p:sp>
+        <p:nvSpPr>
+          <p:cNvPr id="80" name="TextBox 79">
+            <a:extLst>
+              <a:ext uri="{FF2B5EF4-FFF2-40B4-BE49-F238E27FC236}">
+                <a16:creationId xmlns:a16="http://schemas.microsoft.com/office/drawing/2014/main" id="{23308719-3A52-4BCD-97AE-2C3A9A14E80E}"/>
               </a:ext>
             </a:extLst>
           </p:cNvPr>
@@ -4695,8 +4922,8 @@
         </p:nvSpPr>
         <p:spPr>
           <a:xfrm>
-            <a:off x="6110136" y="4312274"/>
-            <a:ext cx="1424330" cy="184666"/>
+            <a:off x="20039463" y="8293051"/>
+            <a:ext cx="7107620" cy="215444"/>
           </a:xfrm>
           <a:prstGeom prst="rect">
             <a:avLst/>
@@ -4720,205 +4947,68 @@
             </a:lvl1pPr>
           </a:lstStyle>
           <a:p>
-            <a:r>
-              <a:rPr lang="en-US" sz="1200" dirty="0"/>
-              <a:t>arePrefixesPresent()</a:t>
-            </a:r>
-          </a:p>
-        </p:txBody>
-      </p:sp>
-      <p:cxnSp>
-        <p:nvCxnSpPr>
-          <p:cNvPr id="59" name="Connector: Curved 58">
-            <a:extLst>
-              <a:ext uri="{FF2B5EF4-FFF2-40B4-BE49-F238E27FC236}">
-                <a16:creationId xmlns:a16="http://schemas.microsoft.com/office/drawing/2014/main" id="{6ADF99D2-2CA5-443E-A7CD-FF00B323FB57}"/>
-              </a:ext>
-            </a:extLst>
-          </p:cNvPr>
-          <p:cNvCxnSpPr>
-            <a:cxnSpLocks/>
-          </p:cNvCxnSpPr>
-          <p:nvPr/>
-        </p:nvCxnSpPr>
-        <p:spPr>
-          <a:xfrm rot="16200000" flipH="1">
-            <a:off x="6116489" y="4306669"/>
-            <a:ext cx="86832" cy="93562"/>
-          </a:xfrm>
-          <a:prstGeom prst="curvedConnector4">
-            <a:avLst>
-              <a:gd name="adj1" fmla="val -128893"/>
-              <a:gd name="adj2" fmla="val 178899"/>
-            </a:avLst>
-          </a:prstGeom>
-          <a:ln w="28575">
-            <a:tailEnd type="triangle"/>
-          </a:ln>
-        </p:spPr>
-        <p:style>
-          <a:lnRef idx="2">
-            <a:schemeClr val="accent1"/>
-          </a:lnRef>
-          <a:fillRef idx="0">
-            <a:schemeClr val="accent1"/>
-          </a:fillRef>
-          <a:effectRef idx="1">
-            <a:schemeClr val="accent1"/>
-          </a:effectRef>
-          <a:fontRef idx="minor">
-            <a:schemeClr val="tx1"/>
-          </a:fontRef>
-        </p:style>
-      </p:cxnSp>
-      <p:sp>
-        <p:nvSpPr>
-          <p:cNvPr id="65" name="Rectangle 64">
-            <a:extLst>
-              <a:ext uri="{FF2B5EF4-FFF2-40B4-BE49-F238E27FC236}">
-                <a16:creationId xmlns:a16="http://schemas.microsoft.com/office/drawing/2014/main" id="{A9AF3433-433E-4256-A1AC-E77E936FBD48}"/>
-              </a:ext>
-            </a:extLst>
-          </p:cNvPr>
-          <p:cNvSpPr/>
-          <p:nvPr/>
-        </p:nvSpPr>
-        <p:spPr>
-          <a:xfrm>
-            <a:off x="6033160" y="5418335"/>
-            <a:ext cx="4570513" cy="3996312"/>
+            <a:pPr algn="l"/>
+            <a:r>
+              <a:rPr lang="en-US" dirty="0"/>
+              <a:t>FindMovieCommand(NameAndStartDateContains</a:t>
+            </a:r>
+            <a:r>
+              <a:rPr lang="en-SG" altLang="zh-CN" dirty="0"/>
+              <a:t>KeywordsPredicate</a:t>
+            </a:r>
+            <a:r>
+              <a:rPr lang="zh-CN" altLang="en-US" dirty="0"/>
+              <a:t>）</a:t>
+            </a:r>
+            <a:endParaRPr lang="en-US" dirty="0"/>
+          </a:p>
+        </p:txBody>
+      </p:sp>
+      <p:sp>
+        <p:nvSpPr>
+          <p:cNvPr id="82" name="TextBox 81">
+            <a:extLst>
+              <a:ext uri="{FF2B5EF4-FFF2-40B4-BE49-F238E27FC236}">
+                <a16:creationId xmlns:a16="http://schemas.microsoft.com/office/drawing/2014/main" id="{366695B1-8589-4022-B6A9-8F55DB2F49B2}"/>
+              </a:ext>
+            </a:extLst>
+          </p:cNvPr>
+          <p:cNvSpPr txBox="1"/>
+          <p:nvPr/>
+        </p:nvSpPr>
+        <p:spPr>
+          <a:xfrm>
+            <a:off x="18337650" y="8754792"/>
+            <a:ext cx="2616294" cy="348685"/>
           </a:xfrm>
           <a:prstGeom prst="rect">
             <a:avLst/>
           </a:prstGeom>
-          <a:solidFill>
-            <a:schemeClr val="bg1"/>
-          </a:solidFill>
-        </p:spPr>
-        <p:style>
-          <a:lnRef idx="2">
-            <a:schemeClr val="accent1">
-              <a:shade val="50000"/>
-            </a:schemeClr>
-          </a:lnRef>
-          <a:fillRef idx="1">
-            <a:schemeClr val="accent1"/>
-          </a:fillRef>
-          <a:effectRef idx="0">
-            <a:schemeClr val="accent1"/>
-          </a:effectRef>
-          <a:fontRef idx="minor">
-            <a:schemeClr val="lt1"/>
-          </a:fontRef>
-        </p:style>
-        <p:txBody>
-          <a:bodyPr rtlCol="0" anchor="ctr"/>
-          <a:lstStyle/>
-          <a:p>
-            <a:pPr algn="ctr"/>
-            <a:endParaRPr lang="en-SG" sz="1200" dirty="0">
-              <a:solidFill>
-                <a:schemeClr val="tx1"/>
-              </a:solidFill>
-            </a:endParaRPr>
-          </a:p>
-        </p:txBody>
-      </p:sp>
-      <p:sp>
-        <p:nvSpPr>
-          <p:cNvPr id="67" name="Rectangle: Top Corners One Rounded and One Snipped 66" title="Alt">
-            <a:extLst>
-              <a:ext uri="{FF2B5EF4-FFF2-40B4-BE49-F238E27FC236}">
-                <a16:creationId xmlns:a16="http://schemas.microsoft.com/office/drawing/2014/main" id="{CC9AC83B-E318-44F1-8E8D-1DD6EF4F8A7C}"/>
-              </a:ext>
-            </a:extLst>
-          </p:cNvPr>
-          <p:cNvSpPr/>
-          <p:nvPr/>
-        </p:nvSpPr>
-        <p:spPr>
-          <a:xfrm rot="10800000" flipH="1">
-            <a:off x="6038635" y="5417517"/>
-            <a:ext cx="361739" cy="165677"/>
-          </a:xfrm>
-          <a:prstGeom prst="snipRoundRect">
-            <a:avLst>
-              <a:gd name="adj1" fmla="val 0"/>
-              <a:gd name="adj2" fmla="val 50000"/>
-            </a:avLst>
-          </a:prstGeom>
           <a:noFill/>
         </p:spPr>
-        <p:style>
-          <a:lnRef idx="2">
-            <a:schemeClr val="accent1">
-              <a:shade val="50000"/>
-            </a:schemeClr>
-          </a:lnRef>
-          <a:fillRef idx="1">
-            <a:schemeClr val="accent1"/>
-          </a:fillRef>
-          <a:effectRef idx="0">
-            <a:schemeClr val="accent1"/>
-          </a:effectRef>
-          <a:fontRef idx="minor">
-            <a:schemeClr val="lt1"/>
-          </a:fontRef>
-        </p:style>
-        <p:txBody>
-          <a:bodyPr rtlCol="0" anchor="ctr"/>
-          <a:lstStyle/>
-          <a:p>
-            <a:pPr algn="ctr"/>
-            <a:endParaRPr lang="en-SG" sz="800" dirty="0">
-              <a:solidFill>
-                <a:schemeClr val="tx1"/>
-              </a:solidFill>
-            </a:endParaRPr>
-          </a:p>
-        </p:txBody>
-      </p:sp>
-      <p:sp>
-        <p:nvSpPr>
-          <p:cNvPr id="30" name="TextBox 29">
-            <a:extLst>
-              <a:ext uri="{FF2B5EF4-FFF2-40B4-BE49-F238E27FC236}">
-                <a16:creationId xmlns:a16="http://schemas.microsoft.com/office/drawing/2014/main" id="{3A6B19DE-CD29-4AED-85C9-731A6A8CB954}"/>
-              </a:ext>
-            </a:extLst>
-          </p:cNvPr>
-          <p:cNvSpPr txBox="1"/>
-          <p:nvPr/>
-        </p:nvSpPr>
-        <p:spPr>
-          <a:xfrm>
-            <a:off x="6055647" y="5382814"/>
-            <a:ext cx="327605" cy="215444"/>
-          </a:xfrm>
-          <a:prstGeom prst="rect">
-            <a:avLst/>
-          </a:prstGeom>
-          <a:noFill/>
-        </p:spPr>
-        <p:txBody>
-          <a:bodyPr wrap="square" rtlCol="0">
+        <p:txBody>
+          <a:bodyPr wrap="none" rtlCol="0">
             <a:spAutoFit/>
           </a:bodyPr>
           <a:lstStyle/>
           <a:p>
             <a:r>
-              <a:rPr lang="en-SG" sz="800" dirty="0"/>
-              <a:t>alt</a:t>
-            </a:r>
-          </a:p>
-        </p:txBody>
-      </p:sp>
-      <p:sp>
-        <p:nvSpPr>
-          <p:cNvPr id="26" name="TextBox 25">
-            <a:extLst>
-              <a:ext uri="{FF2B5EF4-FFF2-40B4-BE49-F238E27FC236}">
-                <a16:creationId xmlns:a16="http://schemas.microsoft.com/office/drawing/2014/main" id="{BC4BA459-3E3B-43C9-A54A-C4D842534C8E}"/>
+              <a:rPr lang="en-SG" sz="1666" dirty="0">
+                <a:solidFill>
+                  <a:schemeClr val="accent1"/>
+                </a:solidFill>
+              </a:rPr>
+              <a:t>[name, tag prefixes present]</a:t>
+            </a:r>
+          </a:p>
+        </p:txBody>
+      </p:sp>
+      <p:sp>
+        <p:nvSpPr>
+          <p:cNvPr id="88" name="TextBox 87">
+            <a:extLst>
+              <a:ext uri="{FF2B5EF4-FFF2-40B4-BE49-F238E27FC236}">
+                <a16:creationId xmlns:a16="http://schemas.microsoft.com/office/drawing/2014/main" id="{54E315F4-E0CD-4F8A-BB70-AD2089B1C48F}"/>
               </a:ext>
             </a:extLst>
           </p:cNvPr>
@@ -4927,8 +5017,8 @@
         </p:nvSpPr>
         <p:spPr>
           <a:xfrm>
-            <a:off x="6203696" y="5731173"/>
-            <a:ext cx="4326191" cy="161583"/>
+            <a:off x="20136817" y="9091028"/>
+            <a:ext cx="6347059" cy="215444"/>
           </a:xfrm>
           <a:prstGeom prst="rect">
             <a:avLst/>
@@ -4954,27 +5044,27 @@
           <a:p>
             <a:pPr algn="l"/>
             <a:r>
-              <a:rPr lang="en-US" sz="1050" dirty="0"/>
-              <a:t>FindMovieCommand(NameAndStartDateAndTagContains</a:t>
-            </a:r>
-            <a:r>
-              <a:rPr lang="en-SG" altLang="zh-CN" sz="1050" dirty="0"/>
+              <a:rPr lang="en-US" dirty="0"/>
+              <a:t>FindMovieCommand(NameAndTagDateContains</a:t>
+            </a:r>
+            <a:r>
+              <a:rPr lang="en-SG" altLang="zh-CN" dirty="0"/>
               <a:t>KeywordsPredicate</a:t>
             </a:r>
             <a:r>
-              <a:rPr lang="zh-CN" altLang="en-US" sz="1050" dirty="0"/>
+              <a:rPr lang="zh-CN" altLang="en-US" dirty="0"/>
               <a:t>）</a:t>
             </a:r>
-            <a:endParaRPr lang="en-US" sz="1050" dirty="0"/>
-          </a:p>
-        </p:txBody>
-      </p:sp>
-      <p:sp>
-        <p:nvSpPr>
-          <p:cNvPr id="32" name="TextBox 31">
-            <a:extLst>
-              <a:ext uri="{FF2B5EF4-FFF2-40B4-BE49-F238E27FC236}">
-                <a16:creationId xmlns:a16="http://schemas.microsoft.com/office/drawing/2014/main" id="{CB5FF10D-D6BA-4FAF-B4A0-6C1359235A34}"/>
+            <a:endParaRPr lang="en-US" dirty="0"/>
+          </a:p>
+        </p:txBody>
+      </p:sp>
+      <p:sp>
+        <p:nvSpPr>
+          <p:cNvPr id="91" name="TextBox 90">
+            <a:extLst>
+              <a:ext uri="{FF2B5EF4-FFF2-40B4-BE49-F238E27FC236}">
+                <a16:creationId xmlns:a16="http://schemas.microsoft.com/office/drawing/2014/main" id="{C583788C-9806-4A39-B4C0-EA58CEC5A7E7}"/>
               </a:ext>
             </a:extLst>
           </p:cNvPr>
@@ -4983,8 +5073,8 @@
         </p:nvSpPr>
         <p:spPr>
           <a:xfrm>
-            <a:off x="6369638" y="5394581"/>
-            <a:ext cx="2207656" cy="246221"/>
+            <a:off x="18308173" y="9563933"/>
+            <a:ext cx="2932406" cy="348685"/>
           </a:xfrm>
           <a:prstGeom prst="rect">
             <a:avLst/>
@@ -4998,66 +5088,22 @@
           <a:lstStyle/>
           <a:p>
             <a:r>
-              <a:rPr lang="en-SG" sz="1000" dirty="0">
+              <a:rPr lang="en-SG" sz="1666" dirty="0">
                 <a:solidFill>
                   <a:schemeClr val="accent1"/>
                 </a:solidFill>
               </a:rPr>
-              <a:t>[name, startDate, tag prefixes present]</a:t>
-            </a:r>
-          </a:p>
-        </p:txBody>
-      </p:sp>
-      <p:cxnSp>
-        <p:nvCxnSpPr>
-          <p:cNvPr id="25" name="Straight Arrow Connector 24">
-            <a:extLst>
-              <a:ext uri="{FF2B5EF4-FFF2-40B4-BE49-F238E27FC236}">
-                <a16:creationId xmlns:a16="http://schemas.microsoft.com/office/drawing/2014/main" id="{BB7B4BC3-71A3-4392-B529-B9A34F3778A4}"/>
-              </a:ext>
-            </a:extLst>
-          </p:cNvPr>
-          <p:cNvCxnSpPr>
-            <a:cxnSpLocks/>
-          </p:cNvCxnSpPr>
-          <p:nvPr/>
-        </p:nvCxnSpPr>
-        <p:spPr>
-          <a:xfrm flipV="1">
-            <a:off x="6122322" y="5700048"/>
-            <a:ext cx="3810809" cy="1"/>
-          </a:xfrm>
-          <a:prstGeom prst="straightConnector1">
-            <a:avLst/>
-          </a:prstGeom>
-          <a:ln w="19050">
-            <a:solidFill>
-              <a:srgbClr val="0070C0"/>
-            </a:solidFill>
-            <a:tailEnd type="arrow"/>
-          </a:ln>
-        </p:spPr>
-        <p:style>
-          <a:lnRef idx="1">
-            <a:schemeClr val="accent1"/>
-          </a:lnRef>
-          <a:fillRef idx="0">
-            <a:schemeClr val="accent1"/>
-          </a:fillRef>
-          <a:effectRef idx="0">
-            <a:schemeClr val="accent1"/>
-          </a:effectRef>
-          <a:fontRef idx="minor">
-            <a:schemeClr val="tx1"/>
-          </a:fontRef>
-        </p:style>
-      </p:cxnSp>
-      <p:sp>
-        <p:nvSpPr>
-          <p:cNvPr id="72" name="TextBox 71">
-            <a:extLst>
-              <a:ext uri="{FF2B5EF4-FFF2-40B4-BE49-F238E27FC236}">
-                <a16:creationId xmlns:a16="http://schemas.microsoft.com/office/drawing/2014/main" id="{AFD76242-58AB-4FDD-A3CE-AA77899129EE}"/>
+              <a:t>[startDate, tag prefixes present]</a:t>
+            </a:r>
+          </a:p>
+        </p:txBody>
+      </p:sp>
+      <p:sp>
+        <p:nvSpPr>
+          <p:cNvPr id="94" name="TextBox 93">
+            <a:extLst>
+              <a:ext uri="{FF2B5EF4-FFF2-40B4-BE49-F238E27FC236}">
+                <a16:creationId xmlns:a16="http://schemas.microsoft.com/office/drawing/2014/main" id="{E080E353-E446-41BC-BCB0-4F68D898BCFD}"/>
               </a:ext>
             </a:extLst>
           </p:cNvPr>
@@ -5066,91 +5112,8 @@
         </p:nvSpPr>
         <p:spPr>
           <a:xfrm>
-            <a:off x="6375533" y="5974436"/>
-            <a:ext cx="1981633" cy="246221"/>
-          </a:xfrm>
-          <a:prstGeom prst="rect">
-            <a:avLst/>
-          </a:prstGeom>
-          <a:noFill/>
-        </p:spPr>
-        <p:txBody>
-          <a:bodyPr wrap="none" rtlCol="0">
-            <a:spAutoFit/>
-          </a:bodyPr>
-          <a:lstStyle/>
-          <a:p>
-            <a:r>
-              <a:rPr lang="en-SG" sz="1000" dirty="0">
-                <a:solidFill>
-                  <a:schemeClr val="accent1"/>
-                </a:solidFill>
-              </a:rPr>
-              <a:t>[name, startDate prefixes present]</a:t>
-            </a:r>
-          </a:p>
-        </p:txBody>
-      </p:sp>
-      <p:cxnSp>
-        <p:nvCxnSpPr>
-          <p:cNvPr id="73" name="Straight Arrow Connector 72">
-            <a:extLst>
-              <a:ext uri="{FF2B5EF4-FFF2-40B4-BE49-F238E27FC236}">
-                <a16:creationId xmlns:a16="http://schemas.microsoft.com/office/drawing/2014/main" id="{D7F53A6B-54D2-4196-A98D-D53094C47E64}"/>
-              </a:ext>
-            </a:extLst>
-          </p:cNvPr>
-          <p:cNvCxnSpPr>
-            <a:cxnSpLocks/>
-          </p:cNvCxnSpPr>
-          <p:nvPr/>
-        </p:nvCxnSpPr>
-        <p:spPr>
-          <a:xfrm flipV="1">
-            <a:off x="6128218" y="6279903"/>
-            <a:ext cx="3810809" cy="1"/>
-          </a:xfrm>
-          <a:prstGeom prst="straightConnector1">
-            <a:avLst/>
-          </a:prstGeom>
-          <a:ln w="19050">
-            <a:solidFill>
-              <a:srgbClr val="0070C0"/>
-            </a:solidFill>
-            <a:tailEnd type="arrow"/>
-          </a:ln>
-        </p:spPr>
-        <p:style>
-          <a:lnRef idx="1">
-            <a:schemeClr val="accent1"/>
-          </a:lnRef>
-          <a:fillRef idx="0">
-            <a:schemeClr val="accent1"/>
-          </a:fillRef>
-          <a:effectRef idx="0">
-            <a:schemeClr val="accent1"/>
-          </a:effectRef>
-          <a:fontRef idx="minor">
-            <a:schemeClr val="tx1"/>
-          </a:fontRef>
-        </p:style>
-      </p:cxnSp>
-      <p:sp>
-        <p:nvSpPr>
-          <p:cNvPr id="80" name="TextBox 79">
-            <a:extLst>
-              <a:ext uri="{FF2B5EF4-FFF2-40B4-BE49-F238E27FC236}">
-                <a16:creationId xmlns:a16="http://schemas.microsoft.com/office/drawing/2014/main" id="{23308719-3A52-4BCD-97AE-2C3A9A14E80E}"/>
-              </a:ext>
-            </a:extLst>
-          </p:cNvPr>
-          <p:cNvSpPr txBox="1"/>
-          <p:nvPr/>
-        </p:nvSpPr>
-        <p:spPr>
-          <a:xfrm>
-            <a:off x="6190996" y="6302673"/>
-            <a:ext cx="4267453" cy="161583"/>
+            <a:off x="20200655" y="9919376"/>
+            <a:ext cx="6347059" cy="215444"/>
           </a:xfrm>
           <a:prstGeom prst="rect">
             <a:avLst/>
@@ -5176,27 +5139,27 @@
           <a:p>
             <a:pPr algn="l"/>
             <a:r>
-              <a:rPr lang="en-US" sz="1050" dirty="0"/>
-              <a:t>FindMovieCommand(NameAndStartDateContains</a:t>
-            </a:r>
-            <a:r>
-              <a:rPr lang="en-SG" altLang="zh-CN" sz="1050" dirty="0"/>
+              <a:rPr lang="en-US" dirty="0"/>
+              <a:t>FindMovieCommand(StartDateAndTagContains</a:t>
+            </a:r>
+            <a:r>
+              <a:rPr lang="en-SG" altLang="zh-CN" dirty="0"/>
               <a:t>KeywordsPredicate</a:t>
             </a:r>
             <a:r>
-              <a:rPr lang="zh-CN" altLang="en-US" sz="1050" dirty="0"/>
+              <a:rPr lang="zh-CN" altLang="en-US" dirty="0"/>
               <a:t>）</a:t>
             </a:r>
-            <a:endParaRPr lang="en-US" sz="1050" dirty="0"/>
-          </a:p>
-        </p:txBody>
-      </p:sp>
-      <p:sp>
-        <p:nvSpPr>
-          <p:cNvPr id="82" name="TextBox 81">
-            <a:extLst>
-              <a:ext uri="{FF2B5EF4-FFF2-40B4-BE49-F238E27FC236}">
-                <a16:creationId xmlns:a16="http://schemas.microsoft.com/office/drawing/2014/main" id="{366695B1-8589-4022-B6A9-8F55DB2F49B2}"/>
+            <a:endParaRPr lang="en-US" dirty="0"/>
+          </a:p>
+        </p:txBody>
+      </p:sp>
+      <p:sp>
+        <p:nvSpPr>
+          <p:cNvPr id="98" name="TextBox 97">
+            <a:extLst>
+              <a:ext uri="{FF2B5EF4-FFF2-40B4-BE49-F238E27FC236}">
+                <a16:creationId xmlns:a16="http://schemas.microsoft.com/office/drawing/2014/main" id="{A5F5B4CF-25BE-4B00-86AA-00FBDF023CEE}"/>
               </a:ext>
             </a:extLst>
           </p:cNvPr>
@@ -5205,8 +5168,8 @@
         </p:nvSpPr>
         <p:spPr>
           <a:xfrm>
-            <a:off x="6381248" y="6540856"/>
-            <a:ext cx="1657826" cy="246221"/>
+            <a:off x="18337729" y="10422906"/>
+            <a:ext cx="2058705" cy="348685"/>
           </a:xfrm>
           <a:prstGeom prst="rect">
             <a:avLst/>
@@ -5220,66 +5183,22 @@
           <a:lstStyle/>
           <a:p>
             <a:r>
-              <a:rPr lang="en-SG" sz="1000" dirty="0">
+              <a:rPr lang="en-SG" sz="1666" dirty="0">
                 <a:solidFill>
                   <a:schemeClr val="accent1"/>
                 </a:solidFill>
               </a:rPr>
-              <a:t>[name, tag prefixes present]</a:t>
-            </a:r>
-          </a:p>
-        </p:txBody>
-      </p:sp>
-      <p:cxnSp>
-        <p:nvCxnSpPr>
-          <p:cNvPr id="86" name="Straight Arrow Connector 85">
-            <a:extLst>
-              <a:ext uri="{FF2B5EF4-FFF2-40B4-BE49-F238E27FC236}">
-                <a16:creationId xmlns:a16="http://schemas.microsoft.com/office/drawing/2014/main" id="{95299CF0-391C-4D6B-82F0-EF3E9712E761}"/>
-              </a:ext>
-            </a:extLst>
-          </p:cNvPr>
-          <p:cNvCxnSpPr>
-            <a:cxnSpLocks/>
-          </p:cNvCxnSpPr>
-          <p:nvPr/>
-        </p:nvCxnSpPr>
-        <p:spPr>
-          <a:xfrm flipV="1">
-            <a:off x="6133933" y="6846323"/>
-            <a:ext cx="3810809" cy="1"/>
-          </a:xfrm>
-          <a:prstGeom prst="straightConnector1">
-            <a:avLst/>
-          </a:prstGeom>
-          <a:ln w="19050">
-            <a:solidFill>
-              <a:srgbClr val="0070C0"/>
-            </a:solidFill>
-            <a:tailEnd type="arrow"/>
-          </a:ln>
-        </p:spPr>
-        <p:style>
-          <a:lnRef idx="1">
-            <a:schemeClr val="accent1"/>
-          </a:lnRef>
-          <a:fillRef idx="0">
-            <a:schemeClr val="accent1"/>
-          </a:fillRef>
-          <a:effectRef idx="0">
-            <a:schemeClr val="accent1"/>
-          </a:effectRef>
-          <a:fontRef idx="minor">
-            <a:schemeClr val="tx1"/>
-          </a:fontRef>
-        </p:style>
-      </p:cxnSp>
-      <p:sp>
-        <p:nvSpPr>
-          <p:cNvPr id="88" name="TextBox 87">
-            <a:extLst>
-              <a:ext uri="{FF2B5EF4-FFF2-40B4-BE49-F238E27FC236}">
-                <a16:creationId xmlns:a16="http://schemas.microsoft.com/office/drawing/2014/main" id="{54E315F4-E0CD-4F8A-BB70-AD2089B1C48F}"/>
+              <a:t>[name prefix present]</a:t>
+            </a:r>
+          </a:p>
+        </p:txBody>
+      </p:sp>
+      <p:sp>
+        <p:nvSpPr>
+          <p:cNvPr id="101" name="TextBox 100">
+            <a:extLst>
+              <a:ext uri="{FF2B5EF4-FFF2-40B4-BE49-F238E27FC236}">
+                <a16:creationId xmlns:a16="http://schemas.microsoft.com/office/drawing/2014/main" id="{8D217A8B-D28A-4220-8A6D-3A59C82B13DC}"/>
               </a:ext>
             </a:extLst>
           </p:cNvPr>
@@ -5288,8 +5207,8 @@
         </p:nvSpPr>
         <p:spPr>
           <a:xfrm>
-            <a:off x="6196712" y="6869093"/>
-            <a:ext cx="3810808" cy="161583"/>
+            <a:off x="20995784" y="10674811"/>
+            <a:ext cx="6347059" cy="215444"/>
           </a:xfrm>
           <a:prstGeom prst="rect">
             <a:avLst/>
@@ -5315,27 +5234,27 @@
           <a:p>
             <a:pPr algn="l"/>
             <a:r>
-              <a:rPr lang="en-US" sz="1050" dirty="0"/>
-              <a:t>FindMovieCommand(NameAndTagDateContains</a:t>
-            </a:r>
-            <a:r>
-              <a:rPr lang="en-SG" altLang="zh-CN" sz="1050" dirty="0"/>
+              <a:rPr lang="en-US" dirty="0"/>
+              <a:t>FindMovieCommand(NameContains</a:t>
+            </a:r>
+            <a:r>
+              <a:rPr lang="en-SG" altLang="zh-CN" dirty="0"/>
               <a:t>KeywordsPredicate</a:t>
             </a:r>
             <a:r>
-              <a:rPr lang="zh-CN" altLang="en-US" sz="1050" dirty="0"/>
+              <a:rPr lang="zh-CN" altLang="en-US" dirty="0"/>
               <a:t>）</a:t>
             </a:r>
-            <a:endParaRPr lang="en-US" sz="1050" dirty="0"/>
-          </a:p>
-        </p:txBody>
-      </p:sp>
-      <p:sp>
-        <p:nvSpPr>
-          <p:cNvPr id="91" name="TextBox 90">
-            <a:extLst>
-              <a:ext uri="{FF2B5EF4-FFF2-40B4-BE49-F238E27FC236}">
-                <a16:creationId xmlns:a16="http://schemas.microsoft.com/office/drawing/2014/main" id="{C583788C-9806-4A39-B4C0-EA58CEC5A7E7}"/>
+            <a:endParaRPr lang="en-US" dirty="0"/>
+          </a:p>
+        </p:txBody>
+      </p:sp>
+      <p:sp>
+        <p:nvSpPr>
+          <p:cNvPr id="103" name="TextBox 102">
+            <a:extLst>
+              <a:ext uri="{FF2B5EF4-FFF2-40B4-BE49-F238E27FC236}">
+                <a16:creationId xmlns:a16="http://schemas.microsoft.com/office/drawing/2014/main" id="{4C05D6A2-4E87-4CCA-9104-229820A1EDB8}"/>
               </a:ext>
             </a:extLst>
           </p:cNvPr>
@@ -5344,8 +5263,8 @@
         </p:nvSpPr>
         <p:spPr>
           <a:xfrm>
-            <a:off x="6381248" y="7115531"/>
-            <a:ext cx="1851789" cy="246221"/>
+            <a:off x="18301567" y="11140331"/>
+            <a:ext cx="2374817" cy="348685"/>
           </a:xfrm>
           <a:prstGeom prst="rect">
             <a:avLst/>
@@ -5359,66 +5278,22 @@
           <a:lstStyle/>
           <a:p>
             <a:r>
-              <a:rPr lang="en-SG" sz="1000" dirty="0">
+              <a:rPr lang="en-SG" sz="1666" dirty="0">
                 <a:solidFill>
                   <a:schemeClr val="accent1"/>
                 </a:solidFill>
               </a:rPr>
-              <a:t>[startDate, tag prefixes present]</a:t>
-            </a:r>
-          </a:p>
-        </p:txBody>
-      </p:sp>
-      <p:cxnSp>
-        <p:nvCxnSpPr>
-          <p:cNvPr id="92" name="Straight Arrow Connector 91">
-            <a:extLst>
-              <a:ext uri="{FF2B5EF4-FFF2-40B4-BE49-F238E27FC236}">
-                <a16:creationId xmlns:a16="http://schemas.microsoft.com/office/drawing/2014/main" id="{476088CB-3717-4A69-91C2-0A9F75A1F24B}"/>
-              </a:ext>
-            </a:extLst>
-          </p:cNvPr>
-          <p:cNvCxnSpPr>
-            <a:cxnSpLocks/>
-          </p:cNvCxnSpPr>
-          <p:nvPr/>
-        </p:nvCxnSpPr>
-        <p:spPr>
-          <a:xfrm flipV="1">
-            <a:off x="6133933" y="7420998"/>
-            <a:ext cx="3810809" cy="1"/>
-          </a:xfrm>
-          <a:prstGeom prst="straightConnector1">
-            <a:avLst/>
-          </a:prstGeom>
-          <a:ln w="19050">
-            <a:solidFill>
-              <a:srgbClr val="0070C0"/>
-            </a:solidFill>
-            <a:tailEnd type="arrow"/>
-          </a:ln>
-        </p:spPr>
-        <p:style>
-          <a:lnRef idx="1">
-            <a:schemeClr val="accent1"/>
-          </a:lnRef>
-          <a:fillRef idx="0">
-            <a:schemeClr val="accent1"/>
-          </a:fillRef>
-          <a:effectRef idx="0">
-            <a:schemeClr val="accent1"/>
-          </a:effectRef>
-          <a:fontRef idx="minor">
-            <a:schemeClr val="tx1"/>
-          </a:fontRef>
-        </p:style>
-      </p:cxnSp>
-      <p:sp>
-        <p:nvSpPr>
-          <p:cNvPr id="94" name="TextBox 93">
-            <a:extLst>
-              <a:ext uri="{FF2B5EF4-FFF2-40B4-BE49-F238E27FC236}">
-                <a16:creationId xmlns:a16="http://schemas.microsoft.com/office/drawing/2014/main" id="{E080E353-E446-41BC-BCB0-4F68D898BCFD}"/>
+              <a:t>[startDate prefix present]</a:t>
+            </a:r>
+          </a:p>
+        </p:txBody>
+      </p:sp>
+      <p:sp>
+        <p:nvSpPr>
+          <p:cNvPr id="106" name="TextBox 105">
+            <a:extLst>
+              <a:ext uri="{FF2B5EF4-FFF2-40B4-BE49-F238E27FC236}">
+                <a16:creationId xmlns:a16="http://schemas.microsoft.com/office/drawing/2014/main" id="{63A8B536-D7F0-4167-BAB6-A90AC89D25EA}"/>
               </a:ext>
             </a:extLst>
           </p:cNvPr>
@@ -5427,8 +5302,8 @@
         </p:nvSpPr>
         <p:spPr>
           <a:xfrm>
-            <a:off x="6196712" y="7443768"/>
-            <a:ext cx="3810808" cy="161583"/>
+            <a:off x="20760007" y="11331687"/>
+            <a:ext cx="6347059" cy="215444"/>
           </a:xfrm>
           <a:prstGeom prst="rect">
             <a:avLst/>
@@ -5454,27 +5329,27 @@
           <a:p>
             <a:pPr algn="l"/>
             <a:r>
-              <a:rPr lang="en-US" sz="1050" dirty="0"/>
-              <a:t>FindMovieCommand(StartDateAndTagContains</a:t>
-            </a:r>
-            <a:r>
-              <a:rPr lang="en-SG" altLang="zh-CN" sz="1050" dirty="0"/>
+              <a:rPr lang="en-US" dirty="0"/>
+              <a:t>FindMovieCommand(StartDateContains</a:t>
+            </a:r>
+            <a:r>
+              <a:rPr lang="en-SG" altLang="zh-CN" dirty="0"/>
               <a:t>KeywordsPredicate</a:t>
             </a:r>
             <a:r>
-              <a:rPr lang="zh-CN" altLang="en-US" sz="1050" dirty="0"/>
+              <a:rPr lang="zh-CN" altLang="en-US" dirty="0"/>
               <a:t>）</a:t>
             </a:r>
-            <a:endParaRPr lang="en-US" sz="1050" dirty="0"/>
-          </a:p>
-        </p:txBody>
-      </p:sp>
-      <p:sp>
-        <p:nvSpPr>
-          <p:cNvPr id="98" name="TextBox 97">
-            <a:extLst>
-              <a:ext uri="{FF2B5EF4-FFF2-40B4-BE49-F238E27FC236}">
-                <a16:creationId xmlns:a16="http://schemas.microsoft.com/office/drawing/2014/main" id="{A5F5B4CF-25BE-4B00-86AA-00FBDF023CEE}"/>
+            <a:endParaRPr lang="en-US" dirty="0"/>
+          </a:p>
+        </p:txBody>
+      </p:sp>
+      <p:sp>
+        <p:nvSpPr>
+          <p:cNvPr id="108" name="TextBox 107">
+            <a:extLst>
+              <a:ext uri="{FF2B5EF4-FFF2-40B4-BE49-F238E27FC236}">
+                <a16:creationId xmlns:a16="http://schemas.microsoft.com/office/drawing/2014/main" id="{0BF7A33B-E244-4436-8439-9B7B6A565AA0}"/>
               </a:ext>
             </a:extLst>
           </p:cNvPr>
@@ -5483,8 +5358,8 @@
         </p:nvSpPr>
         <p:spPr>
           <a:xfrm>
-            <a:off x="6381248" y="7687031"/>
-            <a:ext cx="1317990" cy="246221"/>
+            <a:off x="18295544" y="11889199"/>
+            <a:ext cx="1841273" cy="348685"/>
           </a:xfrm>
           <a:prstGeom prst="rect">
             <a:avLst/>
@@ -5498,66 +5373,22 @@
           <a:lstStyle/>
           <a:p>
             <a:r>
-              <a:rPr lang="en-SG" sz="1000" dirty="0">
+              <a:rPr lang="en-SG" sz="1666" dirty="0">
                 <a:solidFill>
                   <a:schemeClr val="accent1"/>
                 </a:solidFill>
               </a:rPr>
-              <a:t>[name prefix present]</a:t>
-            </a:r>
-          </a:p>
-        </p:txBody>
-      </p:sp>
-      <p:cxnSp>
-        <p:nvCxnSpPr>
-          <p:cNvPr id="99" name="Straight Arrow Connector 98">
-            <a:extLst>
-              <a:ext uri="{FF2B5EF4-FFF2-40B4-BE49-F238E27FC236}">
-                <a16:creationId xmlns:a16="http://schemas.microsoft.com/office/drawing/2014/main" id="{B426B63C-118A-44F0-BB97-F7886CD3DED9}"/>
-              </a:ext>
-            </a:extLst>
-          </p:cNvPr>
-          <p:cNvCxnSpPr>
-            <a:cxnSpLocks/>
-          </p:cNvCxnSpPr>
-          <p:nvPr/>
-        </p:nvCxnSpPr>
-        <p:spPr>
-          <a:xfrm flipV="1">
-            <a:off x="6133933" y="7992498"/>
-            <a:ext cx="3810809" cy="1"/>
-          </a:xfrm>
-          <a:prstGeom prst="straightConnector1">
-            <a:avLst/>
-          </a:prstGeom>
-          <a:ln w="19050">
-            <a:solidFill>
-              <a:srgbClr val="0070C0"/>
-            </a:solidFill>
-            <a:tailEnd type="arrow"/>
-          </a:ln>
-        </p:spPr>
-        <p:style>
-          <a:lnRef idx="1">
-            <a:schemeClr val="accent1"/>
-          </a:lnRef>
-          <a:fillRef idx="0">
-            <a:schemeClr val="accent1"/>
-          </a:fillRef>
-          <a:effectRef idx="0">
-            <a:schemeClr val="accent1"/>
-          </a:effectRef>
-          <a:fontRef idx="minor">
-            <a:schemeClr val="tx1"/>
-          </a:fontRef>
-        </p:style>
-      </p:cxnSp>
-      <p:sp>
-        <p:nvSpPr>
-          <p:cNvPr id="101" name="TextBox 100">
-            <a:extLst>
-              <a:ext uri="{FF2B5EF4-FFF2-40B4-BE49-F238E27FC236}">
-                <a16:creationId xmlns:a16="http://schemas.microsoft.com/office/drawing/2014/main" id="{8D217A8B-D28A-4220-8A6D-3A59C82B13DC}"/>
+              <a:t>[tag prefix present]</a:t>
+            </a:r>
+          </a:p>
+        </p:txBody>
+      </p:sp>
+      <p:sp>
+        <p:nvSpPr>
+          <p:cNvPr id="112" name="TextBox 111">
+            <a:extLst>
+              <a:ext uri="{FF2B5EF4-FFF2-40B4-BE49-F238E27FC236}">
+                <a16:creationId xmlns:a16="http://schemas.microsoft.com/office/drawing/2014/main" id="{BA663A5A-264A-4804-95CE-754D4B2D0DEB}"/>
               </a:ext>
             </a:extLst>
           </p:cNvPr>
@@ -5566,8 +5397,8 @@
         </p:nvSpPr>
         <p:spPr>
           <a:xfrm>
-            <a:off x="6196712" y="8015268"/>
-            <a:ext cx="3810808" cy="161583"/>
+            <a:off x="21166973" y="12081407"/>
+            <a:ext cx="6347059" cy="215444"/>
           </a:xfrm>
           <a:prstGeom prst="rect">
             <a:avLst/>
@@ -5593,78 +5424,93 @@
           <a:p>
             <a:pPr algn="l"/>
             <a:r>
-              <a:rPr lang="en-US" sz="1050" dirty="0"/>
-              <a:t>FindMovieCommand(NameContains</a:t>
-            </a:r>
-            <a:r>
-              <a:rPr lang="en-SG" altLang="zh-CN" sz="1050" dirty="0"/>
+              <a:rPr lang="en-US" dirty="0"/>
+              <a:t>FindMovieCommand(TagContains</a:t>
+            </a:r>
+            <a:r>
+              <a:rPr lang="en-SG" altLang="zh-CN" dirty="0"/>
               <a:t>KeywordsPredicate</a:t>
             </a:r>
             <a:r>
-              <a:rPr lang="zh-CN" altLang="en-US" sz="1050" dirty="0"/>
+              <a:rPr lang="zh-CN" altLang="en-US" dirty="0"/>
               <a:t>）</a:t>
             </a:r>
-            <a:endParaRPr lang="en-US" sz="1050" dirty="0"/>
-          </a:p>
-        </p:txBody>
-      </p:sp>
-      <p:sp>
-        <p:nvSpPr>
-          <p:cNvPr id="103" name="TextBox 102">
-            <a:extLst>
-              <a:ext uri="{FF2B5EF4-FFF2-40B4-BE49-F238E27FC236}">
-                <a16:creationId xmlns:a16="http://schemas.microsoft.com/office/drawing/2014/main" id="{4C05D6A2-4E87-4CCA-9104-229820A1EDB8}"/>
-              </a:ext>
-            </a:extLst>
-          </p:cNvPr>
-          <p:cNvSpPr txBox="1"/>
-          <p:nvPr/>
-        </p:nvSpPr>
-        <p:spPr>
-          <a:xfrm>
-            <a:off x="6384423" y="8275993"/>
-            <a:ext cx="1511952" cy="246221"/>
+            <a:endParaRPr lang="en-US" dirty="0"/>
+          </a:p>
+        </p:txBody>
+      </p:sp>
+      <p:sp>
+        <p:nvSpPr>
+          <p:cNvPr id="68" name="Rectangle 67">
+            <a:extLst>
+              <a:ext uri="{FF2B5EF4-FFF2-40B4-BE49-F238E27FC236}">
+                <a16:creationId xmlns:a16="http://schemas.microsoft.com/office/drawing/2014/main" id="{1B04CC11-9DE3-4603-BC14-9ED5E8C194E4}"/>
+              </a:ext>
+            </a:extLst>
+          </p:cNvPr>
+          <p:cNvSpPr/>
+          <p:nvPr/>
+        </p:nvSpPr>
+        <p:spPr>
+          <a:xfrm>
+            <a:off x="20954993" y="5269381"/>
+            <a:ext cx="398204" cy="544424"/>
           </a:xfrm>
           <a:prstGeom prst="rect">
             <a:avLst/>
           </a:prstGeom>
-          <a:noFill/>
-        </p:spPr>
-        <p:txBody>
-          <a:bodyPr wrap="none" rtlCol="0">
-            <a:spAutoFit/>
-          </a:bodyPr>
-          <a:lstStyle/>
-          <a:p>
-            <a:r>
-              <a:rPr lang="en-SG" sz="1000" dirty="0">
-                <a:solidFill>
-                  <a:schemeClr val="accent1"/>
-                </a:solidFill>
-              </a:rPr>
-              <a:t>[startDate prefix present]</a:t>
-            </a:r>
+          <a:solidFill>
+            <a:srgbClr val="0070C0"/>
+          </a:solidFill>
+          <a:ln>
+            <a:solidFill>
+              <a:srgbClr val="0070C0"/>
+            </a:solidFill>
+          </a:ln>
+          <a:effectLst/>
+        </p:spPr>
+        <p:style>
+          <a:lnRef idx="1">
+            <a:schemeClr val="accent3"/>
+          </a:lnRef>
+          <a:fillRef idx="2">
+            <a:schemeClr val="accent3"/>
+          </a:fillRef>
+          <a:effectRef idx="1">
+            <a:schemeClr val="accent3"/>
+          </a:effectRef>
+          <a:fontRef idx="minor">
+            <a:schemeClr val="dk1"/>
+          </a:fontRef>
+        </p:style>
+        <p:txBody>
+          <a:bodyPr rtlCol="0" anchor="ctr"/>
+          <a:lstStyle/>
+          <a:p>
+            <a:pPr algn="ctr"/>
+            <a:endParaRPr lang="en-SG" sz="1999" dirty="0"/>
           </a:p>
         </p:txBody>
       </p:sp>
       <p:cxnSp>
         <p:nvCxnSpPr>
-          <p:cNvPr id="104" name="Straight Arrow Connector 103">
-            <a:extLst>
-              <a:ext uri="{FF2B5EF4-FFF2-40B4-BE49-F238E27FC236}">
-                <a16:creationId xmlns:a16="http://schemas.microsoft.com/office/drawing/2014/main" id="{BA1DCA13-6CFA-4605-93B2-93CB1750E210}"/>
+          <p:cNvPr id="69" name="Straight Arrow Connector 68">
+            <a:extLst>
+              <a:ext uri="{FF2B5EF4-FFF2-40B4-BE49-F238E27FC236}">
+                <a16:creationId xmlns:a16="http://schemas.microsoft.com/office/drawing/2014/main" id="{E964F4BA-1675-48BB-BAB3-9ACC25219470}"/>
               </a:ext>
             </a:extLst>
           </p:cNvPr>
           <p:cNvCxnSpPr>
             <a:cxnSpLocks/>
+            <a:endCxn id="139" idx="1"/>
           </p:cNvCxnSpPr>
           <p:nvPr/>
         </p:nvCxnSpPr>
         <p:spPr>
-          <a:xfrm flipV="1">
-            <a:off x="6137108" y="8581460"/>
-            <a:ext cx="3810809" cy="1"/>
+          <a:xfrm>
+            <a:off x="16006598" y="4980612"/>
+            <a:ext cx="3665400" cy="0"/>
           </a:xfrm>
           <a:prstGeom prst="straightConnector1">
             <a:avLst/>
@@ -5691,12 +5537,150 @@
           </a:fontRef>
         </p:style>
       </p:cxnSp>
-      <p:sp>
-        <p:nvSpPr>
-          <p:cNvPr id="106" name="TextBox 105">
-            <a:extLst>
-              <a:ext uri="{FF2B5EF4-FFF2-40B4-BE49-F238E27FC236}">
-                <a16:creationId xmlns:a16="http://schemas.microsoft.com/office/drawing/2014/main" id="{63A8B536-D7F0-4167-BAB6-A90AC89D25EA}"/>
+      <p:cxnSp>
+        <p:nvCxnSpPr>
+          <p:cNvPr id="71" name="Straight Arrow Connector 70">
+            <a:extLst>
+              <a:ext uri="{FF2B5EF4-FFF2-40B4-BE49-F238E27FC236}">
+                <a16:creationId xmlns:a16="http://schemas.microsoft.com/office/drawing/2014/main" id="{4097C760-26EE-4487-899F-A74FC7A5FB44}"/>
+              </a:ext>
+            </a:extLst>
+          </p:cNvPr>
+          <p:cNvCxnSpPr>
+            <a:cxnSpLocks/>
+          </p:cNvCxnSpPr>
+          <p:nvPr/>
+        </p:nvCxnSpPr>
+        <p:spPr>
+          <a:xfrm flipV="1">
+            <a:off x="16072617" y="5805715"/>
+            <a:ext cx="4883260" cy="8089"/>
+          </a:xfrm>
+          <a:prstGeom prst="straightConnector1">
+            <a:avLst/>
+          </a:prstGeom>
+          <a:ln w="28575">
+            <a:solidFill>
+              <a:schemeClr val="accent1"/>
+            </a:solidFill>
+            <a:prstDash val="sysDash"/>
+            <a:headEnd type="arrow" w="med" len="med"/>
+            <a:tailEnd type="none" w="med" len="med"/>
+          </a:ln>
+        </p:spPr>
+        <p:style>
+          <a:lnRef idx="1">
+            <a:schemeClr val="accent1"/>
+          </a:lnRef>
+          <a:fillRef idx="0">
+            <a:schemeClr val="accent1"/>
+          </a:fillRef>
+          <a:effectRef idx="0">
+            <a:schemeClr val="accent1"/>
+          </a:effectRef>
+          <a:fontRef idx="minor">
+            <a:schemeClr val="tx1"/>
+          </a:fontRef>
+        </p:style>
+      </p:cxnSp>
+      <p:cxnSp>
+        <p:nvCxnSpPr>
+          <p:cNvPr id="78" name="Straight Arrow Connector 77">
+            <a:extLst>
+              <a:ext uri="{FF2B5EF4-FFF2-40B4-BE49-F238E27FC236}">
+                <a16:creationId xmlns:a16="http://schemas.microsoft.com/office/drawing/2014/main" id="{353DE79E-96BD-4FE2-A9FF-EF410893B88B}"/>
+              </a:ext>
+            </a:extLst>
+          </p:cNvPr>
+          <p:cNvCxnSpPr>
+            <a:cxnSpLocks/>
+          </p:cNvCxnSpPr>
+          <p:nvPr/>
+        </p:nvCxnSpPr>
+        <p:spPr>
+          <a:xfrm>
+            <a:off x="13736017" y="6015648"/>
+            <a:ext cx="1966823" cy="0"/>
+          </a:xfrm>
+          <a:prstGeom prst="straightConnector1">
+            <a:avLst/>
+          </a:prstGeom>
+          <a:ln w="28575">
+            <a:solidFill>
+              <a:schemeClr val="accent1"/>
+            </a:solidFill>
+            <a:prstDash val="sysDash"/>
+            <a:headEnd type="arrow" w="med" len="med"/>
+            <a:tailEnd type="none" w="med" len="med"/>
+          </a:ln>
+        </p:spPr>
+        <p:style>
+          <a:lnRef idx="1">
+            <a:schemeClr val="accent1"/>
+          </a:lnRef>
+          <a:fillRef idx="0">
+            <a:schemeClr val="accent1"/>
+          </a:fillRef>
+          <a:effectRef idx="0">
+            <a:schemeClr val="accent1"/>
+          </a:effectRef>
+          <a:fontRef idx="minor">
+            <a:schemeClr val="tx1"/>
+          </a:fontRef>
+        </p:style>
+      </p:cxnSp>
+      <p:cxnSp>
+        <p:nvCxnSpPr>
+          <p:cNvPr id="85" name="Straight Arrow Connector 84">
+            <a:extLst>
+              <a:ext uri="{FF2B5EF4-FFF2-40B4-BE49-F238E27FC236}">
+                <a16:creationId xmlns:a16="http://schemas.microsoft.com/office/drawing/2014/main" id="{7809538D-EAA7-4FD1-AEBC-9CD964552626}"/>
+              </a:ext>
+            </a:extLst>
+          </p:cNvPr>
+          <p:cNvCxnSpPr>
+            <a:cxnSpLocks/>
+          </p:cNvCxnSpPr>
+          <p:nvPr/>
+        </p:nvCxnSpPr>
+        <p:spPr>
+          <a:xfrm>
+            <a:off x="10118769" y="6298953"/>
+            <a:ext cx="3269232" cy="0"/>
+          </a:xfrm>
+          <a:prstGeom prst="straightConnector1">
+            <a:avLst/>
+          </a:prstGeom>
+          <a:ln w="28575">
+            <a:solidFill>
+              <a:schemeClr val="accent1"/>
+            </a:solidFill>
+            <a:prstDash val="sysDash"/>
+            <a:headEnd type="arrow" w="med" len="med"/>
+            <a:tailEnd type="none" w="med" len="med"/>
+          </a:ln>
+        </p:spPr>
+        <p:style>
+          <a:lnRef idx="1">
+            <a:schemeClr val="accent1"/>
+          </a:lnRef>
+          <a:fillRef idx="0">
+            <a:schemeClr val="accent1"/>
+          </a:fillRef>
+          <a:effectRef idx="0">
+            <a:schemeClr val="accent1"/>
+          </a:effectRef>
+          <a:fontRef idx="minor">
+            <a:schemeClr val="tx1"/>
+          </a:fontRef>
+        </p:style>
+      </p:cxnSp>
+      <p:sp>
+        <p:nvSpPr>
+          <p:cNvPr id="89" name="TextBox 88">
+            <a:extLst>
+              <a:ext uri="{FF2B5EF4-FFF2-40B4-BE49-F238E27FC236}">
+                <a16:creationId xmlns:a16="http://schemas.microsoft.com/office/drawing/2014/main" id="{540E9A5F-061B-424B-B07E-DD62E0316B21}"/>
               </a:ext>
             </a:extLst>
           </p:cNvPr>
@@ -5705,8 +5689,8 @@
         </p:nvSpPr>
         <p:spPr>
           <a:xfrm>
-            <a:off x="6199887" y="8604230"/>
-            <a:ext cx="3810808" cy="161583"/>
+            <a:off x="11591881" y="5946026"/>
+            <a:ext cx="942906" cy="307648"/>
           </a:xfrm>
           <a:prstGeom prst="rect">
             <a:avLst/>
@@ -5732,66 +5716,18 @@
           <a:p>
             <a:pPr algn="l"/>
             <a:r>
-              <a:rPr lang="en-US" sz="1050" dirty="0"/>
-              <a:t>FindMovieCommand(StartDateContains</a:t>
-            </a:r>
-            <a:r>
-              <a:rPr lang="en-SG" altLang="zh-CN" sz="1050" dirty="0"/>
-              <a:t>KeywordsPredicate</a:t>
-            </a:r>
-            <a:r>
-              <a:rPr lang="zh-CN" altLang="en-US" sz="1050" dirty="0"/>
-              <a:t>）</a:t>
-            </a:r>
-            <a:endParaRPr lang="en-US" sz="1050" dirty="0"/>
-          </a:p>
-        </p:txBody>
-      </p:sp>
-      <p:sp>
-        <p:nvSpPr>
-          <p:cNvPr id="108" name="TextBox 107">
-            <a:extLst>
-              <a:ext uri="{FF2B5EF4-FFF2-40B4-BE49-F238E27FC236}">
-                <a16:creationId xmlns:a16="http://schemas.microsoft.com/office/drawing/2014/main" id="{0BF7A33B-E244-4436-8439-9B7B6A565AA0}"/>
-              </a:ext>
-            </a:extLst>
-          </p:cNvPr>
-          <p:cNvSpPr txBox="1"/>
-          <p:nvPr/>
-        </p:nvSpPr>
-        <p:spPr>
-          <a:xfrm>
-            <a:off x="6380828" y="8846896"/>
-            <a:ext cx="1188146" cy="246221"/>
-          </a:xfrm>
-          <a:prstGeom prst="rect">
-            <a:avLst/>
-          </a:prstGeom>
-          <a:noFill/>
-        </p:spPr>
-        <p:txBody>
-          <a:bodyPr wrap="none" rtlCol="0">
-            <a:spAutoFit/>
-          </a:bodyPr>
-          <a:lstStyle/>
-          <a:p>
-            <a:r>
-              <a:rPr lang="en-SG" sz="1000" dirty="0">
-                <a:solidFill>
-                  <a:schemeClr val="accent1"/>
-                </a:solidFill>
-              </a:rPr>
-              <a:t>[tag prefix present]</a:t>
+              <a:rPr lang="en-US" sz="1999" dirty="0"/>
+              <a:t>fm</a:t>
             </a:r>
           </a:p>
         </p:txBody>
       </p:sp>
       <p:cxnSp>
         <p:nvCxnSpPr>
-          <p:cNvPr id="110" name="Straight Arrow Connector 109">
-            <a:extLst>
-              <a:ext uri="{FF2B5EF4-FFF2-40B4-BE49-F238E27FC236}">
-                <a16:creationId xmlns:a16="http://schemas.microsoft.com/office/drawing/2014/main" id="{A7289466-D070-42E7-A315-D4E768E30D4D}"/>
+          <p:cNvPr id="93" name="Straight Arrow Connector 92">
+            <a:extLst>
+              <a:ext uri="{FF2B5EF4-FFF2-40B4-BE49-F238E27FC236}">
+                <a16:creationId xmlns:a16="http://schemas.microsoft.com/office/drawing/2014/main" id="{D742C3E6-3AE5-41D2-AFC7-CD2C9BF5EDD9}"/>
               </a:ext>
             </a:extLst>
           </p:cNvPr>
@@ -5801,9 +5737,9 @@
           <p:nvPr/>
         </p:nvCxnSpPr>
         <p:spPr>
-          <a:xfrm flipV="1">
-            <a:off x="6133513" y="9152363"/>
-            <a:ext cx="3810809" cy="1"/>
+          <a:xfrm>
+            <a:off x="10031024" y="6931958"/>
+            <a:ext cx="11180012" cy="0"/>
           </a:xfrm>
           <a:prstGeom prst="straightConnector1">
             <a:avLst/>
@@ -5832,10 +5768,10 @@
       </p:cxnSp>
       <p:sp>
         <p:nvSpPr>
-          <p:cNvPr id="112" name="TextBox 111">
-            <a:extLst>
-              <a:ext uri="{FF2B5EF4-FFF2-40B4-BE49-F238E27FC236}">
-                <a16:creationId xmlns:a16="http://schemas.microsoft.com/office/drawing/2014/main" id="{BA663A5A-264A-4804-95CE-754D4B2D0DEB}"/>
+          <p:cNvPr id="95" name="TextBox 94">
+            <a:extLst>
+              <a:ext uri="{FF2B5EF4-FFF2-40B4-BE49-F238E27FC236}">
+                <a16:creationId xmlns:a16="http://schemas.microsoft.com/office/drawing/2014/main" id="{A5772392-2C4A-4657-BAEA-E9F7D7C39407}"/>
               </a:ext>
             </a:extLst>
           </p:cNvPr>
@@ -5844,8 +5780,8 @@
         </p:nvSpPr>
         <p:spPr>
           <a:xfrm>
-            <a:off x="6196292" y="9175133"/>
-            <a:ext cx="3810808" cy="161583"/>
+            <a:off x="15095338" y="6586661"/>
+            <a:ext cx="994186" cy="307648"/>
           </a:xfrm>
           <a:prstGeom prst="rect">
             <a:avLst/>
@@ -5871,21 +5807,1313 @@
           <a:p>
             <a:pPr algn="l"/>
             <a:r>
-              <a:rPr lang="en-US" sz="1050" dirty="0"/>
-              <a:t>FindMovieCommand(TagContains</a:t>
-            </a:r>
-            <a:r>
-              <a:rPr lang="en-SG" altLang="zh-CN" sz="1050" dirty="0"/>
-              <a:t>KeywordsPredicate</a:t>
-            </a:r>
-            <a:r>
-              <a:rPr lang="zh-CN" altLang="en-US" sz="1050" dirty="0"/>
-              <a:t>）</a:t>
-            </a:r>
-            <a:endParaRPr lang="en-US" sz="1050" dirty="0"/>
-          </a:p>
-        </p:txBody>
-      </p:sp>
+              <a:rPr lang="en-US" sz="1999" dirty="0"/>
+              <a:t>execute()</a:t>
+            </a:r>
+          </a:p>
+        </p:txBody>
+      </p:sp>
+      <p:cxnSp>
+        <p:nvCxnSpPr>
+          <p:cNvPr id="60" name="Straight Connector 59">
+            <a:extLst>
+              <a:ext uri="{FF2B5EF4-FFF2-40B4-BE49-F238E27FC236}">
+                <a16:creationId xmlns:a16="http://schemas.microsoft.com/office/drawing/2014/main" id="{C613E0ED-16E4-4194-9BE4-2132A5E68A2B}"/>
+              </a:ext>
+            </a:extLst>
+          </p:cNvPr>
+          <p:cNvCxnSpPr/>
+          <p:nvPr/>
+        </p:nvCxnSpPr>
+        <p:spPr>
+          <a:xfrm>
+            <a:off x="17734258" y="7951278"/>
+            <a:ext cx="7374622" cy="0"/>
+          </a:xfrm>
+          <a:prstGeom prst="line">
+            <a:avLst/>
+          </a:prstGeom>
+          <a:ln w="19050">
+            <a:prstDash val="dash"/>
+          </a:ln>
+        </p:spPr>
+        <p:style>
+          <a:lnRef idx="1">
+            <a:schemeClr val="accent1"/>
+          </a:lnRef>
+          <a:fillRef idx="0">
+            <a:schemeClr val="accent1"/>
+          </a:fillRef>
+          <a:effectRef idx="0">
+            <a:schemeClr val="accent1"/>
+          </a:effectRef>
+          <a:fontRef idx="minor">
+            <a:schemeClr val="tx1"/>
+          </a:fontRef>
+        </p:style>
+      </p:cxnSp>
+      <p:cxnSp>
+        <p:nvCxnSpPr>
+          <p:cNvPr id="97" name="Straight Connector 96">
+            <a:extLst>
+              <a:ext uri="{FF2B5EF4-FFF2-40B4-BE49-F238E27FC236}">
+                <a16:creationId xmlns:a16="http://schemas.microsoft.com/office/drawing/2014/main" id="{2FB59F77-F3EA-4E39-9979-CE9C4962394E}"/>
+              </a:ext>
+            </a:extLst>
+          </p:cNvPr>
+          <p:cNvCxnSpPr/>
+          <p:nvPr/>
+        </p:nvCxnSpPr>
+        <p:spPr>
+          <a:xfrm>
+            <a:off x="17734258" y="8767674"/>
+            <a:ext cx="7374622" cy="0"/>
+          </a:xfrm>
+          <a:prstGeom prst="line">
+            <a:avLst/>
+          </a:prstGeom>
+          <a:ln w="19050">
+            <a:prstDash val="dash"/>
+          </a:ln>
+        </p:spPr>
+        <p:style>
+          <a:lnRef idx="1">
+            <a:schemeClr val="accent1"/>
+          </a:lnRef>
+          <a:fillRef idx="0">
+            <a:schemeClr val="accent1"/>
+          </a:fillRef>
+          <a:effectRef idx="0">
+            <a:schemeClr val="accent1"/>
+          </a:effectRef>
+          <a:fontRef idx="minor">
+            <a:schemeClr val="tx1"/>
+          </a:fontRef>
+        </p:style>
+      </p:cxnSp>
+      <p:cxnSp>
+        <p:nvCxnSpPr>
+          <p:cNvPr id="100" name="Straight Connector 99">
+            <a:extLst>
+              <a:ext uri="{FF2B5EF4-FFF2-40B4-BE49-F238E27FC236}">
+                <a16:creationId xmlns:a16="http://schemas.microsoft.com/office/drawing/2014/main" id="{9B0D3D06-F66E-4886-A385-D8297ED45FC1}"/>
+              </a:ext>
+            </a:extLst>
+          </p:cNvPr>
+          <p:cNvCxnSpPr/>
+          <p:nvPr/>
+        </p:nvCxnSpPr>
+        <p:spPr>
+          <a:xfrm>
+            <a:off x="17734258" y="9571513"/>
+            <a:ext cx="7374622" cy="0"/>
+          </a:xfrm>
+          <a:prstGeom prst="line">
+            <a:avLst/>
+          </a:prstGeom>
+          <a:ln w="19050">
+            <a:prstDash val="dash"/>
+          </a:ln>
+        </p:spPr>
+        <p:style>
+          <a:lnRef idx="1">
+            <a:schemeClr val="accent1"/>
+          </a:lnRef>
+          <a:fillRef idx="0">
+            <a:schemeClr val="accent1"/>
+          </a:fillRef>
+          <a:effectRef idx="0">
+            <a:schemeClr val="accent1"/>
+          </a:effectRef>
+          <a:fontRef idx="minor">
+            <a:schemeClr val="tx1"/>
+          </a:fontRef>
+        </p:style>
+      </p:cxnSp>
+      <p:cxnSp>
+        <p:nvCxnSpPr>
+          <p:cNvPr id="102" name="Straight Connector 101">
+            <a:extLst>
+              <a:ext uri="{FF2B5EF4-FFF2-40B4-BE49-F238E27FC236}">
+                <a16:creationId xmlns:a16="http://schemas.microsoft.com/office/drawing/2014/main" id="{94C1A51D-B3DF-45CD-8CA8-B106AB0FD872}"/>
+              </a:ext>
+            </a:extLst>
+          </p:cNvPr>
+          <p:cNvCxnSpPr/>
+          <p:nvPr/>
+        </p:nvCxnSpPr>
+        <p:spPr>
+          <a:xfrm>
+            <a:off x="17734258" y="10411048"/>
+            <a:ext cx="7374622" cy="0"/>
+          </a:xfrm>
+          <a:prstGeom prst="line">
+            <a:avLst/>
+          </a:prstGeom>
+          <a:ln w="19050">
+            <a:prstDash val="dash"/>
+          </a:ln>
+        </p:spPr>
+        <p:style>
+          <a:lnRef idx="1">
+            <a:schemeClr val="accent1"/>
+          </a:lnRef>
+          <a:fillRef idx="0">
+            <a:schemeClr val="accent1"/>
+          </a:fillRef>
+          <a:effectRef idx="0">
+            <a:schemeClr val="accent1"/>
+          </a:effectRef>
+          <a:fontRef idx="minor">
+            <a:schemeClr val="tx1"/>
+          </a:fontRef>
+        </p:style>
+      </p:cxnSp>
+      <p:cxnSp>
+        <p:nvCxnSpPr>
+          <p:cNvPr id="105" name="Straight Connector 104">
+            <a:extLst>
+              <a:ext uri="{FF2B5EF4-FFF2-40B4-BE49-F238E27FC236}">
+                <a16:creationId xmlns:a16="http://schemas.microsoft.com/office/drawing/2014/main" id="{900CE308-BDCA-44FB-BA07-651F42D47FA4}"/>
+              </a:ext>
+            </a:extLst>
+          </p:cNvPr>
+          <p:cNvCxnSpPr/>
+          <p:nvPr/>
+        </p:nvCxnSpPr>
+        <p:spPr>
+          <a:xfrm>
+            <a:off x="17734258" y="11142361"/>
+            <a:ext cx="7374622" cy="0"/>
+          </a:xfrm>
+          <a:prstGeom prst="line">
+            <a:avLst/>
+          </a:prstGeom>
+          <a:ln w="19050">
+            <a:prstDash val="dash"/>
+          </a:ln>
+        </p:spPr>
+        <p:style>
+          <a:lnRef idx="1">
+            <a:schemeClr val="accent1"/>
+          </a:lnRef>
+          <a:fillRef idx="0">
+            <a:schemeClr val="accent1"/>
+          </a:fillRef>
+          <a:effectRef idx="0">
+            <a:schemeClr val="accent1"/>
+          </a:effectRef>
+          <a:fontRef idx="minor">
+            <a:schemeClr val="tx1"/>
+          </a:fontRef>
+        </p:style>
+      </p:cxnSp>
+      <p:cxnSp>
+        <p:nvCxnSpPr>
+          <p:cNvPr id="107" name="Straight Connector 106">
+            <a:extLst>
+              <a:ext uri="{FF2B5EF4-FFF2-40B4-BE49-F238E27FC236}">
+                <a16:creationId xmlns:a16="http://schemas.microsoft.com/office/drawing/2014/main" id="{2A5059DF-AF4D-40C6-BDED-4270174F9DE1}"/>
+              </a:ext>
+            </a:extLst>
+          </p:cNvPr>
+          <p:cNvCxnSpPr/>
+          <p:nvPr/>
+        </p:nvCxnSpPr>
+        <p:spPr>
+          <a:xfrm>
+            <a:off x="17734258" y="11854650"/>
+            <a:ext cx="7374622" cy="0"/>
+          </a:xfrm>
+          <a:prstGeom prst="line">
+            <a:avLst/>
+          </a:prstGeom>
+          <a:ln w="19050">
+            <a:prstDash val="dash"/>
+          </a:ln>
+        </p:spPr>
+        <p:style>
+          <a:lnRef idx="1">
+            <a:schemeClr val="accent1"/>
+          </a:lnRef>
+          <a:fillRef idx="0">
+            <a:schemeClr val="accent1"/>
+          </a:fillRef>
+          <a:effectRef idx="0">
+            <a:schemeClr val="accent1"/>
+          </a:effectRef>
+          <a:fontRef idx="minor">
+            <a:schemeClr val="tx1"/>
+          </a:fontRef>
+        </p:style>
+      </p:cxnSp>
+      <p:sp>
+        <p:nvSpPr>
+          <p:cNvPr id="111" name="Rectangle 62">
+            <a:extLst>
+              <a:ext uri="{FF2B5EF4-FFF2-40B4-BE49-F238E27FC236}">
+                <a16:creationId xmlns:a16="http://schemas.microsoft.com/office/drawing/2014/main" id="{2556B744-73F2-43CF-841F-6F8FD1456AF8}"/>
+              </a:ext>
+            </a:extLst>
+          </p:cNvPr>
+          <p:cNvSpPr/>
+          <p:nvPr/>
+        </p:nvSpPr>
+        <p:spPr>
+          <a:xfrm>
+            <a:off x="25360002" y="6101769"/>
+            <a:ext cx="3045942" cy="577538"/>
+          </a:xfrm>
+          <a:prstGeom prst="rect">
+            <a:avLst/>
+          </a:prstGeom>
+          <a:solidFill>
+            <a:srgbClr val="0070C0"/>
+          </a:solidFill>
+          <a:ln w="19050">
+            <a:solidFill>
+              <a:srgbClr val="0070C0"/>
+            </a:solidFill>
+          </a:ln>
+          <a:effectLst/>
+        </p:spPr>
+        <p:style>
+          <a:lnRef idx="1">
+            <a:schemeClr val="accent2"/>
+          </a:lnRef>
+          <a:fillRef idx="2">
+            <a:schemeClr val="accent2"/>
+          </a:fillRef>
+          <a:effectRef idx="1">
+            <a:schemeClr val="accent2"/>
+          </a:effectRef>
+          <a:fontRef idx="minor">
+            <a:schemeClr val="dk1"/>
+          </a:fontRef>
+        </p:style>
+        <p:txBody>
+          <a:bodyPr rtlCol="0" anchor="ctr"/>
+          <a:lstStyle/>
+          <a:p>
+            <a:pPr algn="ctr"/>
+            <a:r>
+              <a:rPr lang="en-US" sz="1999" dirty="0">
+                <a:solidFill>
+                  <a:schemeClr val="bg1"/>
+                </a:solidFill>
+              </a:rPr>
+              <a:t>result:CommandResult</a:t>
+            </a:r>
+            <a:endParaRPr lang="en-SG" sz="1999" dirty="0">
+              <a:solidFill>
+                <a:schemeClr val="bg1"/>
+              </a:solidFill>
+            </a:endParaRPr>
+          </a:p>
+        </p:txBody>
+      </p:sp>
+      <p:cxnSp>
+        <p:nvCxnSpPr>
+          <p:cNvPr id="113" name="Straight Connector 112">
+            <a:extLst>
+              <a:ext uri="{FF2B5EF4-FFF2-40B4-BE49-F238E27FC236}">
+                <a16:creationId xmlns:a16="http://schemas.microsoft.com/office/drawing/2014/main" id="{1429E5D1-2562-47AB-8C88-E061A5043505}"/>
+              </a:ext>
+            </a:extLst>
+          </p:cNvPr>
+          <p:cNvCxnSpPr>
+            <a:cxnSpLocks/>
+          </p:cNvCxnSpPr>
+          <p:nvPr/>
+        </p:nvCxnSpPr>
+        <p:spPr>
+          <a:xfrm>
+            <a:off x="26970259" y="6612574"/>
+            <a:ext cx="51304" cy="6188856"/>
+          </a:xfrm>
+          <a:prstGeom prst="line">
+            <a:avLst/>
+          </a:prstGeom>
+          <a:ln w="28575">
+            <a:solidFill>
+              <a:srgbClr val="0070C0"/>
+            </a:solidFill>
+            <a:prstDash val="sysDash"/>
+          </a:ln>
+          <a:effectLst/>
+        </p:spPr>
+        <p:style>
+          <a:lnRef idx="1">
+            <a:schemeClr val="accent1"/>
+          </a:lnRef>
+          <a:fillRef idx="2">
+            <a:schemeClr val="accent1"/>
+          </a:fillRef>
+          <a:effectRef idx="1">
+            <a:schemeClr val="accent1"/>
+          </a:effectRef>
+          <a:fontRef idx="minor">
+            <a:schemeClr val="dk1"/>
+          </a:fontRef>
+        </p:style>
+      </p:cxnSp>
+      <p:sp>
+        <p:nvSpPr>
+          <p:cNvPr id="115" name="Rectangle 114">
+            <a:extLst>
+              <a:ext uri="{FF2B5EF4-FFF2-40B4-BE49-F238E27FC236}">
+                <a16:creationId xmlns:a16="http://schemas.microsoft.com/office/drawing/2014/main" id="{837B6FED-E0FE-4FAB-B85B-EEE2D47B28B9}"/>
+              </a:ext>
+            </a:extLst>
+          </p:cNvPr>
+          <p:cNvSpPr/>
+          <p:nvPr/>
+        </p:nvSpPr>
+        <p:spPr>
+          <a:xfrm>
+            <a:off x="26764282" y="7346301"/>
+            <a:ext cx="415118" cy="406453"/>
+          </a:xfrm>
+          <a:prstGeom prst="rect">
+            <a:avLst/>
+          </a:prstGeom>
+          <a:solidFill>
+            <a:srgbClr val="0070C0"/>
+          </a:solidFill>
+          <a:ln>
+            <a:solidFill>
+              <a:srgbClr val="0070C0"/>
+            </a:solidFill>
+          </a:ln>
+          <a:effectLst/>
+        </p:spPr>
+        <p:style>
+          <a:lnRef idx="1">
+            <a:schemeClr val="accent3"/>
+          </a:lnRef>
+          <a:fillRef idx="2">
+            <a:schemeClr val="accent3"/>
+          </a:fillRef>
+          <a:effectRef idx="1">
+            <a:schemeClr val="accent3"/>
+          </a:effectRef>
+          <a:fontRef idx="minor">
+            <a:schemeClr val="dk1"/>
+          </a:fontRef>
+        </p:style>
+        <p:txBody>
+          <a:bodyPr rtlCol="0" anchor="ctr"/>
+          <a:lstStyle/>
+          <a:p>
+            <a:pPr algn="ctr"/>
+            <a:endParaRPr lang="en-SG" sz="1999" dirty="0"/>
+          </a:p>
+        </p:txBody>
+      </p:sp>
+      <p:cxnSp>
+        <p:nvCxnSpPr>
+          <p:cNvPr id="116" name="Straight Arrow Connector 115">
+            <a:extLst>
+              <a:ext uri="{FF2B5EF4-FFF2-40B4-BE49-F238E27FC236}">
+                <a16:creationId xmlns:a16="http://schemas.microsoft.com/office/drawing/2014/main" id="{B0948D22-D604-4897-90A6-BAC629D82CC1}"/>
+              </a:ext>
+            </a:extLst>
+          </p:cNvPr>
+          <p:cNvCxnSpPr>
+            <a:cxnSpLocks/>
+          </p:cNvCxnSpPr>
+          <p:nvPr/>
+        </p:nvCxnSpPr>
+        <p:spPr>
+          <a:xfrm flipV="1">
+            <a:off x="21366076" y="7735446"/>
+            <a:ext cx="5398206" cy="7452"/>
+          </a:xfrm>
+          <a:prstGeom prst="straightConnector1">
+            <a:avLst/>
+          </a:prstGeom>
+          <a:ln w="19050">
+            <a:solidFill>
+              <a:schemeClr val="accent1"/>
+            </a:solidFill>
+            <a:prstDash val="sysDash"/>
+            <a:headEnd type="arrow" w="med" len="med"/>
+            <a:tailEnd type="none" w="med" len="med"/>
+          </a:ln>
+        </p:spPr>
+        <p:style>
+          <a:lnRef idx="1">
+            <a:schemeClr val="accent1"/>
+          </a:lnRef>
+          <a:fillRef idx="0">
+            <a:schemeClr val="accent1"/>
+          </a:fillRef>
+          <a:effectRef idx="0">
+            <a:schemeClr val="accent1"/>
+          </a:effectRef>
+          <a:fontRef idx="minor">
+            <a:schemeClr val="tx1"/>
+          </a:fontRef>
+        </p:style>
+      </p:cxnSp>
+      <p:cxnSp>
+        <p:nvCxnSpPr>
+          <p:cNvPr id="117" name="Straight Arrow Connector 116">
+            <a:extLst>
+              <a:ext uri="{FF2B5EF4-FFF2-40B4-BE49-F238E27FC236}">
+                <a16:creationId xmlns:a16="http://schemas.microsoft.com/office/drawing/2014/main" id="{27B1DDD6-E813-4FBD-B8B4-DEF326DB95F6}"/>
+              </a:ext>
+            </a:extLst>
+          </p:cNvPr>
+          <p:cNvCxnSpPr>
+            <a:cxnSpLocks/>
+          </p:cNvCxnSpPr>
+          <p:nvPr/>
+        </p:nvCxnSpPr>
+        <p:spPr>
+          <a:xfrm>
+            <a:off x="21402845" y="8218115"/>
+            <a:ext cx="5376975" cy="0"/>
+          </a:xfrm>
+          <a:prstGeom prst="straightConnector1">
+            <a:avLst/>
+          </a:prstGeom>
+          <a:ln w="19050">
+            <a:solidFill>
+              <a:srgbClr val="0070C0"/>
+            </a:solidFill>
+            <a:tailEnd type="arrow"/>
+          </a:ln>
+        </p:spPr>
+        <p:style>
+          <a:lnRef idx="1">
+            <a:schemeClr val="accent1"/>
+          </a:lnRef>
+          <a:fillRef idx="0">
+            <a:schemeClr val="accent1"/>
+          </a:fillRef>
+          <a:effectRef idx="0">
+            <a:schemeClr val="accent1"/>
+          </a:effectRef>
+          <a:fontRef idx="minor">
+            <a:schemeClr val="tx1"/>
+          </a:fontRef>
+        </p:style>
+      </p:cxnSp>
+      <p:sp>
+        <p:nvSpPr>
+          <p:cNvPr id="118" name="Rectangle 117">
+            <a:extLst>
+              <a:ext uri="{FF2B5EF4-FFF2-40B4-BE49-F238E27FC236}">
+                <a16:creationId xmlns:a16="http://schemas.microsoft.com/office/drawing/2014/main" id="{1CCA87DA-1BF8-4F94-96F9-55E2AFED0E11}"/>
+              </a:ext>
+            </a:extLst>
+          </p:cNvPr>
+          <p:cNvSpPr/>
+          <p:nvPr/>
+        </p:nvSpPr>
+        <p:spPr>
+          <a:xfrm>
+            <a:off x="26764282" y="8196687"/>
+            <a:ext cx="415118" cy="406453"/>
+          </a:xfrm>
+          <a:prstGeom prst="rect">
+            <a:avLst/>
+          </a:prstGeom>
+          <a:solidFill>
+            <a:srgbClr val="0070C0"/>
+          </a:solidFill>
+          <a:ln>
+            <a:solidFill>
+              <a:srgbClr val="0070C0"/>
+            </a:solidFill>
+          </a:ln>
+          <a:effectLst/>
+        </p:spPr>
+        <p:style>
+          <a:lnRef idx="1">
+            <a:schemeClr val="accent3"/>
+          </a:lnRef>
+          <a:fillRef idx="2">
+            <a:schemeClr val="accent3"/>
+          </a:fillRef>
+          <a:effectRef idx="1">
+            <a:schemeClr val="accent3"/>
+          </a:effectRef>
+          <a:fontRef idx="minor">
+            <a:schemeClr val="dk1"/>
+          </a:fontRef>
+        </p:style>
+        <p:txBody>
+          <a:bodyPr rtlCol="0" anchor="ctr"/>
+          <a:lstStyle/>
+          <a:p>
+            <a:pPr algn="ctr"/>
+            <a:endParaRPr lang="en-SG" sz="1999" dirty="0"/>
+          </a:p>
+        </p:txBody>
+      </p:sp>
+      <p:cxnSp>
+        <p:nvCxnSpPr>
+          <p:cNvPr id="119" name="Straight Arrow Connector 118">
+            <a:extLst>
+              <a:ext uri="{FF2B5EF4-FFF2-40B4-BE49-F238E27FC236}">
+                <a16:creationId xmlns:a16="http://schemas.microsoft.com/office/drawing/2014/main" id="{64D2D3C2-7F9E-44C3-9092-EE3994CE95BD}"/>
+              </a:ext>
+            </a:extLst>
+          </p:cNvPr>
+          <p:cNvCxnSpPr>
+            <a:cxnSpLocks/>
+          </p:cNvCxnSpPr>
+          <p:nvPr/>
+        </p:nvCxnSpPr>
+        <p:spPr>
+          <a:xfrm flipV="1">
+            <a:off x="21366076" y="8585832"/>
+            <a:ext cx="5398206" cy="7452"/>
+          </a:xfrm>
+          <a:prstGeom prst="straightConnector1">
+            <a:avLst/>
+          </a:prstGeom>
+          <a:ln w="19050">
+            <a:solidFill>
+              <a:schemeClr val="accent1"/>
+            </a:solidFill>
+            <a:prstDash val="sysDash"/>
+            <a:headEnd type="arrow" w="med" len="med"/>
+            <a:tailEnd type="none" w="med" len="med"/>
+          </a:ln>
+        </p:spPr>
+        <p:style>
+          <a:lnRef idx="1">
+            <a:schemeClr val="accent1"/>
+          </a:lnRef>
+          <a:fillRef idx="0">
+            <a:schemeClr val="accent1"/>
+          </a:fillRef>
+          <a:effectRef idx="0">
+            <a:schemeClr val="accent1"/>
+          </a:effectRef>
+          <a:fontRef idx="minor">
+            <a:schemeClr val="tx1"/>
+          </a:fontRef>
+        </p:style>
+      </p:cxnSp>
+      <p:cxnSp>
+        <p:nvCxnSpPr>
+          <p:cNvPr id="120" name="Straight Arrow Connector 119">
+            <a:extLst>
+              <a:ext uri="{FF2B5EF4-FFF2-40B4-BE49-F238E27FC236}">
+                <a16:creationId xmlns:a16="http://schemas.microsoft.com/office/drawing/2014/main" id="{746EA04E-117D-4796-9218-39B19F93ED73}"/>
+              </a:ext>
+            </a:extLst>
+          </p:cNvPr>
+          <p:cNvCxnSpPr>
+            <a:cxnSpLocks/>
+          </p:cNvCxnSpPr>
+          <p:nvPr/>
+        </p:nvCxnSpPr>
+        <p:spPr>
+          <a:xfrm>
+            <a:off x="21414839" y="9013481"/>
+            <a:ext cx="5376975" cy="0"/>
+          </a:xfrm>
+          <a:prstGeom prst="straightConnector1">
+            <a:avLst/>
+          </a:prstGeom>
+          <a:ln w="19050">
+            <a:solidFill>
+              <a:srgbClr val="0070C0"/>
+            </a:solidFill>
+            <a:tailEnd type="arrow"/>
+          </a:ln>
+        </p:spPr>
+        <p:style>
+          <a:lnRef idx="1">
+            <a:schemeClr val="accent1"/>
+          </a:lnRef>
+          <a:fillRef idx="0">
+            <a:schemeClr val="accent1"/>
+          </a:fillRef>
+          <a:effectRef idx="0">
+            <a:schemeClr val="accent1"/>
+          </a:effectRef>
+          <a:fontRef idx="minor">
+            <a:schemeClr val="tx1"/>
+          </a:fontRef>
+        </p:style>
+      </p:cxnSp>
+      <p:sp>
+        <p:nvSpPr>
+          <p:cNvPr id="121" name="Rectangle 120">
+            <a:extLst>
+              <a:ext uri="{FF2B5EF4-FFF2-40B4-BE49-F238E27FC236}">
+                <a16:creationId xmlns:a16="http://schemas.microsoft.com/office/drawing/2014/main" id="{F0968EE8-FABD-41A4-8EBF-D0AEC1CFFD2A}"/>
+              </a:ext>
+            </a:extLst>
+          </p:cNvPr>
+          <p:cNvSpPr/>
+          <p:nvPr/>
+        </p:nvSpPr>
+        <p:spPr>
+          <a:xfrm>
+            <a:off x="26776276" y="8992053"/>
+            <a:ext cx="415118" cy="406453"/>
+          </a:xfrm>
+          <a:prstGeom prst="rect">
+            <a:avLst/>
+          </a:prstGeom>
+          <a:solidFill>
+            <a:srgbClr val="0070C0"/>
+          </a:solidFill>
+          <a:ln>
+            <a:solidFill>
+              <a:srgbClr val="0070C0"/>
+            </a:solidFill>
+          </a:ln>
+          <a:effectLst/>
+        </p:spPr>
+        <p:style>
+          <a:lnRef idx="1">
+            <a:schemeClr val="accent3"/>
+          </a:lnRef>
+          <a:fillRef idx="2">
+            <a:schemeClr val="accent3"/>
+          </a:fillRef>
+          <a:effectRef idx="1">
+            <a:schemeClr val="accent3"/>
+          </a:effectRef>
+          <a:fontRef idx="minor">
+            <a:schemeClr val="dk1"/>
+          </a:fontRef>
+        </p:style>
+        <p:txBody>
+          <a:bodyPr rtlCol="0" anchor="ctr"/>
+          <a:lstStyle/>
+          <a:p>
+            <a:pPr algn="ctr"/>
+            <a:endParaRPr lang="en-SG" sz="1999" dirty="0"/>
+          </a:p>
+        </p:txBody>
+      </p:sp>
+      <p:cxnSp>
+        <p:nvCxnSpPr>
+          <p:cNvPr id="122" name="Straight Arrow Connector 121">
+            <a:extLst>
+              <a:ext uri="{FF2B5EF4-FFF2-40B4-BE49-F238E27FC236}">
+                <a16:creationId xmlns:a16="http://schemas.microsoft.com/office/drawing/2014/main" id="{CB7BB935-AE66-4159-BD7F-420395D769A7}"/>
+              </a:ext>
+            </a:extLst>
+          </p:cNvPr>
+          <p:cNvCxnSpPr>
+            <a:cxnSpLocks/>
+          </p:cNvCxnSpPr>
+          <p:nvPr/>
+        </p:nvCxnSpPr>
+        <p:spPr>
+          <a:xfrm flipV="1">
+            <a:off x="21378070" y="9381198"/>
+            <a:ext cx="5398206" cy="7452"/>
+          </a:xfrm>
+          <a:prstGeom prst="straightConnector1">
+            <a:avLst/>
+          </a:prstGeom>
+          <a:ln w="19050">
+            <a:solidFill>
+              <a:schemeClr val="accent1"/>
+            </a:solidFill>
+            <a:prstDash val="sysDash"/>
+            <a:headEnd type="arrow" w="med" len="med"/>
+            <a:tailEnd type="none" w="med" len="med"/>
+          </a:ln>
+        </p:spPr>
+        <p:style>
+          <a:lnRef idx="1">
+            <a:schemeClr val="accent1"/>
+          </a:lnRef>
+          <a:fillRef idx="0">
+            <a:schemeClr val="accent1"/>
+          </a:fillRef>
+          <a:effectRef idx="0">
+            <a:schemeClr val="accent1"/>
+          </a:effectRef>
+          <a:fontRef idx="minor">
+            <a:schemeClr val="tx1"/>
+          </a:fontRef>
+        </p:style>
+      </p:cxnSp>
+      <p:cxnSp>
+        <p:nvCxnSpPr>
+          <p:cNvPr id="123" name="Straight Arrow Connector 122">
+            <a:extLst>
+              <a:ext uri="{FF2B5EF4-FFF2-40B4-BE49-F238E27FC236}">
+                <a16:creationId xmlns:a16="http://schemas.microsoft.com/office/drawing/2014/main" id="{9F3FA96C-88C8-4A51-9DB0-8947B8F849C5}"/>
+              </a:ext>
+            </a:extLst>
+          </p:cNvPr>
+          <p:cNvCxnSpPr>
+            <a:cxnSpLocks/>
+          </p:cNvCxnSpPr>
+          <p:nvPr/>
+        </p:nvCxnSpPr>
+        <p:spPr>
+          <a:xfrm>
+            <a:off x="21430377" y="9842142"/>
+            <a:ext cx="5376975" cy="0"/>
+          </a:xfrm>
+          <a:prstGeom prst="straightConnector1">
+            <a:avLst/>
+          </a:prstGeom>
+          <a:ln w="19050">
+            <a:solidFill>
+              <a:srgbClr val="0070C0"/>
+            </a:solidFill>
+            <a:tailEnd type="arrow"/>
+          </a:ln>
+        </p:spPr>
+        <p:style>
+          <a:lnRef idx="1">
+            <a:schemeClr val="accent1"/>
+          </a:lnRef>
+          <a:fillRef idx="0">
+            <a:schemeClr val="accent1"/>
+          </a:fillRef>
+          <a:effectRef idx="0">
+            <a:schemeClr val="accent1"/>
+          </a:effectRef>
+          <a:fontRef idx="minor">
+            <a:schemeClr val="tx1"/>
+          </a:fontRef>
+        </p:style>
+      </p:cxnSp>
+      <p:sp>
+        <p:nvSpPr>
+          <p:cNvPr id="124" name="Rectangle 123">
+            <a:extLst>
+              <a:ext uri="{FF2B5EF4-FFF2-40B4-BE49-F238E27FC236}">
+                <a16:creationId xmlns:a16="http://schemas.microsoft.com/office/drawing/2014/main" id="{F6ED6F15-794F-444C-91EC-3F59F6B4F00F}"/>
+              </a:ext>
+            </a:extLst>
+          </p:cNvPr>
+          <p:cNvSpPr/>
+          <p:nvPr/>
+        </p:nvSpPr>
+        <p:spPr>
+          <a:xfrm>
+            <a:off x="26791814" y="9820714"/>
+            <a:ext cx="415118" cy="406453"/>
+          </a:xfrm>
+          <a:prstGeom prst="rect">
+            <a:avLst/>
+          </a:prstGeom>
+          <a:solidFill>
+            <a:srgbClr val="0070C0"/>
+          </a:solidFill>
+          <a:ln>
+            <a:solidFill>
+              <a:srgbClr val="0070C0"/>
+            </a:solidFill>
+          </a:ln>
+          <a:effectLst/>
+        </p:spPr>
+        <p:style>
+          <a:lnRef idx="1">
+            <a:schemeClr val="accent3"/>
+          </a:lnRef>
+          <a:fillRef idx="2">
+            <a:schemeClr val="accent3"/>
+          </a:fillRef>
+          <a:effectRef idx="1">
+            <a:schemeClr val="accent3"/>
+          </a:effectRef>
+          <a:fontRef idx="minor">
+            <a:schemeClr val="dk1"/>
+          </a:fontRef>
+        </p:style>
+        <p:txBody>
+          <a:bodyPr rtlCol="0" anchor="ctr"/>
+          <a:lstStyle/>
+          <a:p>
+            <a:pPr algn="ctr"/>
+            <a:endParaRPr lang="en-SG" sz="1999" dirty="0"/>
+          </a:p>
+        </p:txBody>
+      </p:sp>
+      <p:cxnSp>
+        <p:nvCxnSpPr>
+          <p:cNvPr id="125" name="Straight Arrow Connector 124">
+            <a:extLst>
+              <a:ext uri="{FF2B5EF4-FFF2-40B4-BE49-F238E27FC236}">
+                <a16:creationId xmlns:a16="http://schemas.microsoft.com/office/drawing/2014/main" id="{286D56B9-AF86-4D3C-A680-2DFA4305CFA8}"/>
+              </a:ext>
+            </a:extLst>
+          </p:cNvPr>
+          <p:cNvCxnSpPr>
+            <a:cxnSpLocks/>
+          </p:cNvCxnSpPr>
+          <p:nvPr/>
+        </p:nvCxnSpPr>
+        <p:spPr>
+          <a:xfrm flipV="1">
+            <a:off x="21393608" y="10209859"/>
+            <a:ext cx="5398206" cy="7452"/>
+          </a:xfrm>
+          <a:prstGeom prst="straightConnector1">
+            <a:avLst/>
+          </a:prstGeom>
+          <a:ln w="19050">
+            <a:solidFill>
+              <a:schemeClr val="accent1"/>
+            </a:solidFill>
+            <a:prstDash val="sysDash"/>
+            <a:headEnd type="arrow" w="med" len="med"/>
+            <a:tailEnd type="none" w="med" len="med"/>
+          </a:ln>
+        </p:spPr>
+        <p:style>
+          <a:lnRef idx="1">
+            <a:schemeClr val="accent1"/>
+          </a:lnRef>
+          <a:fillRef idx="0">
+            <a:schemeClr val="accent1"/>
+          </a:fillRef>
+          <a:effectRef idx="0">
+            <a:schemeClr val="accent1"/>
+          </a:effectRef>
+          <a:fontRef idx="minor">
+            <a:schemeClr val="tx1"/>
+          </a:fontRef>
+        </p:style>
+      </p:cxnSp>
+      <p:cxnSp>
+        <p:nvCxnSpPr>
+          <p:cNvPr id="126" name="Straight Arrow Connector 125">
+            <a:extLst>
+              <a:ext uri="{FF2B5EF4-FFF2-40B4-BE49-F238E27FC236}">
+                <a16:creationId xmlns:a16="http://schemas.microsoft.com/office/drawing/2014/main" id="{D1C87433-6483-45A4-A1FC-B4780FD05135}"/>
+              </a:ext>
+            </a:extLst>
+          </p:cNvPr>
+          <p:cNvCxnSpPr>
+            <a:cxnSpLocks/>
+          </p:cNvCxnSpPr>
+          <p:nvPr/>
+        </p:nvCxnSpPr>
+        <p:spPr>
+          <a:xfrm>
+            <a:off x="21442244" y="10595905"/>
+            <a:ext cx="5376975" cy="0"/>
+          </a:xfrm>
+          <a:prstGeom prst="straightConnector1">
+            <a:avLst/>
+          </a:prstGeom>
+          <a:ln w="19050">
+            <a:solidFill>
+              <a:srgbClr val="0070C0"/>
+            </a:solidFill>
+            <a:tailEnd type="arrow"/>
+          </a:ln>
+        </p:spPr>
+        <p:style>
+          <a:lnRef idx="1">
+            <a:schemeClr val="accent1"/>
+          </a:lnRef>
+          <a:fillRef idx="0">
+            <a:schemeClr val="accent1"/>
+          </a:fillRef>
+          <a:effectRef idx="0">
+            <a:schemeClr val="accent1"/>
+          </a:effectRef>
+          <a:fontRef idx="minor">
+            <a:schemeClr val="tx1"/>
+          </a:fontRef>
+        </p:style>
+      </p:cxnSp>
+      <p:sp>
+        <p:nvSpPr>
+          <p:cNvPr id="127" name="Rectangle 126">
+            <a:extLst>
+              <a:ext uri="{FF2B5EF4-FFF2-40B4-BE49-F238E27FC236}">
+                <a16:creationId xmlns:a16="http://schemas.microsoft.com/office/drawing/2014/main" id="{D930D2BC-72E6-4B2A-B0DB-BA6FCF47D4BC}"/>
+              </a:ext>
+            </a:extLst>
+          </p:cNvPr>
+          <p:cNvSpPr/>
+          <p:nvPr/>
+        </p:nvSpPr>
+        <p:spPr>
+          <a:xfrm>
+            <a:off x="26803681" y="10574477"/>
+            <a:ext cx="415118" cy="406453"/>
+          </a:xfrm>
+          <a:prstGeom prst="rect">
+            <a:avLst/>
+          </a:prstGeom>
+          <a:solidFill>
+            <a:srgbClr val="0070C0"/>
+          </a:solidFill>
+          <a:ln>
+            <a:solidFill>
+              <a:srgbClr val="0070C0"/>
+            </a:solidFill>
+          </a:ln>
+          <a:effectLst/>
+        </p:spPr>
+        <p:style>
+          <a:lnRef idx="1">
+            <a:schemeClr val="accent3"/>
+          </a:lnRef>
+          <a:fillRef idx="2">
+            <a:schemeClr val="accent3"/>
+          </a:fillRef>
+          <a:effectRef idx="1">
+            <a:schemeClr val="accent3"/>
+          </a:effectRef>
+          <a:fontRef idx="minor">
+            <a:schemeClr val="dk1"/>
+          </a:fontRef>
+        </p:style>
+        <p:txBody>
+          <a:bodyPr rtlCol="0" anchor="ctr"/>
+          <a:lstStyle/>
+          <a:p>
+            <a:pPr algn="ctr"/>
+            <a:endParaRPr lang="en-SG" sz="1999" dirty="0"/>
+          </a:p>
+        </p:txBody>
+      </p:sp>
+      <p:cxnSp>
+        <p:nvCxnSpPr>
+          <p:cNvPr id="128" name="Straight Arrow Connector 127">
+            <a:extLst>
+              <a:ext uri="{FF2B5EF4-FFF2-40B4-BE49-F238E27FC236}">
+                <a16:creationId xmlns:a16="http://schemas.microsoft.com/office/drawing/2014/main" id="{0994FE29-B4F1-45F3-9702-ACBA0F0F3BE6}"/>
+              </a:ext>
+            </a:extLst>
+          </p:cNvPr>
+          <p:cNvCxnSpPr>
+            <a:cxnSpLocks/>
+          </p:cNvCxnSpPr>
+          <p:nvPr/>
+        </p:nvCxnSpPr>
+        <p:spPr>
+          <a:xfrm flipV="1">
+            <a:off x="21405475" y="10963622"/>
+            <a:ext cx="5398206" cy="7452"/>
+          </a:xfrm>
+          <a:prstGeom prst="straightConnector1">
+            <a:avLst/>
+          </a:prstGeom>
+          <a:ln w="19050">
+            <a:solidFill>
+              <a:schemeClr val="accent1"/>
+            </a:solidFill>
+            <a:prstDash val="sysDash"/>
+            <a:headEnd type="arrow" w="med" len="med"/>
+            <a:tailEnd type="none" w="med" len="med"/>
+          </a:ln>
+        </p:spPr>
+        <p:style>
+          <a:lnRef idx="1">
+            <a:schemeClr val="accent1"/>
+          </a:lnRef>
+          <a:fillRef idx="0">
+            <a:schemeClr val="accent1"/>
+          </a:fillRef>
+          <a:effectRef idx="0">
+            <a:schemeClr val="accent1"/>
+          </a:effectRef>
+          <a:fontRef idx="minor">
+            <a:schemeClr val="tx1"/>
+          </a:fontRef>
+        </p:style>
+      </p:cxnSp>
+      <p:cxnSp>
+        <p:nvCxnSpPr>
+          <p:cNvPr id="129" name="Straight Arrow Connector 128">
+            <a:extLst>
+              <a:ext uri="{FF2B5EF4-FFF2-40B4-BE49-F238E27FC236}">
+                <a16:creationId xmlns:a16="http://schemas.microsoft.com/office/drawing/2014/main" id="{92650B5B-005A-455A-BD44-576DFD16BB15}"/>
+              </a:ext>
+            </a:extLst>
+          </p:cNvPr>
+          <p:cNvCxnSpPr>
+            <a:cxnSpLocks/>
+          </p:cNvCxnSpPr>
+          <p:nvPr/>
+        </p:nvCxnSpPr>
+        <p:spPr>
+          <a:xfrm>
+            <a:off x="21443687" y="11284328"/>
+            <a:ext cx="5376975" cy="0"/>
+          </a:xfrm>
+          <a:prstGeom prst="straightConnector1">
+            <a:avLst/>
+          </a:prstGeom>
+          <a:ln w="19050">
+            <a:solidFill>
+              <a:srgbClr val="0070C0"/>
+            </a:solidFill>
+            <a:tailEnd type="arrow"/>
+          </a:ln>
+        </p:spPr>
+        <p:style>
+          <a:lnRef idx="1">
+            <a:schemeClr val="accent1"/>
+          </a:lnRef>
+          <a:fillRef idx="0">
+            <a:schemeClr val="accent1"/>
+          </a:fillRef>
+          <a:effectRef idx="0">
+            <a:schemeClr val="accent1"/>
+          </a:effectRef>
+          <a:fontRef idx="minor">
+            <a:schemeClr val="tx1"/>
+          </a:fontRef>
+        </p:style>
+      </p:cxnSp>
+      <p:sp>
+        <p:nvSpPr>
+          <p:cNvPr id="130" name="Rectangle 129">
+            <a:extLst>
+              <a:ext uri="{FF2B5EF4-FFF2-40B4-BE49-F238E27FC236}">
+                <a16:creationId xmlns:a16="http://schemas.microsoft.com/office/drawing/2014/main" id="{BDFD0015-FF9F-4201-AF7B-146787315AA1}"/>
+              </a:ext>
+            </a:extLst>
+          </p:cNvPr>
+          <p:cNvSpPr/>
+          <p:nvPr/>
+        </p:nvSpPr>
+        <p:spPr>
+          <a:xfrm>
+            <a:off x="26805124" y="11262900"/>
+            <a:ext cx="415118" cy="406453"/>
+          </a:xfrm>
+          <a:prstGeom prst="rect">
+            <a:avLst/>
+          </a:prstGeom>
+          <a:solidFill>
+            <a:srgbClr val="0070C0"/>
+          </a:solidFill>
+          <a:ln>
+            <a:solidFill>
+              <a:srgbClr val="0070C0"/>
+            </a:solidFill>
+          </a:ln>
+          <a:effectLst/>
+        </p:spPr>
+        <p:style>
+          <a:lnRef idx="1">
+            <a:schemeClr val="accent3"/>
+          </a:lnRef>
+          <a:fillRef idx="2">
+            <a:schemeClr val="accent3"/>
+          </a:fillRef>
+          <a:effectRef idx="1">
+            <a:schemeClr val="accent3"/>
+          </a:effectRef>
+          <a:fontRef idx="minor">
+            <a:schemeClr val="dk1"/>
+          </a:fontRef>
+        </p:style>
+        <p:txBody>
+          <a:bodyPr rtlCol="0" anchor="ctr"/>
+          <a:lstStyle/>
+          <a:p>
+            <a:pPr algn="ctr"/>
+            <a:endParaRPr lang="en-SG" sz="1999" dirty="0"/>
+          </a:p>
+        </p:txBody>
+      </p:sp>
+      <p:cxnSp>
+        <p:nvCxnSpPr>
+          <p:cNvPr id="131" name="Straight Arrow Connector 130">
+            <a:extLst>
+              <a:ext uri="{FF2B5EF4-FFF2-40B4-BE49-F238E27FC236}">
+                <a16:creationId xmlns:a16="http://schemas.microsoft.com/office/drawing/2014/main" id="{B4099EE9-AF93-4B6D-AFE8-D0A7B968DC7C}"/>
+              </a:ext>
+            </a:extLst>
+          </p:cNvPr>
+          <p:cNvCxnSpPr>
+            <a:cxnSpLocks/>
+          </p:cNvCxnSpPr>
+          <p:nvPr/>
+        </p:nvCxnSpPr>
+        <p:spPr>
+          <a:xfrm flipV="1">
+            <a:off x="21406918" y="11652045"/>
+            <a:ext cx="5398206" cy="7452"/>
+          </a:xfrm>
+          <a:prstGeom prst="straightConnector1">
+            <a:avLst/>
+          </a:prstGeom>
+          <a:ln w="19050">
+            <a:solidFill>
+              <a:schemeClr val="accent1"/>
+            </a:solidFill>
+            <a:prstDash val="sysDash"/>
+            <a:headEnd type="arrow" w="med" len="med"/>
+            <a:tailEnd type="none" w="med" len="med"/>
+          </a:ln>
+        </p:spPr>
+        <p:style>
+          <a:lnRef idx="1">
+            <a:schemeClr val="accent1"/>
+          </a:lnRef>
+          <a:fillRef idx="0">
+            <a:schemeClr val="accent1"/>
+          </a:fillRef>
+          <a:effectRef idx="0">
+            <a:schemeClr val="accent1"/>
+          </a:effectRef>
+          <a:fontRef idx="minor">
+            <a:schemeClr val="tx1"/>
+          </a:fontRef>
+        </p:style>
+      </p:cxnSp>
+      <p:cxnSp>
+        <p:nvCxnSpPr>
+          <p:cNvPr id="132" name="Straight Arrow Connector 131">
+            <a:extLst>
+              <a:ext uri="{FF2B5EF4-FFF2-40B4-BE49-F238E27FC236}">
+                <a16:creationId xmlns:a16="http://schemas.microsoft.com/office/drawing/2014/main" id="{51886AF8-380F-4CBA-A649-E83B4F9E469A}"/>
+              </a:ext>
+            </a:extLst>
+          </p:cNvPr>
+          <p:cNvCxnSpPr>
+            <a:cxnSpLocks/>
+          </p:cNvCxnSpPr>
+          <p:nvPr/>
+        </p:nvCxnSpPr>
+        <p:spPr>
+          <a:xfrm>
+            <a:off x="21454184" y="11996616"/>
+            <a:ext cx="5376975" cy="0"/>
+          </a:xfrm>
+          <a:prstGeom prst="straightConnector1">
+            <a:avLst/>
+          </a:prstGeom>
+          <a:ln w="19050">
+            <a:solidFill>
+              <a:srgbClr val="0070C0"/>
+            </a:solidFill>
+            <a:tailEnd type="arrow"/>
+          </a:ln>
+        </p:spPr>
+        <p:style>
+          <a:lnRef idx="1">
+            <a:schemeClr val="accent1"/>
+          </a:lnRef>
+          <a:fillRef idx="0">
+            <a:schemeClr val="accent1"/>
+          </a:fillRef>
+          <a:effectRef idx="0">
+            <a:schemeClr val="accent1"/>
+          </a:effectRef>
+          <a:fontRef idx="minor">
+            <a:schemeClr val="tx1"/>
+          </a:fontRef>
+        </p:style>
+      </p:cxnSp>
+      <p:sp>
+        <p:nvSpPr>
+          <p:cNvPr id="133" name="Rectangle 132">
+            <a:extLst>
+              <a:ext uri="{FF2B5EF4-FFF2-40B4-BE49-F238E27FC236}">
+                <a16:creationId xmlns:a16="http://schemas.microsoft.com/office/drawing/2014/main" id="{5D881B40-0FC7-4AD2-9677-A07951F7D816}"/>
+              </a:ext>
+            </a:extLst>
+          </p:cNvPr>
+          <p:cNvSpPr/>
+          <p:nvPr/>
+        </p:nvSpPr>
+        <p:spPr>
+          <a:xfrm>
+            <a:off x="26815621" y="11975188"/>
+            <a:ext cx="415118" cy="406453"/>
+          </a:xfrm>
+          <a:prstGeom prst="rect">
+            <a:avLst/>
+          </a:prstGeom>
+          <a:solidFill>
+            <a:srgbClr val="0070C0"/>
+          </a:solidFill>
+          <a:ln>
+            <a:solidFill>
+              <a:srgbClr val="0070C0"/>
+            </a:solidFill>
+          </a:ln>
+          <a:effectLst/>
+        </p:spPr>
+        <p:style>
+          <a:lnRef idx="1">
+            <a:schemeClr val="accent3"/>
+          </a:lnRef>
+          <a:fillRef idx="2">
+            <a:schemeClr val="accent3"/>
+          </a:fillRef>
+          <a:effectRef idx="1">
+            <a:schemeClr val="accent3"/>
+          </a:effectRef>
+          <a:fontRef idx="minor">
+            <a:schemeClr val="dk1"/>
+          </a:fontRef>
+        </p:style>
+        <p:txBody>
+          <a:bodyPr rtlCol="0" anchor="ctr"/>
+          <a:lstStyle/>
+          <a:p>
+            <a:pPr algn="ctr"/>
+            <a:endParaRPr lang="en-SG" sz="1999" dirty="0"/>
+          </a:p>
+        </p:txBody>
+      </p:sp>
+      <p:cxnSp>
+        <p:nvCxnSpPr>
+          <p:cNvPr id="134" name="Straight Arrow Connector 133">
+            <a:extLst>
+              <a:ext uri="{FF2B5EF4-FFF2-40B4-BE49-F238E27FC236}">
+                <a16:creationId xmlns:a16="http://schemas.microsoft.com/office/drawing/2014/main" id="{16CC6DC6-0944-43D5-A942-C0656DDFBFA0}"/>
+              </a:ext>
+            </a:extLst>
+          </p:cNvPr>
+          <p:cNvCxnSpPr>
+            <a:cxnSpLocks/>
+          </p:cNvCxnSpPr>
+          <p:nvPr/>
+        </p:nvCxnSpPr>
+        <p:spPr>
+          <a:xfrm flipV="1">
+            <a:off x="21417415" y="12364333"/>
+            <a:ext cx="5398206" cy="7452"/>
+          </a:xfrm>
+          <a:prstGeom prst="straightConnector1">
+            <a:avLst/>
+          </a:prstGeom>
+          <a:ln w="19050">
+            <a:solidFill>
+              <a:schemeClr val="accent1"/>
+            </a:solidFill>
+            <a:prstDash val="sysDash"/>
+            <a:headEnd type="arrow" w="med" len="med"/>
+            <a:tailEnd type="none" w="med" len="med"/>
+          </a:ln>
+        </p:spPr>
+        <p:style>
+          <a:lnRef idx="1">
+            <a:schemeClr val="accent1"/>
+          </a:lnRef>
+          <a:fillRef idx="0">
+            <a:schemeClr val="accent1"/>
+          </a:fillRef>
+          <a:effectRef idx="0">
+            <a:schemeClr val="accent1"/>
+          </a:effectRef>
+          <a:fontRef idx="minor">
+            <a:schemeClr val="tx1"/>
+          </a:fontRef>
+        </p:style>
+      </p:cxnSp>
     </p:spTree>
     <p:extLst>
       <p:ext uri="{BB962C8B-B14F-4D97-AF65-F5344CB8AC3E}">
